--- a/Slides 2020/6. Git 중급 1.pptx
+++ b/Slides 2020/6. Git 중급 1.pptx
@@ -10,37 +10,37 @@
   <p:sldIdLst>
     <p:sldId id="344" r:id="rId2"/>
     <p:sldId id="273" r:id="rId3"/>
-    <p:sldId id="366" r:id="rId4"/>
-    <p:sldId id="262" r:id="rId5"/>
-    <p:sldId id="392" r:id="rId6"/>
-    <p:sldId id="401" r:id="rId7"/>
-    <p:sldId id="393" r:id="rId8"/>
-    <p:sldId id="394" r:id="rId9"/>
-    <p:sldId id="395" r:id="rId10"/>
-    <p:sldId id="400" r:id="rId11"/>
-    <p:sldId id="396" r:id="rId12"/>
-    <p:sldId id="397" r:id="rId13"/>
-    <p:sldId id="398" r:id="rId14"/>
-    <p:sldId id="399" r:id="rId15"/>
-    <p:sldId id="402" r:id="rId16"/>
-    <p:sldId id="403" r:id="rId17"/>
-    <p:sldId id="404" r:id="rId18"/>
-    <p:sldId id="405" r:id="rId19"/>
-    <p:sldId id="406" r:id="rId20"/>
-    <p:sldId id="364" r:id="rId21"/>
-    <p:sldId id="367" r:id="rId22"/>
-    <p:sldId id="368" r:id="rId23"/>
-    <p:sldId id="369" r:id="rId24"/>
-    <p:sldId id="372" r:id="rId25"/>
-    <p:sldId id="407" r:id="rId26"/>
-    <p:sldId id="408" r:id="rId27"/>
-    <p:sldId id="370" r:id="rId28"/>
-    <p:sldId id="371" r:id="rId29"/>
-    <p:sldId id="409" r:id="rId30"/>
-    <p:sldId id="374" r:id="rId31"/>
-    <p:sldId id="410" r:id="rId32"/>
-    <p:sldId id="411" r:id="rId33"/>
-    <p:sldId id="389" r:id="rId34"/>
+    <p:sldId id="425" r:id="rId4"/>
+    <p:sldId id="366" r:id="rId5"/>
+    <p:sldId id="262" r:id="rId6"/>
+    <p:sldId id="392" r:id="rId7"/>
+    <p:sldId id="401" r:id="rId8"/>
+    <p:sldId id="393" r:id="rId9"/>
+    <p:sldId id="394" r:id="rId10"/>
+    <p:sldId id="395" r:id="rId11"/>
+    <p:sldId id="400" r:id="rId12"/>
+    <p:sldId id="396" r:id="rId13"/>
+    <p:sldId id="397" r:id="rId14"/>
+    <p:sldId id="398" r:id="rId15"/>
+    <p:sldId id="399" r:id="rId16"/>
+    <p:sldId id="402" r:id="rId17"/>
+    <p:sldId id="403" r:id="rId18"/>
+    <p:sldId id="404" r:id="rId19"/>
+    <p:sldId id="405" r:id="rId20"/>
+    <p:sldId id="406" r:id="rId21"/>
+    <p:sldId id="364" r:id="rId22"/>
+    <p:sldId id="367" r:id="rId23"/>
+    <p:sldId id="368" r:id="rId24"/>
+    <p:sldId id="369" r:id="rId25"/>
+    <p:sldId id="372" r:id="rId26"/>
+    <p:sldId id="407" r:id="rId27"/>
+    <p:sldId id="408" r:id="rId28"/>
+    <p:sldId id="370" r:id="rId29"/>
+    <p:sldId id="371" r:id="rId30"/>
+    <p:sldId id="409" r:id="rId31"/>
+    <p:sldId id="374" r:id="rId32"/>
+    <p:sldId id="410" r:id="rId33"/>
+    <p:sldId id="411" r:id="rId34"/>
   </p:sldIdLst>
   <p:sldSz cx="9144000" cy="6858000" type="screen4x3"/>
   <p:notesSz cx="6858000" cy="9144000"/>
@@ -229,7 +229,7 @@
           <a:p>
             <a:fld id="{3A51E6CB-1B67-49CD-819C-CBD1F8F15839}" type="datetimeFigureOut">
               <a:rPr lang="ko-KR" altLang="en-US" smtClean="0"/>
-              <a:t>2019-10-02</a:t>
+              <a:t>2020-09-29</a:t>
             </a:fld>
             <a:endParaRPr lang="ko-KR" altLang="en-US"/>
           </a:p>
@@ -711,7 +711,7 @@
           <a:p>
             <a:fld id="{1EA80F27-E9B9-4A8E-9A59-01CCB3F43850}" type="datetime1">
               <a:rPr lang="ko-KR" altLang="en-US" smtClean="0"/>
-              <a:t>2019-10-02</a:t>
+              <a:t>2020-09-29</a:t>
             </a:fld>
             <a:endParaRPr lang="ko-KR" altLang="en-US"/>
           </a:p>
@@ -927,7 +927,7 @@
           <a:p>
             <a:fld id="{7E5363F8-22A8-407F-82B0-EFC1D1C22895}" type="datetime1">
               <a:rPr lang="ko-KR" altLang="en-US" smtClean="0"/>
-              <a:t>2019-10-02</a:t>
+              <a:t>2020-09-29</a:t>
             </a:fld>
             <a:endParaRPr lang="ko-KR" altLang="en-US"/>
           </a:p>
@@ -1107,7 +1107,7 @@
           <a:p>
             <a:fld id="{8187739B-8E74-4F06-BBD0-F6D670C1F7A1}" type="datetime1">
               <a:rPr lang="ko-KR" altLang="en-US" smtClean="0"/>
-              <a:t>2019-10-02</a:t>
+              <a:t>2020-09-29</a:t>
             </a:fld>
             <a:endParaRPr lang="ko-KR" altLang="en-US"/>
           </a:p>
@@ -1277,7 +1277,7 @@
           <a:p>
             <a:fld id="{947C39E4-F1C0-46F5-93CB-857C8C3AEB8D}" type="datetime1">
               <a:rPr lang="ko-KR" altLang="en-US" smtClean="0"/>
-              <a:t>2019-10-02</a:t>
+              <a:t>2020-09-29</a:t>
             </a:fld>
             <a:endParaRPr lang="ko-KR" altLang="en-US"/>
           </a:p>
@@ -1521,7 +1521,7 @@
           <a:p>
             <a:fld id="{7818271D-E6C7-4286-B2FD-D9AA53F1E428}" type="datetime1">
               <a:rPr lang="ko-KR" altLang="en-US" smtClean="0"/>
-              <a:t>2019-10-02</a:t>
+              <a:t>2020-09-29</a:t>
             </a:fld>
             <a:endParaRPr lang="ko-KR" altLang="en-US"/>
           </a:p>
@@ -1753,7 +1753,7 @@
           <a:p>
             <a:fld id="{8CE3C26B-F624-420D-BF9D-391E2E695B27}" type="datetime1">
               <a:rPr lang="ko-KR" altLang="en-US" smtClean="0"/>
-              <a:t>2019-10-02</a:t>
+              <a:t>2020-09-29</a:t>
             </a:fld>
             <a:endParaRPr lang="ko-KR" altLang="en-US"/>
           </a:p>
@@ -2120,7 +2120,7 @@
           <a:p>
             <a:fld id="{A1FC83CE-7AD5-4A20-9998-54C7F9F05545}" type="datetime1">
               <a:rPr lang="ko-KR" altLang="en-US" smtClean="0"/>
-              <a:t>2019-10-02</a:t>
+              <a:t>2020-09-29</a:t>
             </a:fld>
             <a:endParaRPr lang="ko-KR" altLang="en-US"/>
           </a:p>
@@ -2238,7 +2238,7 @@
           <a:p>
             <a:fld id="{3A3E22EA-EB96-4ADF-ABA9-A693E5F7BB1E}" type="datetime1">
               <a:rPr lang="ko-KR" altLang="en-US" smtClean="0"/>
-              <a:t>2019-10-02</a:t>
+              <a:t>2020-09-29</a:t>
             </a:fld>
             <a:endParaRPr lang="ko-KR" altLang="en-US"/>
           </a:p>
@@ -2333,7 +2333,7 @@
           <a:p>
             <a:fld id="{0D5BD961-86A8-440A-8C4E-52B6CA6FECED}" type="datetime1">
               <a:rPr lang="ko-KR" altLang="en-US" smtClean="0"/>
-              <a:t>2019-10-02</a:t>
+              <a:t>2020-09-29</a:t>
             </a:fld>
             <a:endParaRPr lang="ko-KR" altLang="en-US"/>
           </a:p>
@@ -2610,7 +2610,7 @@
           <a:p>
             <a:fld id="{CD151CC0-1347-483B-8708-01772054FA68}" type="datetime1">
               <a:rPr lang="ko-KR" altLang="en-US" smtClean="0"/>
-              <a:t>2019-10-02</a:t>
+              <a:t>2020-09-29</a:t>
             </a:fld>
             <a:endParaRPr lang="ko-KR" altLang="en-US"/>
           </a:p>
@@ -2867,7 +2867,7 @@
           <a:p>
             <a:fld id="{57185993-49E6-4096-BF26-930E741DA796}" type="datetime1">
               <a:rPr lang="ko-KR" altLang="en-US" smtClean="0"/>
-              <a:t>2019-10-02</a:t>
+              <a:t>2020-09-29</a:t>
             </a:fld>
             <a:endParaRPr lang="ko-KR" altLang="en-US"/>
           </a:p>
@@ -3083,7 +3083,7 @@
           <a:p>
             <a:fld id="{170798F3-F6A9-4876-8D5A-30BE2843F4A2}" type="datetime1">
               <a:rPr lang="ko-KR" altLang="en-US" smtClean="0"/>
-              <a:t>2019-10-02</a:t>
+              <a:t>2020-09-29</a:t>
             </a:fld>
             <a:endParaRPr lang="ko-KR" altLang="en-US"/>
           </a:p>
@@ -3774,6 +3774,236 @@
           <p:cNvPr id="2" name="제목 1">
             <a:extLst>
               <a:ext uri="{FF2B5EF4-FFF2-40B4-BE49-F238E27FC236}">
+                <a16:creationId xmlns:a16="http://schemas.microsoft.com/office/drawing/2014/main" id="{FACE0EFD-41A8-49D4-9FAD-A007AEF0A5CE}"/>
+              </a:ext>
+            </a:extLst>
+          </p:cNvPr>
+          <p:cNvSpPr>
+            <a:spLocks noGrp="1"/>
+          </p:cNvSpPr>
+          <p:nvPr>
+            <p:ph type="title"/>
+          </p:nvPr>
+        </p:nvSpPr>
+        <p:spPr/>
+        <p:txBody>
+          <a:bodyPr/>
+          <a:lstStyle/>
+          <a:p>
+            <a:r>
+              <a:rPr lang="en-US" altLang="ko-KR" dirty="0"/>
+              <a:t>Publish Master branch to GitHub</a:t>
+            </a:r>
+            <a:endParaRPr lang="ko-KR" altLang="en-US" dirty="0"/>
+          </a:p>
+        </p:txBody>
+      </p:sp>
+      <p:pic>
+        <p:nvPicPr>
+          <p:cNvPr id="5" name="내용 개체 틀 4">
+            <a:extLst>
+              <a:ext uri="{FF2B5EF4-FFF2-40B4-BE49-F238E27FC236}">
+                <a16:creationId xmlns:a16="http://schemas.microsoft.com/office/drawing/2014/main" id="{94B86C2F-478C-4477-9484-0B06BD9A93B7}"/>
+              </a:ext>
+            </a:extLst>
+          </p:cNvPr>
+          <p:cNvPicPr>
+            <a:picLocks noGrp="1" noChangeAspect="1"/>
+          </p:cNvPicPr>
+          <p:nvPr>
+            <p:ph idx="1"/>
+          </p:nvPr>
+        </p:nvPicPr>
+        <p:blipFill>
+          <a:blip r:embed="rId2"/>
+          <a:stretch>
+            <a:fillRect/>
+          </a:stretch>
+        </p:blipFill>
+        <p:spPr>
+          <a:xfrm>
+            <a:off x="768847" y="1058863"/>
+            <a:ext cx="7606307" cy="5268912"/>
+          </a:xfrm>
+          <a:prstGeom prst="rect">
+            <a:avLst/>
+          </a:prstGeom>
+        </p:spPr>
+      </p:pic>
+      <p:sp>
+        <p:nvSpPr>
+          <p:cNvPr id="4" name="슬라이드 번호 개체 틀 3">
+            <a:extLst>
+              <a:ext uri="{FF2B5EF4-FFF2-40B4-BE49-F238E27FC236}">
+                <a16:creationId xmlns:a16="http://schemas.microsoft.com/office/drawing/2014/main" id="{D2191A00-EF72-4598-BB92-10DA6DA5C9E0}"/>
+              </a:ext>
+            </a:extLst>
+          </p:cNvPr>
+          <p:cNvSpPr>
+            <a:spLocks noGrp="1"/>
+          </p:cNvSpPr>
+          <p:nvPr>
+            <p:ph type="sldNum" sz="quarter" idx="12"/>
+          </p:nvPr>
+        </p:nvSpPr>
+        <p:spPr/>
+        <p:txBody>
+          <a:bodyPr/>
+          <a:lstStyle/>
+          <a:p>
+            <a:fld id="{64F0D409-D3F6-4EEC-8C77-1F5E89989FFB}" type="slidenum">
+              <a:rPr lang="ko-KR" altLang="en-US" smtClean="0"/>
+              <a:t>10</a:t>
+            </a:fld>
+            <a:endParaRPr lang="ko-KR" altLang="en-US"/>
+          </a:p>
+        </p:txBody>
+      </p:sp>
+      <p:sp>
+        <p:nvSpPr>
+          <p:cNvPr id="6" name="직사각형 5">
+            <a:extLst>
+              <a:ext uri="{FF2B5EF4-FFF2-40B4-BE49-F238E27FC236}">
+                <a16:creationId xmlns:a16="http://schemas.microsoft.com/office/drawing/2014/main" id="{21117B90-07E8-4022-B56D-22CA0FA45810}"/>
+              </a:ext>
+            </a:extLst>
+          </p:cNvPr>
+          <p:cNvSpPr/>
+          <p:nvPr/>
+        </p:nvSpPr>
+        <p:spPr>
+          <a:xfrm>
+            <a:off x="188158" y="2754867"/>
+            <a:ext cx="2431217" cy="646331"/>
+          </a:xfrm>
+          <a:prstGeom prst="rect">
+            <a:avLst/>
+          </a:prstGeom>
+        </p:spPr>
+        <p:txBody>
+          <a:bodyPr wrap="square">
+            <a:spAutoFit/>
+          </a:bodyPr>
+          <a:lstStyle/>
+          <a:p>
+            <a:pPr marL="285750" indent="-285750">
+              <a:buFont typeface="Arial" panose="020B0604020202020204" pitchFamily="34" charset="0"/>
+              <a:buChar char="•"/>
+            </a:pPr>
+            <a:r>
+              <a:rPr lang="en-US" altLang="ko-KR" dirty="0">
+                <a:solidFill>
+                  <a:srgbClr val="FF0000"/>
+                </a:solidFill>
+              </a:rPr>
+              <a:t>Pop up </a:t>
+            </a:r>
+            <a:r>
+              <a:rPr lang="ko-KR" altLang="en-US" dirty="0">
+                <a:solidFill>
+                  <a:srgbClr val="FF0000"/>
+                </a:solidFill>
+              </a:rPr>
+              <a:t>에서 적절히 선택하여 </a:t>
+            </a:r>
+            <a:r>
+              <a:rPr lang="en-US" altLang="ko-KR" dirty="0">
+                <a:solidFill>
+                  <a:srgbClr val="FF0000"/>
+                </a:solidFill>
+              </a:rPr>
+              <a:t>Publish</a:t>
+            </a:r>
+          </a:p>
+        </p:txBody>
+      </p:sp>
+      <p:sp>
+        <p:nvSpPr>
+          <p:cNvPr id="7" name="직사각형 6">
+            <a:extLst>
+              <a:ext uri="{FF2B5EF4-FFF2-40B4-BE49-F238E27FC236}">
+                <a16:creationId xmlns:a16="http://schemas.microsoft.com/office/drawing/2014/main" id="{BEDFDA85-F404-4299-A348-91C23478381B}"/>
+              </a:ext>
+            </a:extLst>
+          </p:cNvPr>
+          <p:cNvSpPr/>
+          <p:nvPr/>
+        </p:nvSpPr>
+        <p:spPr>
+          <a:xfrm>
+            <a:off x="6848475" y="3124200"/>
+            <a:ext cx="1009650" cy="304800"/>
+          </a:xfrm>
+          <a:prstGeom prst="rect">
+            <a:avLst/>
+          </a:prstGeom>
+          <a:noFill/>
+          <a:ln w="19050">
+            <a:solidFill>
+              <a:srgbClr val="FF0000"/>
+            </a:solidFill>
+          </a:ln>
+        </p:spPr>
+        <p:style>
+          <a:lnRef idx="2">
+            <a:schemeClr val="accent1">
+              <a:shade val="50000"/>
+            </a:schemeClr>
+          </a:lnRef>
+          <a:fillRef idx="1">
+            <a:schemeClr val="accent1"/>
+          </a:fillRef>
+          <a:effectRef idx="0">
+            <a:schemeClr val="accent1"/>
+          </a:effectRef>
+          <a:fontRef idx="minor">
+            <a:schemeClr val="lt1"/>
+          </a:fontRef>
+        </p:style>
+        <p:txBody>
+          <a:bodyPr rtlCol="0" anchor="ctr"/>
+          <a:lstStyle/>
+          <a:p>
+            <a:pPr algn="ctr"/>
+            <a:endParaRPr lang="ko-KR" altLang="en-US" dirty="0"/>
+          </a:p>
+        </p:txBody>
+      </p:sp>
+    </p:spTree>
+    <p:extLst>
+      <p:ext uri="{BB962C8B-B14F-4D97-AF65-F5344CB8AC3E}">
+        <p14:creationId xmlns:p14="http://schemas.microsoft.com/office/powerpoint/2010/main" val="1928597261"/>
+      </p:ext>
+    </p:extLst>
+  </p:cSld>
+  <p:clrMapOvr>
+    <a:masterClrMapping/>
+  </p:clrMapOvr>
+</p:sld>
+</file>
+
+<file path=ppt/slides/slide11.xml><?xml version="1.0" encoding="utf-8"?>
+<p:sld xmlns:a="http://schemas.openxmlformats.org/drawingml/2006/main" xmlns:r="http://schemas.openxmlformats.org/officeDocument/2006/relationships" xmlns:p="http://schemas.openxmlformats.org/presentationml/2006/main">
+  <p:cSld>
+    <p:spTree>
+      <p:nvGrpSpPr>
+        <p:cNvPr id="1" name=""/>
+        <p:cNvGrpSpPr/>
+        <p:nvPr/>
+      </p:nvGrpSpPr>
+      <p:grpSpPr>
+        <a:xfrm>
+          <a:off x="0" y="0"/>
+          <a:ext cx="0" cy="0"/>
+          <a:chOff x="0" y="0"/>
+          <a:chExt cx="0" cy="0"/>
+        </a:xfrm>
+      </p:grpSpPr>
+      <p:sp>
+        <p:nvSpPr>
+          <p:cNvPr id="2" name="제목 1">
+            <a:extLst>
+              <a:ext uri="{FF2B5EF4-FFF2-40B4-BE49-F238E27FC236}">
                 <a16:creationId xmlns:a16="http://schemas.microsoft.com/office/drawing/2014/main" id="{75402033-A3DE-4F12-BF51-C0953C6B46FC}"/>
               </a:ext>
             </a:extLst>
@@ -3824,7 +4054,7 @@
           <a:p>
             <a:fld id="{64F0D409-D3F6-4EEC-8C77-1F5E89989FFB}" type="slidenum">
               <a:rPr lang="ko-KR" altLang="en-US" smtClean="0"/>
-              <a:t>10</a:t>
+              <a:t>11</a:t>
             </a:fld>
             <a:endParaRPr lang="ko-KR" altLang="en-US"/>
           </a:p>
@@ -3927,7 +4157,7 @@
 </p:sld>
 </file>
 
-<file path=ppt/slides/slide11.xml><?xml version="1.0" encoding="utf-8"?>
+<file path=ppt/slides/slide12.xml><?xml version="1.0" encoding="utf-8"?>
 <p:sld xmlns:a="http://schemas.openxmlformats.org/drawingml/2006/main" xmlns:r="http://schemas.openxmlformats.org/officeDocument/2006/relationships" xmlns:p="http://schemas.openxmlformats.org/presentationml/2006/main">
   <p:cSld>
     <p:spTree>
@@ -4031,144 +4261,56 @@
           <a:p>
             <a:fld id="{64F0D409-D3F6-4EEC-8C77-1F5E89989FFB}" type="slidenum">
               <a:rPr lang="ko-KR" altLang="en-US" smtClean="0"/>
-              <a:t>11</a:t>
+              <a:t>12</a:t>
             </a:fld>
             <a:endParaRPr lang="ko-KR" altLang="en-US"/>
           </a:p>
         </p:txBody>
       </p:sp>
-    </p:spTree>
-    <p:extLst>
-      <p:ext uri="{BB962C8B-B14F-4D97-AF65-F5344CB8AC3E}">
-        <p14:creationId xmlns:p14="http://schemas.microsoft.com/office/powerpoint/2010/main" val="4106294700"/>
-      </p:ext>
-    </p:extLst>
-  </p:cSld>
-  <p:clrMapOvr>
-    <a:masterClrMapping/>
-  </p:clrMapOvr>
-</p:sld>
-</file>
-
-<file path=ppt/slides/slide12.xml><?xml version="1.0" encoding="utf-8"?>
-<p:sld xmlns:a="http://schemas.openxmlformats.org/drawingml/2006/main" xmlns:r="http://schemas.openxmlformats.org/officeDocument/2006/relationships" xmlns:p="http://schemas.openxmlformats.org/presentationml/2006/main">
-  <p:cSld>
-    <p:spTree>
-      <p:nvGrpSpPr>
-        <p:cNvPr id="1" name=""/>
-        <p:cNvGrpSpPr/>
-        <p:nvPr/>
-      </p:nvGrpSpPr>
-      <p:grpSpPr>
-        <a:xfrm>
-          <a:off x="0" y="0"/>
-          <a:ext cx="0" cy="0"/>
-          <a:chOff x="0" y="0"/>
-          <a:chExt cx="0" cy="0"/>
-        </a:xfrm>
-      </p:grpSpPr>
-      <p:sp>
-        <p:nvSpPr>
-          <p:cNvPr id="2" name="제목 1">
+      <p:sp>
+        <p:nvSpPr>
+          <p:cNvPr id="8" name="직사각형 7">
             <a:extLst>
               <a:ext uri="{FF2B5EF4-FFF2-40B4-BE49-F238E27FC236}">
-                <a16:creationId xmlns:a16="http://schemas.microsoft.com/office/drawing/2014/main" id="{983CA7A2-ACA1-4342-9910-1D207D8F43F7}"/>
+                <a16:creationId xmlns:a16="http://schemas.microsoft.com/office/drawing/2014/main" id="{8A2E7C41-3AFF-48FF-BCFB-C1B094546675}"/>
               </a:ext>
             </a:extLst>
           </p:cNvPr>
-          <p:cNvSpPr>
-            <a:spLocks noGrp="1"/>
-          </p:cNvSpPr>
-          <p:nvPr>
-            <p:ph type="title"/>
-          </p:nvPr>
-        </p:nvSpPr>
-        <p:spPr/>
-        <p:txBody>
-          <a:bodyPr/>
-          <a:lstStyle/>
-          <a:p>
-            <a:r>
-              <a:rPr lang="en-US" altLang="ko-KR" dirty="0"/>
-              <a:t>GitHub Desktop: History </a:t>
-            </a:r>
-            <a:r>
-              <a:rPr lang="ko-KR" altLang="en-US" dirty="0"/>
-              <a:t>확인 </a:t>
-            </a:r>
-            <a:r>
-              <a:rPr lang="en-US" altLang="ko-KR" dirty="0"/>
-              <a:t>(1 commit)</a:t>
-            </a:r>
-            <a:endParaRPr lang="ko-KR" altLang="en-US" dirty="0"/>
-          </a:p>
-        </p:txBody>
-      </p:sp>
-      <p:pic>
-        <p:nvPicPr>
-          <p:cNvPr id="5" name="내용 개체 틀 4">
-            <a:extLst>
-              <a:ext uri="{FF2B5EF4-FFF2-40B4-BE49-F238E27FC236}">
-                <a16:creationId xmlns:a16="http://schemas.microsoft.com/office/drawing/2014/main" id="{2D586CD2-772B-43CF-BA9D-47EBBB55BA2C}"/>
-              </a:ext>
-            </a:extLst>
-          </p:cNvPr>
-          <p:cNvPicPr>
-            <a:picLocks noGrp="1" noChangeAspect="1"/>
-          </p:cNvPicPr>
-          <p:nvPr>
-            <p:ph idx="1"/>
-          </p:nvPr>
-        </p:nvPicPr>
-        <p:blipFill>
-          <a:blip r:embed="rId2"/>
-          <a:stretch>
-            <a:fillRect/>
-          </a:stretch>
-        </p:blipFill>
+          <p:cNvSpPr/>
+          <p:nvPr/>
+        </p:nvSpPr>
         <p:spPr>
           <a:xfrm>
-            <a:off x="768847" y="1058863"/>
-            <a:ext cx="7606307" cy="5268912"/>
+            <a:off x="8230352" y="592232"/>
+            <a:ext cx="913648" cy="338554"/>
           </a:xfrm>
           <a:prstGeom prst="rect">
             <a:avLst/>
           </a:prstGeom>
         </p:spPr>
-      </p:pic>
-      <p:sp>
-        <p:nvSpPr>
-          <p:cNvPr id="4" name="슬라이드 번호 개체 틀 3">
-            <a:extLst>
-              <a:ext uri="{FF2B5EF4-FFF2-40B4-BE49-F238E27FC236}">
-                <a16:creationId xmlns:a16="http://schemas.microsoft.com/office/drawing/2014/main" id="{ADCB52A8-7352-4865-A0E5-8F6217451682}"/>
-              </a:ext>
-            </a:extLst>
-          </p:cNvPr>
-          <p:cNvSpPr>
-            <a:spLocks noGrp="1"/>
-          </p:cNvSpPr>
-          <p:nvPr>
-            <p:ph type="sldNum" sz="quarter" idx="12"/>
-          </p:nvPr>
-        </p:nvSpPr>
-        <p:spPr/>
-        <p:txBody>
-          <a:bodyPr/>
-          <a:lstStyle/>
-          <a:p>
-            <a:fld id="{64F0D409-D3F6-4EEC-8C77-1F5E89989FFB}" type="slidenum">
-              <a:rPr lang="ko-KR" altLang="en-US" smtClean="0"/>
-              <a:t>12</a:t>
-            </a:fld>
-            <a:endParaRPr lang="ko-KR" altLang="en-US"/>
+        <p:txBody>
+          <a:bodyPr wrap="none">
+            <a:spAutoFit/>
+          </a:bodyPr>
+          <a:lstStyle/>
+          <a:p>
+            <a:pPr algn="ctr"/>
+            <a:r>
+              <a:rPr lang="en-US" altLang="ko-KR" sz="1600" dirty="0">
+                <a:solidFill>
+                  <a:srgbClr val="FF0000"/>
+                </a:solidFill>
+              </a:rPr>
+              <a:t>Capture!</a:t>
+            </a:r>
+            <a:endParaRPr lang="en-US" altLang="ko-KR" sz="1600" dirty="0"/>
           </a:p>
         </p:txBody>
       </p:sp>
     </p:spTree>
     <p:extLst>
       <p:ext uri="{BB962C8B-B14F-4D97-AF65-F5344CB8AC3E}">
-        <p14:creationId xmlns:p14="http://schemas.microsoft.com/office/powerpoint/2010/main" val="2358258745"/>
+        <p14:creationId xmlns:p14="http://schemas.microsoft.com/office/powerpoint/2010/main" val="4106294700"/>
       </p:ext>
     </p:extLst>
   </p:cSld>
@@ -4197,10 +4339,10 @@
       </p:grpSpPr>
       <p:sp>
         <p:nvSpPr>
-          <p:cNvPr id="5" name="제목 4">
+          <p:cNvPr id="2" name="제목 1">
             <a:extLst>
               <a:ext uri="{FF2B5EF4-FFF2-40B4-BE49-F238E27FC236}">
-                <a16:creationId xmlns:a16="http://schemas.microsoft.com/office/drawing/2014/main" id="{16F523BC-4B8B-4002-A465-88DA678B2D63}"/>
+                <a16:creationId xmlns:a16="http://schemas.microsoft.com/office/drawing/2014/main" id="{983CA7A2-ACA1-4342-9910-1D207D8F43F7}"/>
               </a:ext>
             </a:extLst>
           </p:cNvPr>
@@ -4218,43 +4360,58 @@
           <a:p>
             <a:r>
               <a:rPr lang="en-US" altLang="ko-KR" dirty="0"/>
-              <a:t>Commit</a:t>
+              <a:t>GitHub Desktop: History </a:t>
+            </a:r>
+            <a:r>
+              <a:rPr lang="ko-KR" altLang="en-US" dirty="0"/>
+              <a:t>확인 </a:t>
+            </a:r>
+            <a:r>
+              <a:rPr lang="en-US" altLang="ko-KR" dirty="0"/>
+              <a:t>(1 commit)</a:t>
             </a:r>
             <a:endParaRPr lang="ko-KR" altLang="en-US" dirty="0"/>
           </a:p>
         </p:txBody>
       </p:sp>
-      <p:sp>
-        <p:nvSpPr>
-          <p:cNvPr id="6" name="텍스트 개체 틀 5">
+      <p:pic>
+        <p:nvPicPr>
+          <p:cNvPr id="5" name="내용 개체 틀 4">
             <a:extLst>
               <a:ext uri="{FF2B5EF4-FFF2-40B4-BE49-F238E27FC236}">
-                <a16:creationId xmlns:a16="http://schemas.microsoft.com/office/drawing/2014/main" id="{5BC0B0AF-EDE6-4D3C-9427-62E8E2D8902A}"/>
+                <a16:creationId xmlns:a16="http://schemas.microsoft.com/office/drawing/2014/main" id="{2D586CD2-772B-43CF-BA9D-47EBBB55BA2C}"/>
               </a:ext>
             </a:extLst>
           </p:cNvPr>
-          <p:cNvSpPr>
-            <a:spLocks noGrp="1"/>
-          </p:cNvSpPr>
-          <p:nvPr>
-            <p:ph type="body" idx="1"/>
-          </p:nvPr>
-        </p:nvSpPr>
-        <p:spPr/>
-        <p:txBody>
-          <a:bodyPr/>
-          <a:lstStyle/>
-          <a:p>
-            <a:endParaRPr lang="ko-KR" altLang="en-US"/>
-          </a:p>
-        </p:txBody>
-      </p:sp>
+          <p:cNvPicPr>
+            <a:picLocks noGrp="1" noChangeAspect="1"/>
+          </p:cNvPicPr>
+          <p:nvPr>
+            <p:ph idx="1"/>
+          </p:nvPr>
+        </p:nvPicPr>
+        <p:blipFill>
+          <a:blip r:embed="rId2"/>
+          <a:stretch>
+            <a:fillRect/>
+          </a:stretch>
+        </p:blipFill>
+        <p:spPr>
+          <a:xfrm>
+            <a:off x="768847" y="1058863"/>
+            <a:ext cx="7606307" cy="5268912"/>
+          </a:xfrm>
+          <a:prstGeom prst="rect">
+            <a:avLst/>
+          </a:prstGeom>
+        </p:spPr>
+      </p:pic>
       <p:sp>
         <p:nvSpPr>
           <p:cNvPr id="4" name="슬라이드 번호 개체 틀 3">
             <a:extLst>
               <a:ext uri="{FF2B5EF4-FFF2-40B4-BE49-F238E27FC236}">
-                <a16:creationId xmlns:a16="http://schemas.microsoft.com/office/drawing/2014/main" id="{C28F7746-2D20-44F4-97B5-04A6FA557324}"/>
+                <a16:creationId xmlns:a16="http://schemas.microsoft.com/office/drawing/2014/main" id="{ADCB52A8-7352-4865-A0E5-8F6217451682}"/>
               </a:ext>
             </a:extLst>
           </p:cNvPr>
@@ -4278,10 +4435,50 @@
           </a:p>
         </p:txBody>
       </p:sp>
+      <p:sp>
+        <p:nvSpPr>
+          <p:cNvPr id="3" name="직사각형 2">
+            <a:extLst>
+              <a:ext uri="{FF2B5EF4-FFF2-40B4-BE49-F238E27FC236}">
+                <a16:creationId xmlns:a16="http://schemas.microsoft.com/office/drawing/2014/main" id="{DF993DBA-E615-4F91-9F14-05A41C721836}"/>
+              </a:ext>
+            </a:extLst>
+          </p:cNvPr>
+          <p:cNvSpPr/>
+          <p:nvPr/>
+        </p:nvSpPr>
+        <p:spPr>
+          <a:xfrm>
+            <a:off x="8230352" y="592232"/>
+            <a:ext cx="913648" cy="338554"/>
+          </a:xfrm>
+          <a:prstGeom prst="rect">
+            <a:avLst/>
+          </a:prstGeom>
+        </p:spPr>
+        <p:txBody>
+          <a:bodyPr wrap="none">
+            <a:spAutoFit/>
+          </a:bodyPr>
+          <a:lstStyle/>
+          <a:p>
+            <a:pPr algn="ctr"/>
+            <a:r>
+              <a:rPr lang="en-US" altLang="ko-KR" sz="1600" dirty="0">
+                <a:solidFill>
+                  <a:srgbClr val="FF0000"/>
+                </a:solidFill>
+              </a:rPr>
+              <a:t>Capture!</a:t>
+            </a:r>
+            <a:endParaRPr lang="en-US" altLang="ko-KR" sz="1600" dirty="0"/>
+          </a:p>
+        </p:txBody>
+      </p:sp>
     </p:spTree>
     <p:extLst>
       <p:ext uri="{BB962C8B-B14F-4D97-AF65-F5344CB8AC3E}">
-        <p14:creationId xmlns:p14="http://schemas.microsoft.com/office/powerpoint/2010/main" val="1645142139"/>
+        <p14:creationId xmlns:p14="http://schemas.microsoft.com/office/powerpoint/2010/main" val="2358258745"/>
       </p:ext>
     </p:extLst>
   </p:cSld>
@@ -4310,6 +4507,119 @@
       </p:grpSpPr>
       <p:sp>
         <p:nvSpPr>
+          <p:cNvPr id="5" name="제목 4">
+            <a:extLst>
+              <a:ext uri="{FF2B5EF4-FFF2-40B4-BE49-F238E27FC236}">
+                <a16:creationId xmlns:a16="http://schemas.microsoft.com/office/drawing/2014/main" id="{16F523BC-4B8B-4002-A465-88DA678B2D63}"/>
+              </a:ext>
+            </a:extLst>
+          </p:cNvPr>
+          <p:cNvSpPr>
+            <a:spLocks noGrp="1"/>
+          </p:cNvSpPr>
+          <p:nvPr>
+            <p:ph type="title"/>
+          </p:nvPr>
+        </p:nvSpPr>
+        <p:spPr/>
+        <p:txBody>
+          <a:bodyPr/>
+          <a:lstStyle/>
+          <a:p>
+            <a:r>
+              <a:rPr lang="en-US" altLang="ko-KR" dirty="0"/>
+              <a:t>Commit</a:t>
+            </a:r>
+            <a:endParaRPr lang="ko-KR" altLang="en-US" dirty="0"/>
+          </a:p>
+        </p:txBody>
+      </p:sp>
+      <p:sp>
+        <p:nvSpPr>
+          <p:cNvPr id="6" name="텍스트 개체 틀 5">
+            <a:extLst>
+              <a:ext uri="{FF2B5EF4-FFF2-40B4-BE49-F238E27FC236}">
+                <a16:creationId xmlns:a16="http://schemas.microsoft.com/office/drawing/2014/main" id="{5BC0B0AF-EDE6-4D3C-9427-62E8E2D8902A}"/>
+              </a:ext>
+            </a:extLst>
+          </p:cNvPr>
+          <p:cNvSpPr>
+            <a:spLocks noGrp="1"/>
+          </p:cNvSpPr>
+          <p:nvPr>
+            <p:ph type="body" idx="1"/>
+          </p:nvPr>
+        </p:nvSpPr>
+        <p:spPr/>
+        <p:txBody>
+          <a:bodyPr/>
+          <a:lstStyle/>
+          <a:p>
+            <a:endParaRPr lang="ko-KR" altLang="en-US"/>
+          </a:p>
+        </p:txBody>
+      </p:sp>
+      <p:sp>
+        <p:nvSpPr>
+          <p:cNvPr id="4" name="슬라이드 번호 개체 틀 3">
+            <a:extLst>
+              <a:ext uri="{FF2B5EF4-FFF2-40B4-BE49-F238E27FC236}">
+                <a16:creationId xmlns:a16="http://schemas.microsoft.com/office/drawing/2014/main" id="{C28F7746-2D20-44F4-97B5-04A6FA557324}"/>
+              </a:ext>
+            </a:extLst>
+          </p:cNvPr>
+          <p:cNvSpPr>
+            <a:spLocks noGrp="1"/>
+          </p:cNvSpPr>
+          <p:nvPr>
+            <p:ph type="sldNum" sz="quarter" idx="12"/>
+          </p:nvPr>
+        </p:nvSpPr>
+        <p:spPr/>
+        <p:txBody>
+          <a:bodyPr/>
+          <a:lstStyle/>
+          <a:p>
+            <a:fld id="{64F0D409-D3F6-4EEC-8C77-1F5E89989FFB}" type="slidenum">
+              <a:rPr lang="ko-KR" altLang="en-US" smtClean="0"/>
+              <a:t>14</a:t>
+            </a:fld>
+            <a:endParaRPr lang="ko-KR" altLang="en-US"/>
+          </a:p>
+        </p:txBody>
+      </p:sp>
+    </p:spTree>
+    <p:extLst>
+      <p:ext uri="{BB962C8B-B14F-4D97-AF65-F5344CB8AC3E}">
+        <p14:creationId xmlns:p14="http://schemas.microsoft.com/office/powerpoint/2010/main" val="1645142139"/>
+      </p:ext>
+    </p:extLst>
+  </p:cSld>
+  <p:clrMapOvr>
+    <a:masterClrMapping/>
+  </p:clrMapOvr>
+</p:sld>
+</file>
+
+<file path=ppt/slides/slide15.xml><?xml version="1.0" encoding="utf-8"?>
+<p:sld xmlns:a="http://schemas.openxmlformats.org/drawingml/2006/main" xmlns:r="http://schemas.openxmlformats.org/officeDocument/2006/relationships" xmlns:p="http://schemas.openxmlformats.org/presentationml/2006/main">
+  <p:cSld>
+    <p:spTree>
+      <p:nvGrpSpPr>
+        <p:cNvPr id="1" name=""/>
+        <p:cNvGrpSpPr/>
+        <p:nvPr/>
+      </p:nvGrpSpPr>
+      <p:grpSpPr>
+        <a:xfrm>
+          <a:off x="0" y="0"/>
+          <a:ext cx="0" cy="0"/>
+          <a:chOff x="0" y="0"/>
+          <a:chExt cx="0" cy="0"/>
+        </a:xfrm>
+      </p:grpSpPr>
+      <p:sp>
+        <p:nvSpPr>
           <p:cNvPr id="2" name="제목 1">
             <a:extLst>
               <a:ext uri="{FF2B5EF4-FFF2-40B4-BE49-F238E27FC236}">
@@ -4392,7 +4702,7 @@
           <a:p>
             <a:fld id="{64F0D409-D3F6-4EEC-8C77-1F5E89989FFB}" type="slidenum">
               <a:rPr lang="ko-KR" altLang="en-US" smtClean="0"/>
-              <a:t>14</a:t>
+              <a:t>15</a:t>
             </a:fld>
             <a:endParaRPr lang="ko-KR" altLang="en-US"/>
           </a:p>
@@ -4463,7 +4773,7 @@
 </p:sld>
 </file>
 
-<file path=ppt/slides/slide15.xml><?xml version="1.0" encoding="utf-8"?>
+<file path=ppt/slides/slide16.xml><?xml version="1.0" encoding="utf-8"?>
 <p:sld xmlns:a="http://schemas.openxmlformats.org/drawingml/2006/main" xmlns:r="http://schemas.openxmlformats.org/officeDocument/2006/relationships" xmlns:p="http://schemas.openxmlformats.org/presentationml/2006/main">
   <p:cSld>
     <p:spTree>
@@ -4569,7 +4879,7 @@
           <a:p>
             <a:fld id="{64F0D409-D3F6-4EEC-8C77-1F5E89989FFB}" type="slidenum">
               <a:rPr lang="ko-KR" altLang="en-US" smtClean="0"/>
-              <a:t>15</a:t>
+              <a:t>16</a:t>
             </a:fld>
             <a:endParaRPr lang="ko-KR" altLang="en-US"/>
           </a:p>
@@ -4618,7 +4928,7 @@
 </p:sld>
 </file>
 
-<file path=ppt/slides/slide16.xml><?xml version="1.0" encoding="utf-8"?>
+<file path=ppt/slides/slide17.xml><?xml version="1.0" encoding="utf-8"?>
 <p:sld xmlns:a="http://schemas.openxmlformats.org/drawingml/2006/main" xmlns:r="http://schemas.openxmlformats.org/officeDocument/2006/relationships" xmlns:p="http://schemas.openxmlformats.org/presentationml/2006/main">
   <p:cSld>
     <p:spTree>
@@ -4747,7 +5057,7 @@
           <a:p>
             <a:fld id="{64F0D409-D3F6-4EEC-8C77-1F5E89989FFB}" type="slidenum">
               <a:rPr lang="ko-KR" altLang="en-US" smtClean="0"/>
-              <a:t>16</a:t>
+              <a:t>17</a:t>
             </a:fld>
             <a:endParaRPr lang="ko-KR" altLang="en-US"/>
           </a:p>
@@ -4848,7 +5158,7 @@
 </p:sld>
 </file>
 
-<file path=ppt/slides/slide17.xml><?xml version="1.0" encoding="utf-8"?>
+<file path=ppt/slides/slide18.xml><?xml version="1.0" encoding="utf-8"?>
 <p:sld xmlns:a="http://schemas.openxmlformats.org/drawingml/2006/main" xmlns:r="http://schemas.openxmlformats.org/officeDocument/2006/relationships" xmlns:p="http://schemas.openxmlformats.org/presentationml/2006/main">
   <p:cSld>
     <p:spTree>
@@ -4957,7 +5267,7 @@
           <a:p>
             <a:fld id="{64F0D409-D3F6-4EEC-8C77-1F5E89989FFB}" type="slidenum">
               <a:rPr lang="ko-KR" altLang="en-US" smtClean="0"/>
-              <a:t>17</a:t>
+              <a:t>18</a:t>
             </a:fld>
             <a:endParaRPr lang="ko-KR" altLang="en-US"/>
           </a:p>
@@ -5304,7 +5614,7 @@
 </p:sld>
 </file>
 
-<file path=ppt/slides/slide18.xml><?xml version="1.0" encoding="utf-8"?>
+<file path=ppt/slides/slide19.xml><?xml version="1.0" encoding="utf-8"?>
 <p:sld xmlns:a="http://schemas.openxmlformats.org/drawingml/2006/main" xmlns:r="http://schemas.openxmlformats.org/officeDocument/2006/relationships" xmlns:p="http://schemas.openxmlformats.org/presentationml/2006/main">
   <p:cSld>
     <p:spTree>
@@ -5408,7 +5718,7 @@
           <a:p>
             <a:fld id="{64F0D409-D3F6-4EEC-8C77-1F5E89989FFB}" type="slidenum">
               <a:rPr lang="ko-KR" altLang="en-US" smtClean="0"/>
-              <a:t>18</a:t>
+              <a:t>19</a:t>
             </a:fld>
             <a:endParaRPr lang="ko-KR" altLang="en-US"/>
           </a:p>
@@ -5479,350 +5789,6 @@
 </p:sld>
 </file>
 
-<file path=ppt/slides/slide19.xml><?xml version="1.0" encoding="utf-8"?>
-<p:sld xmlns:a="http://schemas.openxmlformats.org/drawingml/2006/main" xmlns:r="http://schemas.openxmlformats.org/officeDocument/2006/relationships" xmlns:p="http://schemas.openxmlformats.org/presentationml/2006/main">
-  <p:cSld>
-    <p:spTree>
-      <p:nvGrpSpPr>
-        <p:cNvPr id="1" name=""/>
-        <p:cNvGrpSpPr/>
-        <p:nvPr/>
-      </p:nvGrpSpPr>
-      <p:grpSpPr>
-        <a:xfrm>
-          <a:off x="0" y="0"/>
-          <a:ext cx="0" cy="0"/>
-          <a:chOff x="0" y="0"/>
-          <a:chExt cx="0" cy="0"/>
-        </a:xfrm>
-      </p:grpSpPr>
-      <p:sp>
-        <p:nvSpPr>
-          <p:cNvPr id="2" name="제목 1">
-            <a:extLst>
-              <a:ext uri="{FF2B5EF4-FFF2-40B4-BE49-F238E27FC236}">
-                <a16:creationId xmlns:a16="http://schemas.microsoft.com/office/drawing/2014/main" id="{FE0508B5-54C1-4A7C-A414-1047CE79E53D}"/>
-              </a:ext>
-            </a:extLst>
-          </p:cNvPr>
-          <p:cNvSpPr>
-            <a:spLocks noGrp="1"/>
-          </p:cNvSpPr>
-          <p:nvPr>
-            <p:ph type="title"/>
-          </p:nvPr>
-        </p:nvSpPr>
-        <p:spPr/>
-        <p:txBody>
-          <a:bodyPr/>
-          <a:lstStyle/>
-          <a:p>
-            <a:r>
-              <a:rPr lang="en-US" altLang="ko-KR" dirty="0"/>
-              <a:t>GitHub Desktop </a:t>
-            </a:r>
-            <a:r>
-              <a:rPr lang="ko-KR" altLang="en-US" dirty="0"/>
-              <a:t>의 활용</a:t>
-            </a:r>
-          </a:p>
-        </p:txBody>
-      </p:sp>
-      <p:sp>
-        <p:nvSpPr>
-          <p:cNvPr id="3" name="내용 개체 틀 2">
-            <a:extLst>
-              <a:ext uri="{FF2B5EF4-FFF2-40B4-BE49-F238E27FC236}">
-                <a16:creationId xmlns:a16="http://schemas.microsoft.com/office/drawing/2014/main" id="{05EFEBA9-1A0F-408F-96DA-A6B38BB1A8D8}"/>
-              </a:ext>
-            </a:extLst>
-          </p:cNvPr>
-          <p:cNvSpPr>
-            <a:spLocks noGrp="1"/>
-          </p:cNvSpPr>
-          <p:nvPr>
-            <p:ph idx="1"/>
-          </p:nvPr>
-        </p:nvSpPr>
-        <p:spPr>
-          <a:xfrm>
-            <a:off x="395536" y="1058566"/>
-            <a:ext cx="8577014" cy="5269953"/>
-          </a:xfrm>
-        </p:spPr>
-        <p:txBody>
-          <a:bodyPr/>
-          <a:lstStyle/>
-          <a:p>
-            <a:r>
-              <a:rPr lang="en-US" altLang="ko-KR" dirty="0"/>
-              <a:t>Local</a:t>
-            </a:r>
-            <a:r>
-              <a:rPr lang="ko-KR" altLang="en-US" dirty="0"/>
-              <a:t> </a:t>
-            </a:r>
-            <a:r>
-              <a:rPr lang="en-US" altLang="ko-KR" dirty="0"/>
-              <a:t>repo </a:t>
-            </a:r>
-            <a:r>
-              <a:rPr lang="ko-KR" altLang="en-US" dirty="0"/>
-              <a:t>와 </a:t>
-            </a:r>
-            <a:r>
-              <a:rPr lang="en-US" altLang="ko-KR" dirty="0"/>
-              <a:t>Remote repo </a:t>
-            </a:r>
-            <a:r>
-              <a:rPr lang="ko-KR" altLang="en-US" dirty="0"/>
-              <a:t>의 동기화를 위해 간단히 사용</a:t>
-            </a:r>
-            <a:endParaRPr lang="en-US" altLang="ko-KR" dirty="0"/>
-          </a:p>
-          <a:p>
-            <a:r>
-              <a:rPr lang="en-US" altLang="ko-KR" dirty="0">
-                <a:solidFill>
-                  <a:srgbClr val="FF0000"/>
-                </a:solidFill>
-              </a:rPr>
-              <a:t>Pull,</a:t>
-            </a:r>
-            <a:r>
-              <a:rPr lang="ko-KR" altLang="en-US" dirty="0">
-                <a:solidFill>
-                  <a:srgbClr val="FF0000"/>
-                </a:solidFill>
-              </a:rPr>
-              <a:t> </a:t>
-            </a:r>
-            <a:r>
-              <a:rPr lang="en-US" altLang="ko-KR" dirty="0">
-                <a:solidFill>
-                  <a:srgbClr val="FF0000"/>
-                </a:solidFill>
-              </a:rPr>
-              <a:t>modification and Push</a:t>
-            </a:r>
-          </a:p>
-          <a:p>
-            <a:r>
-              <a:rPr lang="en-US" altLang="ko-KR" dirty="0"/>
-              <a:t>Commit</a:t>
-            </a:r>
-            <a:r>
-              <a:rPr lang="ko-KR" altLang="en-US" dirty="0"/>
-              <a:t>의 수정</a:t>
-            </a:r>
-            <a:r>
-              <a:rPr lang="en-US" altLang="ko-KR" dirty="0"/>
-              <a:t>, Branch </a:t>
-            </a:r>
-            <a:r>
-              <a:rPr lang="ko-KR" altLang="en-US" dirty="0"/>
-              <a:t>의 세세한 조정 등은 실제 개발자가 수행할 필요가 거의 없음</a:t>
-            </a:r>
-            <a:endParaRPr lang="en-US" altLang="ko-KR" dirty="0"/>
-          </a:p>
-          <a:p>
-            <a:pPr lvl="1"/>
-            <a:r>
-              <a:rPr lang="ko-KR" altLang="en-US" dirty="0"/>
-              <a:t>프로젝트 매니저</a:t>
-            </a:r>
-            <a:r>
-              <a:rPr lang="en-US" altLang="ko-KR" dirty="0"/>
-              <a:t>, Repository </a:t>
-            </a:r>
-            <a:r>
-              <a:rPr lang="ko-KR" altLang="en-US" dirty="0"/>
-              <a:t>및 코드 관리자가 수행</a:t>
-            </a:r>
-            <a:endParaRPr lang="en-US" altLang="ko-KR" dirty="0"/>
-          </a:p>
-          <a:p>
-            <a:r>
-              <a:rPr lang="ko-KR" altLang="en-US" dirty="0"/>
-              <a:t>많은 </a:t>
-            </a:r>
-            <a:r>
-              <a:rPr lang="en-US" altLang="ko-KR" dirty="0"/>
-              <a:t>IDE</a:t>
-            </a:r>
-            <a:r>
-              <a:rPr lang="ko-KR" altLang="en-US" dirty="0"/>
-              <a:t>에서 </a:t>
-            </a:r>
-            <a:r>
-              <a:rPr lang="en-US" altLang="ko-KR" dirty="0"/>
-              <a:t>GitHub Desktop </a:t>
-            </a:r>
-            <a:r>
-              <a:rPr lang="ko-KR" altLang="en-US" dirty="0"/>
-              <a:t>을 대체할 수 있는 </a:t>
-            </a:r>
-            <a:r>
-              <a:rPr lang="en-US" altLang="ko-KR" dirty="0"/>
-              <a:t>GitHub </a:t>
-            </a:r>
-            <a:r>
-              <a:rPr lang="ko-KR" altLang="en-US" dirty="0"/>
-              <a:t>연동 기능을 제공하고 있으므로</a:t>
-            </a:r>
-            <a:r>
-              <a:rPr lang="en-US" altLang="ko-KR" dirty="0"/>
-              <a:t>, </a:t>
-            </a:r>
-            <a:r>
-              <a:rPr lang="ko-KR" altLang="en-US" dirty="0"/>
-              <a:t>그러한 경우에는 아예 불필요함</a:t>
-            </a:r>
-            <a:endParaRPr lang="en-US" altLang="ko-KR" dirty="0"/>
-          </a:p>
-          <a:p>
-            <a:pPr lvl="1"/>
-            <a:r>
-              <a:rPr lang="en-US" altLang="ko-KR" dirty="0"/>
-              <a:t>Visual Studio Code, Eclipse </a:t>
-            </a:r>
-            <a:r>
-              <a:rPr lang="ko-KR" altLang="en-US" dirty="0"/>
-              <a:t>등 널리 사용되는 </a:t>
-            </a:r>
-            <a:r>
-              <a:rPr lang="en-US" altLang="ko-KR" dirty="0"/>
-              <a:t>IDE</a:t>
-            </a:r>
-            <a:r>
-              <a:rPr lang="ko-KR" altLang="en-US" dirty="0"/>
-              <a:t>는 거의 모두 지원</a:t>
-            </a:r>
-            <a:endParaRPr lang="en-US" altLang="ko-KR" dirty="0"/>
-          </a:p>
-          <a:p>
-            <a:pPr lvl="1"/>
-            <a:r>
-              <a:rPr lang="ko-KR" altLang="en-US" dirty="0"/>
-              <a:t>차후 배우게 될 </a:t>
-            </a:r>
-            <a:r>
-              <a:rPr lang="en-US" altLang="ko-KR" dirty="0"/>
-              <a:t>Source Insight</a:t>
-            </a:r>
-            <a:r>
-              <a:rPr lang="ko-KR" altLang="en-US" dirty="0"/>
-              <a:t>는 지원하지 않음</a:t>
-            </a:r>
-            <a:endParaRPr lang="en-US" altLang="ko-KR" dirty="0"/>
-          </a:p>
-          <a:p>
-            <a:pPr lvl="1"/>
-            <a:r>
-              <a:rPr lang="ko-KR" altLang="en-US" dirty="0"/>
-              <a:t>이러한 경우</a:t>
-            </a:r>
-            <a:r>
-              <a:rPr lang="en-US" altLang="ko-KR" dirty="0"/>
-              <a:t>,  source code directory </a:t>
-            </a:r>
-            <a:r>
-              <a:rPr lang="ko-KR" altLang="en-US" dirty="0"/>
-              <a:t>를 </a:t>
-            </a:r>
-            <a:r>
-              <a:rPr lang="en-US" altLang="ko-KR" dirty="0"/>
-              <a:t>git repo</a:t>
-            </a:r>
-            <a:r>
-              <a:rPr lang="ko-KR" altLang="en-US" dirty="0"/>
-              <a:t> 로 설정해두고</a:t>
-            </a:r>
-            <a:r>
-              <a:rPr lang="en-US" altLang="ko-KR" dirty="0"/>
-              <a:t>, </a:t>
-            </a:r>
-            <a:br>
-              <a:rPr lang="en-US" altLang="ko-KR" dirty="0"/>
-            </a:br>
-            <a:r>
-              <a:rPr lang="en-US" altLang="ko-KR" dirty="0"/>
-              <a:t>source insight (</a:t>
-            </a:r>
-            <a:r>
-              <a:rPr lang="ko-KR" altLang="en-US" dirty="0"/>
-              <a:t>혹은 다른 에디터</a:t>
-            </a:r>
-            <a:r>
-              <a:rPr lang="en-US" altLang="ko-KR" dirty="0"/>
-              <a:t>)</a:t>
-            </a:r>
-            <a:r>
-              <a:rPr lang="ko-KR" altLang="en-US" dirty="0"/>
-              <a:t>로 수정 후</a:t>
-            </a:r>
-            <a:r>
-              <a:rPr lang="en-US" altLang="ko-KR" dirty="0"/>
-              <a:t>, GitHub Desktop </a:t>
-            </a:r>
-            <a:r>
-              <a:rPr lang="ko-KR" altLang="en-US" dirty="0"/>
-              <a:t>으로 </a:t>
-            </a:r>
-            <a:r>
-              <a:rPr lang="en-US" altLang="ko-KR" dirty="0"/>
-              <a:t>push</a:t>
-            </a:r>
-          </a:p>
-          <a:p>
-            <a:pPr lvl="1"/>
-            <a:endParaRPr lang="en-US" altLang="ko-KR" dirty="0"/>
-          </a:p>
-        </p:txBody>
-      </p:sp>
-      <p:sp>
-        <p:nvSpPr>
-          <p:cNvPr id="4" name="슬라이드 번호 개체 틀 3">
-            <a:extLst>
-              <a:ext uri="{FF2B5EF4-FFF2-40B4-BE49-F238E27FC236}">
-                <a16:creationId xmlns:a16="http://schemas.microsoft.com/office/drawing/2014/main" id="{B8A02DD4-D6B0-4720-A5FB-9595018FC04A}"/>
-              </a:ext>
-            </a:extLst>
-          </p:cNvPr>
-          <p:cNvSpPr>
-            <a:spLocks noGrp="1"/>
-          </p:cNvSpPr>
-          <p:nvPr>
-            <p:ph type="sldNum" sz="quarter" idx="12"/>
-          </p:nvPr>
-        </p:nvSpPr>
-        <p:spPr/>
-        <p:txBody>
-          <a:bodyPr/>
-          <a:lstStyle/>
-          <a:p>
-            <a:fld id="{64F0D409-D3F6-4EEC-8C77-1F5E89989FFB}" type="slidenum">
-              <a:rPr lang="ko-KR" altLang="en-US" smtClean="0"/>
-              <a:pPr/>
-              <a:t>19</a:t>
-            </a:fld>
-            <a:endParaRPr lang="ko-KR" altLang="en-US"/>
-          </a:p>
-        </p:txBody>
-      </p:sp>
-    </p:spTree>
-    <p:extLst>
-      <p:ext uri="{BB962C8B-B14F-4D97-AF65-F5344CB8AC3E}">
-        <p14:creationId xmlns:p14="http://schemas.microsoft.com/office/powerpoint/2010/main" val="4137924852"/>
-      </p:ext>
-    </p:extLst>
-  </p:cSld>
-  <p:clrMapOvr>
-    <a:masterClrMapping/>
-  </p:clrMapOvr>
-</p:sld>
-</file>
-
 <file path=ppt/slides/slide2.xml><?xml version="1.0" encoding="utf-8"?>
 <p:sld xmlns:a="http://schemas.openxmlformats.org/drawingml/2006/main" xmlns:r="http://schemas.openxmlformats.org/officeDocument/2006/relationships" xmlns:p="http://schemas.openxmlformats.org/presentationml/2006/main">
   <p:cSld>
@@ -5921,18 +5887,7 @@
             <a:endParaRPr lang="en-US" altLang="ko-KR" dirty="0"/>
           </a:p>
           <a:p>
-            <a:r>
-              <a:rPr lang="en-US" altLang="ko-KR" dirty="0"/>
-              <a:t>Git </a:t>
-            </a:r>
-            <a:r>
-              <a:rPr lang="ko-KR" altLang="en-US" dirty="0"/>
-              <a:t>개인실습 </a:t>
-            </a:r>
-            <a:r>
-              <a:rPr lang="en-US" altLang="ko-KR" dirty="0"/>
-              <a:t>#3</a:t>
-            </a:r>
+            <a:endParaRPr lang="en-US" altLang="ko-KR" dirty="0"/>
           </a:p>
         </p:txBody>
       </p:sp>
@@ -5991,7 +5946,13 @@
       </p:grpSpPr>
       <p:sp>
         <p:nvSpPr>
-          <p:cNvPr id="2" name="제목 1"/>
+          <p:cNvPr id="2" name="제목 1">
+            <a:extLst>
+              <a:ext uri="{FF2B5EF4-FFF2-40B4-BE49-F238E27FC236}">
+                <a16:creationId xmlns:a16="http://schemas.microsoft.com/office/drawing/2014/main" id="{FE0508B5-54C1-4A7C-A414-1047CE79E53D}"/>
+              </a:ext>
+            </a:extLst>
+          </p:cNvPr>
           <p:cNvSpPr>
             <a:spLocks noGrp="1"/>
           </p:cNvSpPr>
@@ -6001,52 +5962,295 @@
         </p:nvSpPr>
         <p:spPr/>
         <p:txBody>
-          <a:bodyPr>
-            <a:normAutofit/>
-          </a:bodyPr>
-          <a:lstStyle/>
-          <a:p>
-            <a:r>
-              <a:rPr lang="en-US" altLang="ko-KR" dirty="0" err="1"/>
-              <a:t>Git</a:t>
-            </a:r>
-            <a:r>
-              <a:rPr lang="en-US" altLang="ko-KR" dirty="0"/>
-              <a:t>: Branch </a:t>
-            </a:r>
-            <a:r>
-              <a:rPr lang="ko-KR" altLang="en-US" dirty="0"/>
-              <a:t>관리</a:t>
+          <a:bodyPr/>
+          <a:lstStyle/>
+          <a:p>
+            <a:r>
+              <a:rPr lang="en-US" altLang="ko-KR" dirty="0"/>
+              <a:t>GitHub Desktop </a:t>
+            </a:r>
+            <a:r>
+              <a:rPr lang="ko-KR" altLang="en-US" dirty="0"/>
+              <a:t>의 활용</a:t>
+            </a:r>
+          </a:p>
+        </p:txBody>
+      </p:sp>
+      <p:sp>
+        <p:nvSpPr>
+          <p:cNvPr id="3" name="내용 개체 틀 2">
+            <a:extLst>
+              <a:ext uri="{FF2B5EF4-FFF2-40B4-BE49-F238E27FC236}">
+                <a16:creationId xmlns:a16="http://schemas.microsoft.com/office/drawing/2014/main" id="{05EFEBA9-1A0F-408F-96DA-A6B38BB1A8D8}"/>
+              </a:ext>
+            </a:extLst>
+          </p:cNvPr>
+          <p:cNvSpPr>
+            <a:spLocks noGrp="1"/>
+          </p:cNvSpPr>
+          <p:nvPr>
+            <p:ph idx="1"/>
+          </p:nvPr>
+        </p:nvSpPr>
+        <p:spPr>
+          <a:xfrm>
+            <a:off x="395536" y="1058566"/>
+            <a:ext cx="8577014" cy="5269953"/>
+          </a:xfrm>
+        </p:spPr>
+        <p:txBody>
+          <a:bodyPr/>
+          <a:lstStyle/>
+          <a:p>
+            <a:r>
+              <a:rPr lang="en-US" altLang="ko-KR" dirty="0"/>
+              <a:t>Local</a:t>
+            </a:r>
+            <a:r>
+              <a:rPr lang="ko-KR" altLang="en-US" dirty="0"/>
+              <a:t> </a:t>
+            </a:r>
+            <a:r>
+              <a:rPr lang="en-US" altLang="ko-KR" dirty="0"/>
+              <a:t>repo </a:t>
+            </a:r>
+            <a:r>
+              <a:rPr lang="ko-KR" altLang="en-US" dirty="0"/>
+              <a:t>와 </a:t>
+            </a:r>
+            <a:r>
+              <a:rPr lang="en-US" altLang="ko-KR" dirty="0"/>
+              <a:t>Remote repo </a:t>
+            </a:r>
+            <a:r>
+              <a:rPr lang="ko-KR" altLang="en-US" dirty="0"/>
+              <a:t>의 동기화를 위해 간단히 사용</a:t>
+            </a:r>
+            <a:endParaRPr lang="en-US" altLang="ko-KR" dirty="0"/>
+          </a:p>
+          <a:p>
+            <a:r>
+              <a:rPr lang="en-US" altLang="ko-KR" dirty="0">
+                <a:solidFill>
+                  <a:srgbClr val="FF0000"/>
+                </a:solidFill>
+              </a:rPr>
+              <a:t>Pull,</a:t>
+            </a:r>
+            <a:r>
+              <a:rPr lang="ko-KR" altLang="en-US" dirty="0">
+                <a:solidFill>
+                  <a:srgbClr val="FF0000"/>
+                </a:solidFill>
+              </a:rPr>
+              <a:t> </a:t>
+            </a:r>
+            <a:r>
+              <a:rPr lang="en-US" altLang="ko-KR" dirty="0">
+                <a:solidFill>
+                  <a:srgbClr val="FF0000"/>
+                </a:solidFill>
+              </a:rPr>
+              <a:t>modification, and Push</a:t>
+            </a:r>
+          </a:p>
+          <a:p>
+            <a:r>
+              <a:rPr lang="en-US" altLang="ko-KR" dirty="0"/>
+              <a:t>Commit</a:t>
+            </a:r>
+            <a:r>
+              <a:rPr lang="ko-KR" altLang="en-US" dirty="0"/>
+              <a:t>의 수정</a:t>
+            </a:r>
+            <a:r>
+              <a:rPr lang="en-US" altLang="ko-KR" dirty="0"/>
+              <a:t>, Branch </a:t>
+            </a:r>
+            <a:r>
+              <a:rPr lang="ko-KR" altLang="en-US" dirty="0"/>
+              <a:t>의 세세한 조정 등은 실제 개발자가 </a:t>
             </a:r>
             <a:br>
               <a:rPr lang="en-US" altLang="ko-KR" dirty="0"/>
             </a:br>
+            <a:r>
+              <a:rPr lang="ko-KR" altLang="en-US" dirty="0"/>
+              <a:t>수행할 필요가 거의 없음</a:t>
+            </a:r>
             <a:endParaRPr lang="en-US" altLang="ko-KR" dirty="0"/>
           </a:p>
-        </p:txBody>
-      </p:sp>
-      <p:sp>
-        <p:nvSpPr>
-          <p:cNvPr id="3" name="텍스트 개체 틀 2"/>
-          <p:cNvSpPr>
-            <a:spLocks noGrp="1"/>
-          </p:cNvSpPr>
-          <p:nvPr>
-            <p:ph type="body" idx="1"/>
-          </p:nvPr>
-        </p:nvSpPr>
-        <p:spPr/>
-        <p:txBody>
-          <a:bodyPr/>
-          <a:lstStyle/>
-          <a:p>
-            <a:endParaRPr lang="ko-KR" altLang="en-US" dirty="0"/>
-          </a:p>
-        </p:txBody>
-      </p:sp>
-      <p:sp>
-        <p:nvSpPr>
-          <p:cNvPr id="4" name="슬라이드 번호 개체 틀 3"/>
+          <a:p>
+            <a:pPr lvl="1"/>
+            <a:r>
+              <a:rPr lang="ko-KR" altLang="en-US" dirty="0"/>
+              <a:t>프로젝트 매니저</a:t>
+            </a:r>
+            <a:r>
+              <a:rPr lang="en-US" altLang="ko-KR" dirty="0"/>
+              <a:t>, Repository </a:t>
+            </a:r>
+            <a:r>
+              <a:rPr lang="ko-KR" altLang="en-US" dirty="0"/>
+              <a:t>및 코드 관리자가 수행</a:t>
+            </a:r>
+            <a:endParaRPr lang="en-US" altLang="ko-KR" dirty="0"/>
+          </a:p>
+          <a:p>
+            <a:r>
+              <a:rPr lang="ko-KR" altLang="en-US" dirty="0"/>
+              <a:t>많은 </a:t>
+            </a:r>
+            <a:r>
+              <a:rPr lang="en-US" altLang="ko-KR" dirty="0"/>
+              <a:t>IDE</a:t>
+            </a:r>
+            <a:r>
+              <a:rPr lang="ko-KR" altLang="en-US" dirty="0"/>
+              <a:t>에서 </a:t>
+            </a:r>
+            <a:r>
+              <a:rPr lang="en-US" altLang="ko-KR" dirty="0"/>
+              <a:t>GitHub Desktop </a:t>
+            </a:r>
+            <a:r>
+              <a:rPr lang="ko-KR" altLang="en-US" dirty="0"/>
+              <a:t>을 대체할 수 있는 </a:t>
+            </a:r>
+            <a:r>
+              <a:rPr lang="en-US" altLang="ko-KR" dirty="0"/>
+              <a:t>GitHub </a:t>
+            </a:r>
+            <a:r>
+              <a:rPr lang="ko-KR" altLang="en-US" dirty="0"/>
+              <a:t>연동 </a:t>
+            </a:r>
+            <a:br>
+              <a:rPr lang="en-US" altLang="ko-KR" dirty="0"/>
+            </a:br>
+            <a:r>
+              <a:rPr lang="ko-KR" altLang="en-US" dirty="0"/>
+              <a:t>기능을 제공하고 있으므로</a:t>
+            </a:r>
+            <a:r>
+              <a:rPr lang="en-US" altLang="ko-KR" dirty="0"/>
+              <a:t>, </a:t>
+            </a:r>
+            <a:r>
+              <a:rPr lang="ko-KR" altLang="en-US" dirty="0"/>
+              <a:t>그러한 경우에는 아예 불필요함</a:t>
+            </a:r>
+            <a:endParaRPr lang="en-US" altLang="ko-KR" dirty="0"/>
+          </a:p>
+          <a:p>
+            <a:pPr lvl="1"/>
+            <a:r>
+              <a:rPr lang="en-US" altLang="ko-KR" dirty="0"/>
+              <a:t>Visual Studio Code, Eclipse </a:t>
+            </a:r>
+            <a:r>
+              <a:rPr lang="ko-KR" altLang="en-US" dirty="0"/>
+              <a:t>등 널리 사용되는 </a:t>
+            </a:r>
+            <a:r>
+              <a:rPr lang="en-US" altLang="ko-KR" dirty="0"/>
+              <a:t>IDE</a:t>
+            </a:r>
+            <a:r>
+              <a:rPr lang="ko-KR" altLang="en-US" dirty="0"/>
+              <a:t>는 거의 모두 지원</a:t>
+            </a:r>
+            <a:endParaRPr lang="en-US" altLang="ko-KR" dirty="0"/>
+          </a:p>
+          <a:p>
+            <a:pPr lvl="1"/>
+            <a:r>
+              <a:rPr lang="ko-KR" altLang="en-US" dirty="0"/>
+              <a:t>차후 배우게 될 </a:t>
+            </a:r>
+            <a:r>
+              <a:rPr lang="en-US" altLang="ko-KR" dirty="0"/>
+              <a:t>Source Insight</a:t>
+            </a:r>
+            <a:r>
+              <a:rPr lang="ko-KR" altLang="en-US" dirty="0"/>
+              <a:t>는 지원하지 않음</a:t>
+            </a:r>
+            <a:endParaRPr lang="en-US" altLang="ko-KR" dirty="0"/>
+          </a:p>
+          <a:p>
+            <a:pPr lvl="1"/>
+            <a:r>
+              <a:rPr lang="ko-KR" altLang="en-US" dirty="0"/>
+              <a:t>이러한 경우</a:t>
+            </a:r>
+            <a:r>
+              <a:rPr lang="en-US" altLang="ko-KR" dirty="0"/>
+              <a:t>,  source code directory </a:t>
+            </a:r>
+            <a:r>
+              <a:rPr lang="ko-KR" altLang="en-US" dirty="0"/>
+              <a:t>를 </a:t>
+            </a:r>
+            <a:r>
+              <a:rPr lang="en-US" altLang="ko-KR" dirty="0"/>
+              <a:t>git repo</a:t>
+            </a:r>
+            <a:r>
+              <a:rPr lang="ko-KR" altLang="en-US" dirty="0"/>
+              <a:t> 로 설정해두고</a:t>
+            </a:r>
+            <a:r>
+              <a:rPr lang="en-US" altLang="ko-KR" dirty="0"/>
+              <a:t>, </a:t>
+            </a:r>
+            <a:br>
+              <a:rPr lang="en-US" altLang="ko-KR" dirty="0"/>
+            </a:br>
+            <a:r>
+              <a:rPr lang="en-US" altLang="ko-KR" dirty="0"/>
+              <a:t>source insight (</a:t>
+            </a:r>
+            <a:r>
+              <a:rPr lang="ko-KR" altLang="en-US" dirty="0"/>
+              <a:t>혹은 다른 에디터</a:t>
+            </a:r>
+            <a:r>
+              <a:rPr lang="en-US" altLang="ko-KR" dirty="0"/>
+              <a:t>)</a:t>
+            </a:r>
+            <a:r>
+              <a:rPr lang="ko-KR" altLang="en-US" dirty="0"/>
+              <a:t>로 수정 후</a:t>
+            </a:r>
+            <a:r>
+              <a:rPr lang="en-US" altLang="ko-KR" dirty="0"/>
+              <a:t>, GitHub Desktop </a:t>
+            </a:r>
+            <a:r>
+              <a:rPr lang="ko-KR" altLang="en-US" dirty="0"/>
+              <a:t>으로 </a:t>
+            </a:r>
+            <a:r>
+              <a:rPr lang="en-US" altLang="ko-KR" dirty="0"/>
+              <a:t>push</a:t>
+            </a:r>
+          </a:p>
+          <a:p>
+            <a:pPr lvl="1"/>
+            <a:endParaRPr lang="en-US" altLang="ko-KR" dirty="0"/>
+          </a:p>
+        </p:txBody>
+      </p:sp>
+      <p:sp>
+        <p:nvSpPr>
+          <p:cNvPr id="4" name="슬라이드 번호 개체 틀 3">
+            <a:extLst>
+              <a:ext uri="{FF2B5EF4-FFF2-40B4-BE49-F238E27FC236}">
+                <a16:creationId xmlns:a16="http://schemas.microsoft.com/office/drawing/2014/main" id="{B8A02DD4-D6B0-4720-A5FB-9595018FC04A}"/>
+              </a:ext>
+            </a:extLst>
+          </p:cNvPr>
           <p:cNvSpPr>
             <a:spLocks noGrp="1"/>
           </p:cNvSpPr>
@@ -6061,6 +6265,7 @@
           <a:p>
             <a:fld id="{64F0D409-D3F6-4EEC-8C77-1F5E89989FFB}" type="slidenum">
               <a:rPr lang="ko-KR" altLang="en-US" smtClean="0"/>
+              <a:pPr/>
               <a:t>20</a:t>
             </a:fld>
             <a:endParaRPr lang="ko-KR" altLang="en-US"/>
@@ -6070,7 +6275,7 @@
     </p:spTree>
     <p:extLst>
       <p:ext uri="{BB962C8B-B14F-4D97-AF65-F5344CB8AC3E}">
-        <p14:creationId xmlns:p14="http://schemas.microsoft.com/office/powerpoint/2010/main" val="959322605"/>
+        <p14:creationId xmlns:p14="http://schemas.microsoft.com/office/powerpoint/2010/main" val="4137924852"/>
       </p:ext>
     </p:extLst>
   </p:cSld>
@@ -6109,256 +6314,45 @@
         </p:nvSpPr>
         <p:spPr/>
         <p:txBody>
-          <a:bodyPr/>
-          <a:lstStyle/>
-          <a:p>
-            <a:r>
-              <a:rPr lang="en-US" altLang="ko-KR" dirty="0"/>
-              <a:t>Branch</a:t>
-            </a:r>
-            <a:endParaRPr lang="ko-KR" altLang="en-US" dirty="0"/>
-          </a:p>
-        </p:txBody>
-      </p:sp>
-      <p:sp>
-        <p:nvSpPr>
-          <p:cNvPr id="3" name="내용 개체 틀 2"/>
-          <p:cNvSpPr>
-            <a:spLocks noGrp="1"/>
-          </p:cNvSpPr>
-          <p:nvPr>
-            <p:ph idx="1"/>
-          </p:nvPr>
-        </p:nvSpPr>
-        <p:spPr/>
-        <p:txBody>
-          <a:bodyPr/>
-          <a:lstStyle/>
-          <a:p>
-            <a:r>
-              <a:rPr lang="en-US" altLang="ko-KR" dirty="0"/>
-              <a:t>VCS</a:t>
-            </a:r>
-            <a:r>
-              <a:rPr lang="ko-KR" altLang="en-US" dirty="0"/>
-              <a:t>의 한계</a:t>
-            </a:r>
-            <a:endParaRPr lang="en-US" altLang="ko-KR" dirty="0"/>
-          </a:p>
-          <a:p>
-            <a:pPr lvl="1"/>
-            <a:r>
-              <a:rPr lang="ko-KR" altLang="en-US" dirty="0"/>
-              <a:t>충돌이 나는 파일은 수동으로 해결할 수 밖에 없음</a:t>
-            </a:r>
-            <a:endParaRPr lang="en-US" altLang="ko-KR" dirty="0"/>
-          </a:p>
-          <a:p>
-            <a:pPr lvl="1"/>
-            <a:r>
-              <a:rPr lang="ko-KR" altLang="en-US" dirty="0"/>
-              <a:t>따라서 최대한 분리하여 작업하도록 구성</a:t>
-            </a:r>
-            <a:r>
-              <a:rPr lang="en-US" altLang="ko-KR" dirty="0"/>
-              <a:t>	</a:t>
-            </a:r>
-          </a:p>
-          <a:p>
-            <a:pPr lvl="2"/>
-            <a:r>
-              <a:rPr lang="ko-KR" altLang="en-US" dirty="0"/>
-              <a:t>단위</a:t>
-            </a:r>
-            <a:r>
-              <a:rPr lang="en-US" altLang="ko-KR" dirty="0"/>
-              <a:t>: </a:t>
-            </a:r>
-            <a:r>
-              <a:rPr lang="ko-KR" altLang="en-US" dirty="0"/>
-              <a:t>함수</a:t>
-            </a:r>
-            <a:r>
-              <a:rPr lang="en-US" altLang="ko-KR" dirty="0"/>
-              <a:t>, </a:t>
-            </a:r>
-            <a:r>
-              <a:rPr lang="ko-KR" altLang="en-US" dirty="0"/>
-              <a:t>클래스</a:t>
-            </a:r>
-            <a:r>
-              <a:rPr lang="en-US" altLang="ko-KR" dirty="0"/>
-              <a:t>, </a:t>
-            </a:r>
-            <a:r>
-              <a:rPr lang="ko-KR" altLang="en-US" dirty="0"/>
-              <a:t>파일</a:t>
-            </a:r>
-            <a:r>
-              <a:rPr lang="en-US" altLang="ko-KR" dirty="0"/>
-              <a:t>, </a:t>
-            </a:r>
-            <a:r>
-              <a:rPr lang="ko-KR" altLang="en-US" dirty="0"/>
-              <a:t>폴더</a:t>
-            </a:r>
-            <a:r>
-              <a:rPr lang="en-US" altLang="ko-KR" dirty="0"/>
-              <a:t>, </a:t>
-            </a:r>
-            <a:r>
-              <a:rPr lang="ko-KR" altLang="en-US" dirty="0"/>
-              <a:t>기능</a:t>
-            </a:r>
-            <a:r>
-              <a:rPr lang="en-US" altLang="ko-KR" dirty="0"/>
-              <a:t> </a:t>
-            </a:r>
-            <a:r>
-              <a:rPr lang="ko-KR" altLang="en-US" dirty="0"/>
-              <a:t>등</a:t>
-            </a:r>
-            <a:endParaRPr lang="en-US" altLang="ko-KR" dirty="0"/>
-          </a:p>
-          <a:p>
-            <a:pPr lvl="1"/>
-            <a:r>
-              <a:rPr lang="ko-KR" altLang="en-US" dirty="0"/>
-              <a:t>그러나 협업 구조에서 동시 작업의 필요성은 여전히 존재</a:t>
-            </a:r>
-            <a:endParaRPr lang="en-US" altLang="ko-KR" dirty="0"/>
-          </a:p>
-          <a:p>
-            <a:pPr lvl="2"/>
-            <a:r>
-              <a:rPr lang="ko-KR" altLang="en-US" dirty="0"/>
-              <a:t>기능 추가 팀</a:t>
-            </a:r>
-            <a:r>
-              <a:rPr lang="en-US" altLang="ko-KR" dirty="0"/>
-              <a:t>, </a:t>
-            </a:r>
-            <a:r>
-              <a:rPr lang="ko-KR" altLang="en-US" dirty="0"/>
-              <a:t>버그 수정 팀이 동시에 작업</a:t>
-            </a:r>
-            <a:endParaRPr lang="en-US" altLang="ko-KR" dirty="0"/>
-          </a:p>
-          <a:p>
-            <a:r>
-              <a:rPr lang="en-US" altLang="ko-KR" dirty="0"/>
-              <a:t>Branch</a:t>
-            </a:r>
-          </a:p>
-          <a:p>
-            <a:pPr lvl="1"/>
-            <a:r>
-              <a:rPr lang="ko-KR" altLang="en-US" dirty="0"/>
-              <a:t>같은 코드를 공유하되</a:t>
-            </a:r>
-            <a:r>
-              <a:rPr lang="en-US" altLang="ko-KR" dirty="0"/>
-              <a:t>, </a:t>
-            </a:r>
-            <a:r>
-              <a:rPr lang="ko-KR" altLang="en-US" dirty="0"/>
-              <a:t>작업을 독립적으로 분리해서 수행할 수 있음</a:t>
-            </a:r>
-            <a:endParaRPr lang="en-US" altLang="ko-KR" dirty="0"/>
-          </a:p>
-          <a:p>
-            <a:pPr lvl="2"/>
-            <a:r>
-              <a:rPr lang="ko-KR" altLang="en-US" dirty="0"/>
-              <a:t>독립적인 개발 및 </a:t>
-            </a:r>
-            <a:r>
-              <a:rPr lang="ko-KR" altLang="en-US" dirty="0" err="1"/>
-              <a:t>테스팅</a:t>
-            </a:r>
-            <a:r>
-              <a:rPr lang="en-US" altLang="ko-KR" dirty="0"/>
-              <a:t>, </a:t>
-            </a:r>
-            <a:r>
-              <a:rPr lang="ko-KR" altLang="en-US" dirty="0" err="1"/>
-              <a:t>커밋</a:t>
-            </a:r>
-            <a:r>
-              <a:rPr lang="ko-KR" altLang="en-US" dirty="0"/>
-              <a:t> 이력 관리</a:t>
-            </a:r>
-            <a:r>
-              <a:rPr lang="en-US" altLang="ko-KR" dirty="0"/>
-              <a:t>, </a:t>
-            </a:r>
-            <a:r>
-              <a:rPr lang="ko-KR" altLang="en-US" dirty="0"/>
-              <a:t>저장소 관리</a:t>
-            </a:r>
-            <a:endParaRPr lang="en-US" altLang="ko-KR" dirty="0"/>
-          </a:p>
-          <a:p>
-            <a:pPr lvl="2"/>
+          <a:bodyPr>
+            <a:normAutofit/>
+          </a:bodyPr>
+          <a:lstStyle/>
+          <a:p>
             <a:r>
               <a:rPr lang="en-US" altLang="ko-KR" dirty="0" err="1"/>
               <a:t>Git</a:t>
             </a:r>
             <a:r>
-              <a:rPr lang="ko-KR" altLang="en-US" dirty="0"/>
-              <a:t>은 가볍고 빠른 </a:t>
-            </a:r>
-            <a:r>
-              <a:rPr lang="ko-KR" altLang="en-US" dirty="0" err="1"/>
-              <a:t>브랜치</a:t>
-            </a:r>
-            <a:r>
-              <a:rPr lang="ko-KR" altLang="en-US" dirty="0"/>
-              <a:t> 동작 제공</a:t>
-            </a:r>
+              <a:rPr lang="en-US" altLang="ko-KR" dirty="0"/>
+              <a:t>: Branch </a:t>
+            </a:r>
+            <a:r>
+              <a:rPr lang="ko-KR" altLang="en-US" dirty="0"/>
+              <a:t>관리</a:t>
+            </a:r>
+            <a:br>
+              <a:rPr lang="en-US" altLang="ko-KR" dirty="0"/>
+            </a:br>
             <a:endParaRPr lang="en-US" altLang="ko-KR" dirty="0"/>
           </a:p>
-          <a:p>
-            <a:pPr lvl="1"/>
-            <a:r>
-              <a:rPr lang="ko-KR" altLang="en-US" dirty="0"/>
-              <a:t>분리는 쉽다</a:t>
-            </a:r>
-            <a:r>
-              <a:rPr lang="en-US" altLang="ko-KR" dirty="0"/>
-              <a:t>, </a:t>
-            </a:r>
-            <a:r>
-              <a:rPr lang="ko-KR" altLang="en-US" dirty="0"/>
-              <a:t>나중에 다시 합칠 때는</a:t>
-            </a:r>
-            <a:r>
-              <a:rPr lang="en-US" altLang="ko-KR" dirty="0"/>
-              <a:t>?</a:t>
-            </a:r>
-          </a:p>
-          <a:p>
-            <a:pPr lvl="2"/>
-            <a:r>
-              <a:rPr lang="en-US" altLang="ko-KR" dirty="0"/>
-              <a:t>Merge </a:t>
-            </a:r>
-            <a:r>
-              <a:rPr lang="ko-KR" altLang="en-US" dirty="0"/>
-              <a:t>담당 전문가</a:t>
-            </a:r>
-            <a:r>
-              <a:rPr lang="en-US" altLang="ko-KR" dirty="0"/>
-              <a:t>, </a:t>
-            </a:r>
-            <a:r>
-              <a:rPr lang="ko-KR" altLang="en-US" dirty="0"/>
-              <a:t>테스트 과정 필요</a:t>
-            </a:r>
-            <a:endParaRPr lang="en-US" altLang="ko-KR" dirty="0"/>
-          </a:p>
-          <a:p>
-            <a:pPr lvl="1"/>
+        </p:txBody>
+      </p:sp>
+      <p:sp>
+        <p:nvSpPr>
+          <p:cNvPr id="3" name="텍스트 개체 틀 2"/>
+          <p:cNvSpPr>
+            <a:spLocks noGrp="1"/>
+          </p:cNvSpPr>
+          <p:nvPr>
+            <p:ph type="body" idx="1"/>
+          </p:nvPr>
+        </p:nvSpPr>
+        <p:spPr/>
+        <p:txBody>
+          <a:bodyPr/>
+          <a:lstStyle/>
+          <a:p>
             <a:endParaRPr lang="ko-KR" altLang="en-US" dirty="0"/>
           </a:p>
         </p:txBody>
@@ -6389,7 +6383,7 @@
     </p:spTree>
     <p:extLst>
       <p:ext uri="{BB962C8B-B14F-4D97-AF65-F5344CB8AC3E}">
-        <p14:creationId xmlns:p14="http://schemas.microsoft.com/office/powerpoint/2010/main" val="1059011297"/>
+        <p14:creationId xmlns:p14="http://schemas.microsoft.com/office/powerpoint/2010/main" val="959322605"/>
       </p:ext>
     </p:extLst>
   </p:cSld>
@@ -6433,12 +6427,9 @@
           <a:p>
             <a:r>
               <a:rPr lang="en-US" altLang="ko-KR" dirty="0"/>
-              <a:t>Branch </a:t>
-            </a:r>
-            <a:r>
-              <a:rPr lang="ko-KR" altLang="en-US" dirty="0"/>
-              <a:t>이용 예</a:t>
-            </a:r>
+              <a:t>Branch</a:t>
+            </a:r>
+            <a:endParaRPr lang="ko-KR" altLang="en-US" dirty="0"/>
           </a:p>
         </p:txBody>
       </p:sp>
@@ -6457,6 +6448,230 @@
           <a:bodyPr/>
           <a:lstStyle/>
           <a:p>
+            <a:r>
+              <a:rPr lang="en-US" altLang="ko-KR" dirty="0"/>
+              <a:t>VCS</a:t>
+            </a:r>
+            <a:r>
+              <a:rPr lang="ko-KR" altLang="en-US" dirty="0"/>
+              <a:t>의 한계</a:t>
+            </a:r>
+            <a:endParaRPr lang="en-US" altLang="ko-KR" dirty="0"/>
+          </a:p>
+          <a:p>
+            <a:pPr lvl="1"/>
+            <a:r>
+              <a:rPr lang="ko-KR" altLang="en-US" dirty="0"/>
+              <a:t>충돌이 나는 파일은 수동으로 해결할 수 밖에 없음</a:t>
+            </a:r>
+            <a:endParaRPr lang="en-US" altLang="ko-KR" dirty="0"/>
+          </a:p>
+          <a:p>
+            <a:pPr lvl="1"/>
+            <a:r>
+              <a:rPr lang="ko-KR" altLang="en-US" dirty="0"/>
+              <a:t>따라서 최대한 분리하여 작업하도록 구성</a:t>
+            </a:r>
+            <a:r>
+              <a:rPr lang="en-US" altLang="ko-KR" dirty="0"/>
+              <a:t>	</a:t>
+            </a:r>
+          </a:p>
+          <a:p>
+            <a:pPr lvl="2"/>
+            <a:r>
+              <a:rPr lang="ko-KR" altLang="en-US" dirty="0"/>
+              <a:t>단위</a:t>
+            </a:r>
+            <a:r>
+              <a:rPr lang="en-US" altLang="ko-KR" dirty="0"/>
+              <a:t>: </a:t>
+            </a:r>
+            <a:r>
+              <a:rPr lang="ko-KR" altLang="en-US" dirty="0"/>
+              <a:t>함수</a:t>
+            </a:r>
+            <a:r>
+              <a:rPr lang="en-US" altLang="ko-KR" dirty="0"/>
+              <a:t>, </a:t>
+            </a:r>
+            <a:r>
+              <a:rPr lang="ko-KR" altLang="en-US" dirty="0"/>
+              <a:t>클래스</a:t>
+            </a:r>
+            <a:r>
+              <a:rPr lang="en-US" altLang="ko-KR" dirty="0"/>
+              <a:t>, </a:t>
+            </a:r>
+            <a:r>
+              <a:rPr lang="ko-KR" altLang="en-US" dirty="0"/>
+              <a:t>파일</a:t>
+            </a:r>
+            <a:r>
+              <a:rPr lang="en-US" altLang="ko-KR" dirty="0"/>
+              <a:t>, </a:t>
+            </a:r>
+            <a:r>
+              <a:rPr lang="ko-KR" altLang="en-US" dirty="0"/>
+              <a:t>폴더</a:t>
+            </a:r>
+            <a:r>
+              <a:rPr lang="en-US" altLang="ko-KR" dirty="0"/>
+              <a:t>, </a:t>
+            </a:r>
+            <a:r>
+              <a:rPr lang="ko-KR" altLang="en-US" dirty="0"/>
+              <a:t>기능</a:t>
+            </a:r>
+            <a:r>
+              <a:rPr lang="en-US" altLang="ko-KR" dirty="0"/>
+              <a:t> </a:t>
+            </a:r>
+            <a:r>
+              <a:rPr lang="ko-KR" altLang="en-US" dirty="0"/>
+              <a:t>등</a:t>
+            </a:r>
+            <a:endParaRPr lang="en-US" altLang="ko-KR" dirty="0"/>
+          </a:p>
+          <a:p>
+            <a:pPr lvl="1"/>
+            <a:r>
+              <a:rPr lang="ko-KR" altLang="en-US" dirty="0"/>
+              <a:t>그러나 협업 구조에서 동시 작업의 필요성은 여전히 존재</a:t>
+            </a:r>
+            <a:endParaRPr lang="en-US" altLang="ko-KR" dirty="0"/>
+          </a:p>
+          <a:p>
+            <a:pPr lvl="2"/>
+            <a:r>
+              <a:rPr lang="ko-KR" altLang="en-US" dirty="0"/>
+              <a:t>기능 추가 팀</a:t>
+            </a:r>
+            <a:r>
+              <a:rPr lang="en-US" altLang="ko-KR" dirty="0"/>
+              <a:t>, </a:t>
+            </a:r>
+            <a:r>
+              <a:rPr lang="ko-KR" altLang="en-US" dirty="0"/>
+              <a:t>버그 수정 팀이 동시에 작업</a:t>
+            </a:r>
+            <a:endParaRPr lang="en-US" altLang="ko-KR" dirty="0"/>
+          </a:p>
+          <a:p>
+            <a:r>
+              <a:rPr lang="en-US" altLang="ko-KR" dirty="0"/>
+              <a:t>Branch</a:t>
+            </a:r>
+          </a:p>
+          <a:p>
+            <a:pPr lvl="1"/>
+            <a:r>
+              <a:rPr lang="ko-KR" altLang="en-US" dirty="0"/>
+              <a:t>같은 코드를 공유하되</a:t>
+            </a:r>
+            <a:r>
+              <a:rPr lang="en-US" altLang="ko-KR" dirty="0"/>
+              <a:t>, </a:t>
+            </a:r>
+            <a:r>
+              <a:rPr lang="ko-KR" altLang="en-US" dirty="0"/>
+              <a:t>작업을 독립적으로 분리해서 수행할 수 있음</a:t>
+            </a:r>
+            <a:endParaRPr lang="en-US" altLang="ko-KR" dirty="0"/>
+          </a:p>
+          <a:p>
+            <a:pPr lvl="2"/>
+            <a:r>
+              <a:rPr lang="ko-KR" altLang="en-US" dirty="0"/>
+              <a:t>독립적인 개발 및 </a:t>
+            </a:r>
+            <a:r>
+              <a:rPr lang="ko-KR" altLang="en-US" dirty="0" err="1"/>
+              <a:t>테스팅</a:t>
+            </a:r>
+            <a:r>
+              <a:rPr lang="en-US" altLang="ko-KR" dirty="0"/>
+              <a:t>, </a:t>
+            </a:r>
+            <a:r>
+              <a:rPr lang="ko-KR" altLang="en-US" dirty="0" err="1"/>
+              <a:t>커밋</a:t>
+            </a:r>
+            <a:r>
+              <a:rPr lang="ko-KR" altLang="en-US" dirty="0"/>
+              <a:t> 이력 관리</a:t>
+            </a:r>
+            <a:r>
+              <a:rPr lang="en-US" altLang="ko-KR" dirty="0"/>
+              <a:t>, </a:t>
+            </a:r>
+            <a:r>
+              <a:rPr lang="ko-KR" altLang="en-US" dirty="0"/>
+              <a:t>저장소 관리</a:t>
+            </a:r>
+            <a:endParaRPr lang="en-US" altLang="ko-KR" dirty="0"/>
+          </a:p>
+          <a:p>
+            <a:pPr lvl="2"/>
+            <a:r>
+              <a:rPr lang="en-US" altLang="ko-KR" dirty="0" err="1"/>
+              <a:t>Git</a:t>
+            </a:r>
+            <a:r>
+              <a:rPr lang="ko-KR" altLang="en-US" dirty="0"/>
+              <a:t>은 가볍고 빠른 </a:t>
+            </a:r>
+            <a:r>
+              <a:rPr lang="ko-KR" altLang="en-US" dirty="0" err="1"/>
+              <a:t>브랜치</a:t>
+            </a:r>
+            <a:r>
+              <a:rPr lang="ko-KR" altLang="en-US" dirty="0"/>
+              <a:t> 동작 제공</a:t>
+            </a:r>
+            <a:endParaRPr lang="en-US" altLang="ko-KR" dirty="0"/>
+          </a:p>
+          <a:p>
+            <a:pPr lvl="1"/>
+            <a:r>
+              <a:rPr lang="ko-KR" altLang="en-US" dirty="0"/>
+              <a:t>분리는 쉽다</a:t>
+            </a:r>
+            <a:r>
+              <a:rPr lang="en-US" altLang="ko-KR" dirty="0"/>
+              <a:t>, </a:t>
+            </a:r>
+            <a:r>
+              <a:rPr lang="ko-KR" altLang="en-US" dirty="0"/>
+              <a:t>나중에 다시 합칠 때는</a:t>
+            </a:r>
+            <a:r>
+              <a:rPr lang="en-US" altLang="ko-KR" dirty="0"/>
+              <a:t>?</a:t>
+            </a:r>
+          </a:p>
+          <a:p>
+            <a:pPr lvl="2"/>
+            <a:r>
+              <a:rPr lang="en-US" altLang="ko-KR" dirty="0"/>
+              <a:t>Merge </a:t>
+            </a:r>
+            <a:r>
+              <a:rPr lang="ko-KR" altLang="en-US" dirty="0"/>
+              <a:t>담당 전문가</a:t>
+            </a:r>
+            <a:r>
+              <a:rPr lang="en-US" altLang="ko-KR" dirty="0"/>
+              <a:t>, </a:t>
+            </a:r>
+            <a:r>
+              <a:rPr lang="ko-KR" altLang="en-US" dirty="0"/>
+              <a:t>테스트 과정 필요</a:t>
+            </a:r>
+            <a:endParaRPr lang="en-US" altLang="ko-KR" dirty="0"/>
+          </a:p>
+          <a:p>
+            <a:pPr lvl="1"/>
             <a:endParaRPr lang="ko-KR" altLang="en-US" dirty="0"/>
           </a:p>
         </p:txBody>
@@ -6479,6 +6694,85 @@
             <a:fld id="{64F0D409-D3F6-4EEC-8C77-1F5E89989FFB}" type="slidenum">
               <a:rPr lang="ko-KR" altLang="en-US" smtClean="0"/>
               <a:t>22</a:t>
+            </a:fld>
+            <a:endParaRPr lang="ko-KR" altLang="en-US"/>
+          </a:p>
+        </p:txBody>
+      </p:sp>
+    </p:spTree>
+    <p:extLst>
+      <p:ext uri="{BB962C8B-B14F-4D97-AF65-F5344CB8AC3E}">
+        <p14:creationId xmlns:p14="http://schemas.microsoft.com/office/powerpoint/2010/main" val="1059011297"/>
+      </p:ext>
+    </p:extLst>
+  </p:cSld>
+  <p:clrMapOvr>
+    <a:masterClrMapping/>
+  </p:clrMapOvr>
+</p:sld>
+</file>
+
+<file path=ppt/slides/slide23.xml><?xml version="1.0" encoding="utf-8"?>
+<p:sld xmlns:a="http://schemas.openxmlformats.org/drawingml/2006/main" xmlns:r="http://schemas.openxmlformats.org/officeDocument/2006/relationships" xmlns:p="http://schemas.openxmlformats.org/presentationml/2006/main">
+  <p:cSld>
+    <p:spTree>
+      <p:nvGrpSpPr>
+        <p:cNvPr id="1" name=""/>
+        <p:cNvGrpSpPr/>
+        <p:nvPr/>
+      </p:nvGrpSpPr>
+      <p:grpSpPr>
+        <a:xfrm>
+          <a:off x="0" y="0"/>
+          <a:ext cx="0" cy="0"/>
+          <a:chOff x="0" y="0"/>
+          <a:chExt cx="0" cy="0"/>
+        </a:xfrm>
+      </p:grpSpPr>
+      <p:sp>
+        <p:nvSpPr>
+          <p:cNvPr id="2" name="제목 1"/>
+          <p:cNvSpPr>
+            <a:spLocks noGrp="1"/>
+          </p:cNvSpPr>
+          <p:nvPr>
+            <p:ph type="title"/>
+          </p:nvPr>
+        </p:nvSpPr>
+        <p:spPr/>
+        <p:txBody>
+          <a:bodyPr/>
+          <a:lstStyle/>
+          <a:p>
+            <a:r>
+              <a:rPr lang="en-US" altLang="ko-KR" dirty="0"/>
+              <a:t>Branch </a:t>
+            </a:r>
+            <a:r>
+              <a:rPr lang="ko-KR" altLang="en-US" dirty="0"/>
+              <a:t>이용 예</a:t>
+            </a:r>
+          </a:p>
+        </p:txBody>
+      </p:sp>
+      <p:sp>
+        <p:nvSpPr>
+          <p:cNvPr id="4" name="슬라이드 번호 개체 틀 3"/>
+          <p:cNvSpPr>
+            <a:spLocks noGrp="1"/>
+          </p:cNvSpPr>
+          <p:nvPr>
+            <p:ph type="sldNum" sz="quarter" idx="12"/>
+          </p:nvPr>
+        </p:nvSpPr>
+        <p:spPr/>
+        <p:txBody>
+          <a:bodyPr/>
+          <a:lstStyle/>
+          <a:p>
+            <a:fld id="{64F0D409-D3F6-4EEC-8C77-1F5E89989FFB}" type="slidenum">
+              <a:rPr lang="ko-KR" altLang="en-US" smtClean="0"/>
+              <a:t>23</a:t>
             </a:fld>
             <a:endParaRPr lang="ko-KR" altLang="en-US"/>
           </a:p>
@@ -6599,7 +6893,7 @@
 </p:sld>
 </file>
 
-<file path=ppt/slides/slide23.xml><?xml version="1.0" encoding="utf-8"?>
+<file path=ppt/slides/slide24.xml><?xml version="1.0" encoding="utf-8"?>
 <p:sld xmlns:a="http://schemas.openxmlformats.org/drawingml/2006/main" xmlns:r="http://schemas.openxmlformats.org/officeDocument/2006/relationships" xmlns:p="http://schemas.openxmlformats.org/presentationml/2006/main">
   <p:cSld>
     <p:spTree>
@@ -6791,7 +7085,7 @@
             <a:fld id="{64F0D409-D3F6-4EEC-8C77-1F5E89989FFB}" type="slidenum">
               <a:rPr lang="ko-KR" altLang="en-US" smtClean="0"/>
               <a:pPr/>
-              <a:t>23</a:t>
+              <a:t>24</a:t>
             </a:fld>
             <a:endParaRPr lang="ko-KR" altLang="en-US"/>
           </a:p>
@@ -6932,7 +7226,7 @@
 </p:sld>
 </file>
 
-<file path=ppt/slides/slide24.xml><?xml version="1.0" encoding="utf-8"?>
+<file path=ppt/slides/slide25.xml><?xml version="1.0" encoding="utf-8"?>
 <p:sld xmlns:a="http://schemas.openxmlformats.org/drawingml/2006/main" xmlns:r="http://schemas.openxmlformats.org/officeDocument/2006/relationships" xmlns:p="http://schemas.openxmlformats.org/presentationml/2006/main">
   <p:cSld>
     <p:spTree>
@@ -7061,7 +7355,7 @@
           <a:p>
             <a:fld id="{64F0D409-D3F6-4EEC-8C77-1F5E89989FFB}" type="slidenum">
               <a:rPr lang="ko-KR" altLang="en-US" smtClean="0"/>
-              <a:t>24</a:t>
+              <a:t>25</a:t>
             </a:fld>
             <a:endParaRPr lang="ko-KR" altLang="en-US"/>
           </a:p>
@@ -7130,7 +7424,7 @@
 </p:sld>
 </file>
 
-<file path=ppt/slides/slide25.xml><?xml version="1.0" encoding="utf-8"?>
+<file path=ppt/slides/slide26.xml><?xml version="1.0" encoding="utf-8"?>
 <p:sld xmlns:a="http://schemas.openxmlformats.org/drawingml/2006/main" xmlns:r="http://schemas.openxmlformats.org/officeDocument/2006/relationships" xmlns:p="http://schemas.openxmlformats.org/presentationml/2006/main">
   <p:cSld>
     <p:spTree>
@@ -7332,7 +7626,7 @@
           <a:p>
             <a:fld id="{64F0D409-D3F6-4EEC-8C77-1F5E89989FFB}" type="slidenum">
               <a:rPr lang="ko-KR" altLang="en-US" smtClean="0"/>
-              <a:t>25</a:t>
+              <a:t>26</a:t>
             </a:fld>
             <a:endParaRPr lang="ko-KR" altLang="en-US"/>
           </a:p>
@@ -7537,7 +7831,7 @@
 </p:sld>
 </file>
 
-<file path=ppt/slides/slide26.xml><?xml version="1.0" encoding="utf-8"?>
+<file path=ppt/slides/slide27.xml><?xml version="1.0" encoding="utf-8"?>
 <p:sld xmlns:a="http://schemas.openxmlformats.org/drawingml/2006/main" xmlns:r="http://schemas.openxmlformats.org/officeDocument/2006/relationships" xmlns:p="http://schemas.openxmlformats.org/presentationml/2006/main">
   <p:cSld>
     <p:spTree>
@@ -7602,7 +7896,7 @@
           <a:p>
             <a:fld id="{64F0D409-D3F6-4EEC-8C77-1F5E89989FFB}" type="slidenum">
               <a:rPr lang="ko-KR" altLang="en-US" smtClean="0"/>
-              <a:t>26</a:t>
+              <a:t>27</a:t>
             </a:fld>
             <a:endParaRPr lang="ko-KR" altLang="en-US"/>
           </a:p>
@@ -7707,7 +8001,7 @@
 </p:sld>
 </file>
 
-<file path=ppt/slides/slide27.xml><?xml version="1.0" encoding="utf-8"?>
+<file path=ppt/slides/slide28.xml><?xml version="1.0" encoding="utf-8"?>
 <p:sld xmlns:a="http://schemas.openxmlformats.org/drawingml/2006/main" xmlns:r="http://schemas.openxmlformats.org/officeDocument/2006/relationships" xmlns:p="http://schemas.openxmlformats.org/presentationml/2006/main">
   <p:cSld>
     <p:spTree>
@@ -7775,13 +8069,8 @@
           <a:p>
             <a:r>
               <a:rPr lang="en-US" altLang="ko-KR" sz="2000" dirty="0"/>
-              <a:t>$ notepad </a:t>
-            </a:r>
-            <a:r>
-              <a:rPr lang="en-US" altLang="ko-KR" sz="2000" dirty="0" err="1"/>
-              <a:t>test.c</a:t>
-            </a:r>
-            <a:endParaRPr lang="en-US" altLang="ko-KR" sz="2000" dirty="0"/>
+              <a:t>$ notepad test.txt</a:t>
+            </a:r>
           </a:p>
           <a:p>
             <a:r>
@@ -7833,7 +8122,7 @@
           <a:p>
             <a:fld id="{64F0D409-D3F6-4EEC-8C77-1F5E89989FFB}" type="slidenum">
               <a:rPr lang="ko-KR" altLang="en-US" smtClean="0"/>
-              <a:t>27</a:t>
+              <a:t>28</a:t>
             </a:fld>
             <a:endParaRPr lang="ko-KR" altLang="en-US"/>
           </a:p>
@@ -8033,7 +8322,7 @@
 </p:sld>
 </file>
 
-<file path=ppt/slides/slide28.xml><?xml version="1.0" encoding="utf-8"?>
+<file path=ppt/slides/slide29.xml><?xml version="1.0" encoding="utf-8"?>
 <p:sld xmlns:a="http://schemas.openxmlformats.org/drawingml/2006/main" xmlns:r="http://schemas.openxmlformats.org/officeDocument/2006/relationships" xmlns:p="http://schemas.openxmlformats.org/presentationml/2006/main">
   <p:cSld>
     <p:spTree>
@@ -8293,7 +8582,7 @@
             <a:fld id="{64F0D409-D3F6-4EEC-8C77-1F5E89989FFB}" type="slidenum">
               <a:rPr lang="ko-KR" altLang="en-US" smtClean="0"/>
               <a:pPr/>
-              <a:t>28</a:t>
+              <a:t>29</a:t>
             </a:fld>
             <a:endParaRPr lang="ko-KR" altLang="en-US"/>
           </a:p>
@@ -8353,7 +8642,424 @@
 </p:sld>
 </file>
 
-<file path=ppt/slides/slide29.xml><?xml version="1.0" encoding="utf-8"?>
+<file path=ppt/slides/slide3.xml><?xml version="1.0" encoding="utf-8"?>
+<p:sld xmlns:a="http://schemas.openxmlformats.org/drawingml/2006/main" xmlns:r="http://schemas.openxmlformats.org/officeDocument/2006/relationships" xmlns:p="http://schemas.openxmlformats.org/presentationml/2006/main">
+  <p:cSld>
+    <p:spTree>
+      <p:nvGrpSpPr>
+        <p:cNvPr id="1" name=""/>
+        <p:cNvGrpSpPr/>
+        <p:nvPr/>
+      </p:nvGrpSpPr>
+      <p:grpSpPr>
+        <a:xfrm>
+          <a:off x="0" y="0"/>
+          <a:ext cx="0" cy="0"/>
+          <a:chOff x="0" y="0"/>
+          <a:chExt cx="0" cy="0"/>
+        </a:xfrm>
+      </p:grpSpPr>
+      <p:sp>
+        <p:nvSpPr>
+          <p:cNvPr id="2" name="제목 1">
+            <a:extLst>
+              <a:ext uri="{FF2B5EF4-FFF2-40B4-BE49-F238E27FC236}">
+                <a16:creationId xmlns:a16="http://schemas.microsoft.com/office/drawing/2014/main" id="{B3A55D83-17FD-4584-B188-03E01F468C5F}"/>
+              </a:ext>
+            </a:extLst>
+          </p:cNvPr>
+          <p:cNvSpPr>
+            <a:spLocks noGrp="1"/>
+          </p:cNvSpPr>
+          <p:nvPr>
+            <p:ph type="title"/>
+          </p:nvPr>
+        </p:nvSpPr>
+        <p:spPr/>
+        <p:txBody>
+          <a:bodyPr/>
+          <a:lstStyle/>
+          <a:p>
+            <a:r>
+              <a:rPr lang="ko-KR" altLang="en-US" dirty="0"/>
+              <a:t>개인 과제 </a:t>
+            </a:r>
+            <a:r>
+              <a:rPr lang="en-US" altLang="ko-KR" dirty="0"/>
+              <a:t>#4 (1/2)</a:t>
+            </a:r>
+            <a:endParaRPr lang="ko-KR" altLang="en-US" dirty="0"/>
+          </a:p>
+        </p:txBody>
+      </p:sp>
+      <p:sp>
+        <p:nvSpPr>
+          <p:cNvPr id="3" name="내용 개체 틀 2">
+            <a:extLst>
+              <a:ext uri="{FF2B5EF4-FFF2-40B4-BE49-F238E27FC236}">
+                <a16:creationId xmlns:a16="http://schemas.microsoft.com/office/drawing/2014/main" id="{6382539C-0B76-47B9-9488-FDEA70C9B954}"/>
+              </a:ext>
+            </a:extLst>
+          </p:cNvPr>
+          <p:cNvSpPr>
+            <a:spLocks noGrp="1"/>
+          </p:cNvSpPr>
+          <p:nvPr>
+            <p:ph idx="1"/>
+          </p:nvPr>
+        </p:nvSpPr>
+        <p:spPr/>
+        <p:txBody>
+          <a:bodyPr/>
+          <a:lstStyle/>
+          <a:p>
+            <a:r>
+              <a:rPr lang="ko-KR" altLang="en-US" sz="1600" dirty="0"/>
+              <a:t>제출</a:t>
+            </a:r>
+            <a:r>
+              <a:rPr lang="en-US" altLang="ko-KR" sz="1600" dirty="0"/>
+              <a:t>: </a:t>
+            </a:r>
+            <a:r>
+              <a:rPr lang="ko-KR" altLang="en-US" sz="1600" dirty="0"/>
+              <a:t>하나의 </a:t>
+            </a:r>
+            <a:r>
+              <a:rPr lang="en-US" altLang="ko-KR" sz="1600" dirty="0"/>
+              <a:t>ppt</a:t>
+            </a:r>
+            <a:r>
+              <a:rPr lang="ko-KR" altLang="en-US" sz="1600" dirty="0"/>
+              <a:t>에 각 캡처 파일을 넣은 후</a:t>
+            </a:r>
+            <a:r>
+              <a:rPr lang="en-US" altLang="ko-KR" sz="1600" dirty="0"/>
+              <a:t>, </a:t>
+            </a:r>
+            <a:r>
+              <a:rPr lang="en-US" altLang="ko-KR" sz="1600" dirty="0">
+                <a:solidFill>
+                  <a:srgbClr val="FF0000"/>
+                </a:solidFill>
+              </a:rPr>
+              <a:t>PDF </a:t>
+            </a:r>
+            <a:r>
+              <a:rPr lang="ko-KR" altLang="en-US" sz="1600" dirty="0">
+                <a:solidFill>
+                  <a:srgbClr val="FF0000"/>
+                </a:solidFill>
+              </a:rPr>
+              <a:t>파일</a:t>
+            </a:r>
+            <a:r>
+              <a:rPr lang="ko-KR" altLang="en-US" sz="1600" dirty="0"/>
+              <a:t>로 변환해 </a:t>
+            </a:r>
+            <a:r>
+              <a:rPr lang="en-US" altLang="ko-KR" sz="1600" dirty="0"/>
+              <a:t>LMS “</a:t>
+            </a:r>
+            <a:r>
+              <a:rPr lang="ko-KR" altLang="en-US" sz="1600" dirty="0"/>
+              <a:t>과제 </a:t>
+            </a:r>
+            <a:r>
+              <a:rPr lang="en-US" altLang="ko-KR" sz="1600" dirty="0"/>
+              <a:t>4” </a:t>
+            </a:r>
+            <a:r>
+              <a:rPr lang="ko-KR" altLang="en-US" sz="1600" dirty="0"/>
+              <a:t>제출</a:t>
+            </a:r>
+            <a:endParaRPr lang="en-US" altLang="ko-KR" sz="1600" dirty="0"/>
+          </a:p>
+          <a:p>
+            <a:pPr lvl="1"/>
+            <a:r>
+              <a:rPr lang="en-US" altLang="ko-KR" sz="1400" dirty="0"/>
+              <a:t>Page</a:t>
+            </a:r>
+            <a:r>
+              <a:rPr lang="ko-KR" altLang="en-US" sz="1400" dirty="0"/>
+              <a:t> </a:t>
+            </a:r>
+            <a:r>
+              <a:rPr lang="en-US" altLang="ko-KR" sz="1400" dirty="0"/>
+              <a:t>#1: </a:t>
+            </a:r>
+            <a:r>
+              <a:rPr lang="ko-KR" altLang="en-US" sz="1400" dirty="0"/>
+              <a:t>제목</a:t>
+            </a:r>
+            <a:r>
+              <a:rPr lang="en-US" altLang="ko-KR" sz="1400" dirty="0"/>
+              <a:t>, </a:t>
+            </a:r>
+            <a:r>
+              <a:rPr lang="ko-KR" altLang="en-US" sz="1400" dirty="0"/>
+              <a:t>학번</a:t>
+            </a:r>
+            <a:r>
+              <a:rPr lang="en-US" altLang="ko-KR" sz="1400" dirty="0"/>
+              <a:t>, </a:t>
+            </a:r>
+            <a:r>
+              <a:rPr lang="ko-KR" altLang="en-US" sz="1400" dirty="0"/>
+              <a:t>이름</a:t>
+            </a:r>
+            <a:endParaRPr lang="en-US" altLang="ko-KR" sz="1400" dirty="0"/>
+          </a:p>
+          <a:p>
+            <a:pPr lvl="1"/>
+            <a:r>
+              <a:rPr lang="en-US" altLang="ko-KR" sz="1400" dirty="0"/>
+              <a:t>Page</a:t>
+            </a:r>
+            <a:r>
+              <a:rPr lang="ko-KR" altLang="en-US" sz="1400" dirty="0"/>
+              <a:t> </a:t>
+            </a:r>
+            <a:r>
+              <a:rPr lang="en-US" altLang="ko-KR" sz="1400" dirty="0"/>
+              <a:t>#2~#6: </a:t>
+            </a:r>
+            <a:r>
+              <a:rPr lang="ko-KR" altLang="en-US" sz="1400" dirty="0"/>
+              <a:t>아래 캡처 화면 하나씩</a:t>
+            </a:r>
+            <a:endParaRPr lang="en-US" altLang="ko-KR" sz="1400" dirty="0"/>
+          </a:p>
+          <a:p>
+            <a:r>
+              <a:rPr lang="en-US" altLang="ko-KR" sz="1600" dirty="0"/>
+              <a:t>GitHub Desktop, GitHub repository </a:t>
+            </a:r>
+            <a:r>
+              <a:rPr lang="ko-KR" altLang="en-US" sz="1600" dirty="0"/>
+              <a:t>생성 </a:t>
+            </a:r>
+            <a:r>
+              <a:rPr lang="en-US" altLang="ko-KR" sz="1600" dirty="0"/>
+              <a:t>(page #2,3)</a:t>
+            </a:r>
+          </a:p>
+          <a:p>
+            <a:pPr lvl="1"/>
+            <a:r>
+              <a:rPr lang="ko-KR" altLang="en-US" sz="1400" dirty="0"/>
+              <a:t>양쪽의 </a:t>
+            </a:r>
+            <a:r>
+              <a:rPr lang="en-US" altLang="ko-KR" sz="1400" dirty="0"/>
+              <a:t>repository </a:t>
+            </a:r>
+            <a:r>
+              <a:rPr lang="ko-KR" altLang="en-US" sz="1400" dirty="0"/>
+              <a:t>생성 확인</a:t>
+            </a:r>
+            <a:endParaRPr lang="en-US" altLang="ko-KR" sz="1400" dirty="0"/>
+          </a:p>
+          <a:p>
+            <a:r>
+              <a:rPr lang="ko-KR" altLang="en-US" sz="1600" dirty="0"/>
+              <a:t>추가 </a:t>
+            </a:r>
+            <a:r>
+              <a:rPr lang="en-US" altLang="ko-KR" sz="1600" dirty="0"/>
+              <a:t>Branch</a:t>
+            </a:r>
+            <a:r>
+              <a:rPr lang="ko-KR" altLang="en-US" sz="1600" dirty="0"/>
+              <a:t> 생성 및 양쪽의 내용 변경</a:t>
+            </a:r>
+            <a:r>
+              <a:rPr lang="en-US" altLang="ko-KR" sz="1600" dirty="0"/>
+              <a:t>, </a:t>
+            </a:r>
+            <a:r>
+              <a:rPr lang="en-US" altLang="ko-KR" sz="1600" dirty="0" err="1"/>
+              <a:t>GitBash</a:t>
+            </a:r>
+            <a:r>
+              <a:rPr lang="en-US" altLang="ko-KR" sz="1600" dirty="0"/>
+              <a:t> </a:t>
+            </a:r>
+            <a:r>
+              <a:rPr lang="ko-KR" altLang="en-US" sz="1600" dirty="0"/>
+              <a:t>확인 </a:t>
+            </a:r>
+            <a:r>
+              <a:rPr lang="en-US" altLang="ko-KR" sz="1600" dirty="0"/>
+              <a:t>(page #4)</a:t>
+            </a:r>
+          </a:p>
+          <a:p>
+            <a:r>
+              <a:rPr lang="en-US" altLang="ko-KR" sz="1600" dirty="0"/>
+              <a:t>GitHub Desktop </a:t>
+            </a:r>
+            <a:r>
+              <a:rPr lang="ko-KR" altLang="en-US" sz="1600" dirty="0"/>
+              <a:t>에서 양쪽의 변경 내용 확인 </a:t>
+            </a:r>
+            <a:r>
+              <a:rPr lang="en-US" altLang="ko-KR" sz="1600" dirty="0"/>
+              <a:t>(page #5)</a:t>
+            </a:r>
+          </a:p>
+          <a:p>
+            <a:r>
+              <a:rPr lang="en-US" altLang="ko-KR" sz="1600" dirty="0"/>
+              <a:t>GitHub </a:t>
+            </a:r>
+            <a:r>
+              <a:rPr lang="ko-KR" altLang="en-US" sz="1600" dirty="0"/>
+              <a:t>에서 확인 </a:t>
+            </a:r>
+            <a:r>
+              <a:rPr lang="en-US" altLang="ko-KR" sz="1600" dirty="0"/>
+              <a:t>(page #6)</a:t>
+            </a:r>
+          </a:p>
+          <a:p>
+            <a:r>
+              <a:rPr lang="en-US" altLang="ko-KR" sz="1600" dirty="0">
+                <a:solidFill>
+                  <a:srgbClr val="FF0000"/>
+                </a:solidFill>
+              </a:rPr>
+              <a:t>“Git </a:t>
+            </a:r>
+            <a:r>
+              <a:rPr lang="ko-KR" altLang="en-US" sz="1600" dirty="0">
+                <a:solidFill>
+                  <a:srgbClr val="FF0000"/>
+                </a:solidFill>
+              </a:rPr>
+              <a:t>중급</a:t>
+            </a:r>
+            <a:r>
+              <a:rPr lang="en-US" altLang="ko-KR" sz="1600" dirty="0">
+                <a:solidFill>
+                  <a:srgbClr val="FF0000"/>
+                </a:solidFill>
+              </a:rPr>
+              <a:t>2” </a:t>
+            </a:r>
+            <a:r>
+              <a:rPr lang="ko-KR" altLang="en-US" sz="1600" dirty="0">
+                <a:solidFill>
+                  <a:srgbClr val="FF0000"/>
+                </a:solidFill>
+              </a:rPr>
+              <a:t>슬라이드에서 이어서 내용 확인</a:t>
+            </a:r>
+            <a:endParaRPr lang="en-US" altLang="ko-KR" sz="1600" dirty="0">
+              <a:solidFill>
+                <a:srgbClr val="FF0000"/>
+              </a:solidFill>
+            </a:endParaRPr>
+          </a:p>
+          <a:p>
+            <a:r>
+              <a:rPr lang="ko-KR" altLang="en-US" sz="1600" dirty="0"/>
+              <a:t>기한</a:t>
+            </a:r>
+            <a:r>
+              <a:rPr lang="en-US" altLang="ko-KR" sz="1600" dirty="0"/>
+              <a:t>: 10/12 (</a:t>
+            </a:r>
+            <a:r>
+              <a:rPr lang="ko-KR" altLang="en-US" sz="1600" dirty="0"/>
+              <a:t>월</a:t>
+            </a:r>
+            <a:r>
+              <a:rPr lang="en-US" altLang="ko-KR" sz="1600" dirty="0"/>
+              <a:t>)</a:t>
+            </a:r>
+            <a:r>
+              <a:rPr lang="ko-KR" altLang="en-US" sz="1600" dirty="0"/>
+              <a:t> </a:t>
+            </a:r>
+            <a:r>
+              <a:rPr lang="en-US" altLang="ko-KR" sz="1600" dirty="0"/>
+              <a:t>23:59</a:t>
+            </a:r>
+          </a:p>
+          <a:p>
+            <a:pPr lvl="1"/>
+            <a:r>
+              <a:rPr lang="ko-KR" altLang="en-US" sz="1400" dirty="0"/>
+              <a:t>지각 감점</a:t>
+            </a:r>
+            <a:r>
+              <a:rPr lang="en-US" altLang="ko-KR" sz="1400" dirty="0"/>
+              <a:t>: 5%p / 12H</a:t>
+            </a:r>
+          </a:p>
+          <a:p>
+            <a:pPr lvl="1"/>
+            <a:r>
+              <a:rPr lang="en-US" altLang="ko-KR" sz="1400" dirty="0"/>
+              <a:t>1</a:t>
+            </a:r>
+            <a:r>
+              <a:rPr lang="ko-KR" altLang="en-US" sz="1400" dirty="0"/>
+              <a:t>주 이후 제출 차단</a:t>
+            </a:r>
+            <a:endParaRPr lang="en-US" altLang="ko-KR" sz="1400" dirty="0"/>
+          </a:p>
+          <a:p>
+            <a:endParaRPr lang="ko-KR" altLang="en-US" sz="1600" dirty="0"/>
+          </a:p>
+        </p:txBody>
+      </p:sp>
+      <p:sp>
+        <p:nvSpPr>
+          <p:cNvPr id="4" name="슬라이드 번호 개체 틀 3">
+            <a:extLst>
+              <a:ext uri="{FF2B5EF4-FFF2-40B4-BE49-F238E27FC236}">
+                <a16:creationId xmlns:a16="http://schemas.microsoft.com/office/drawing/2014/main" id="{77DDB07E-1E97-443E-8AA0-A95F399E88D2}"/>
+              </a:ext>
+            </a:extLst>
+          </p:cNvPr>
+          <p:cNvSpPr>
+            <a:spLocks noGrp="1"/>
+          </p:cNvSpPr>
+          <p:nvPr>
+            <p:ph type="sldNum" sz="quarter" idx="12"/>
+          </p:nvPr>
+        </p:nvSpPr>
+        <p:spPr/>
+        <p:txBody>
+          <a:bodyPr/>
+          <a:lstStyle/>
+          <a:p>
+            <a:fld id="{64F0D409-D3F6-4EEC-8C77-1F5E89989FFB}" type="slidenum">
+              <a:rPr lang="ko-KR" altLang="en-US" smtClean="0"/>
+              <a:pPr/>
+              <a:t>3</a:t>
+            </a:fld>
+            <a:endParaRPr lang="ko-KR" altLang="en-US"/>
+          </a:p>
+        </p:txBody>
+      </p:sp>
+    </p:spTree>
+    <p:extLst>
+      <p:ext uri="{BB962C8B-B14F-4D97-AF65-F5344CB8AC3E}">
+        <p14:creationId xmlns:p14="http://schemas.microsoft.com/office/powerpoint/2010/main" val="74958769"/>
+      </p:ext>
+    </p:extLst>
+  </p:cSld>
+  <p:clrMapOvr>
+    <a:masterClrMapping/>
+  </p:clrMapOvr>
+</p:sld>
+</file>
+
+<file path=ppt/slides/slide30.xml><?xml version="1.0" encoding="utf-8"?>
 <p:sld xmlns:a="http://schemas.openxmlformats.org/drawingml/2006/main" xmlns:r="http://schemas.openxmlformats.org/officeDocument/2006/relationships" xmlns:p="http://schemas.openxmlformats.org/presentationml/2006/main">
   <p:cSld>
     <p:spTree>
@@ -8470,9 +9176,49 @@
           <a:p>
             <a:fld id="{64F0D409-D3F6-4EEC-8C77-1F5E89989FFB}" type="slidenum">
               <a:rPr lang="ko-KR" altLang="en-US" smtClean="0"/>
-              <a:t>29</a:t>
+              <a:t>30</a:t>
             </a:fld>
             <a:endParaRPr lang="ko-KR" altLang="en-US"/>
+          </a:p>
+        </p:txBody>
+      </p:sp>
+      <p:sp>
+        <p:nvSpPr>
+          <p:cNvPr id="3" name="직사각형 2">
+            <a:extLst>
+              <a:ext uri="{FF2B5EF4-FFF2-40B4-BE49-F238E27FC236}">
+                <a16:creationId xmlns:a16="http://schemas.microsoft.com/office/drawing/2014/main" id="{6DB88D17-5D8D-4CEF-9352-17EBFFA98C74}"/>
+              </a:ext>
+            </a:extLst>
+          </p:cNvPr>
+          <p:cNvSpPr/>
+          <p:nvPr/>
+        </p:nvSpPr>
+        <p:spPr>
+          <a:xfrm>
+            <a:off x="8230352" y="592232"/>
+            <a:ext cx="913648" cy="338554"/>
+          </a:xfrm>
+          <a:prstGeom prst="rect">
+            <a:avLst/>
+          </a:prstGeom>
+        </p:spPr>
+        <p:txBody>
+          <a:bodyPr wrap="none">
+            <a:spAutoFit/>
+          </a:bodyPr>
+          <a:lstStyle/>
+          <a:p>
+            <a:pPr algn="ctr"/>
+            <a:r>
+              <a:rPr lang="en-US" altLang="ko-KR" sz="1600" dirty="0">
+                <a:solidFill>
+                  <a:srgbClr val="FF0000"/>
+                </a:solidFill>
+              </a:rPr>
+              <a:t>Capture!</a:t>
+            </a:r>
+            <a:endParaRPr lang="en-US" altLang="ko-KR" sz="1600" dirty="0"/>
           </a:p>
         </p:txBody>
       </p:sp>
@@ -8489,251 +9235,7 @@
 </p:sld>
 </file>
 
-<file path=ppt/slides/slide3.xml><?xml version="1.0" encoding="utf-8"?>
-<p:sld xmlns:a="http://schemas.openxmlformats.org/drawingml/2006/main" xmlns:r="http://schemas.openxmlformats.org/officeDocument/2006/relationships" xmlns:p="http://schemas.openxmlformats.org/presentationml/2006/main">
-  <p:cSld>
-    <p:spTree>
-      <p:nvGrpSpPr>
-        <p:cNvPr id="1" name=""/>
-        <p:cNvGrpSpPr/>
-        <p:nvPr/>
-      </p:nvGrpSpPr>
-      <p:grpSpPr>
-        <a:xfrm>
-          <a:off x="0" y="0"/>
-          <a:ext cx="0" cy="0"/>
-          <a:chOff x="0" y="0"/>
-          <a:chExt cx="0" cy="0"/>
-        </a:xfrm>
-      </p:grpSpPr>
-      <p:sp>
-        <p:nvSpPr>
-          <p:cNvPr id="2" name="제목 1"/>
-          <p:cNvSpPr>
-            <a:spLocks noGrp="1"/>
-          </p:cNvSpPr>
-          <p:nvPr>
-            <p:ph type="title"/>
-          </p:nvPr>
-        </p:nvSpPr>
-        <p:spPr/>
-        <p:txBody>
-          <a:bodyPr/>
-          <a:lstStyle/>
-          <a:p>
-            <a:r>
-              <a:rPr lang="ko-KR" altLang="en-US" dirty="0"/>
-              <a:t>참고 자료</a:t>
-            </a:r>
-          </a:p>
-        </p:txBody>
-      </p:sp>
-      <p:sp>
-        <p:nvSpPr>
-          <p:cNvPr id="3" name="내용 개체 틀 2"/>
-          <p:cNvSpPr>
-            <a:spLocks noGrp="1"/>
-          </p:cNvSpPr>
-          <p:nvPr>
-            <p:ph idx="1"/>
-          </p:nvPr>
-        </p:nvSpPr>
-        <p:spPr/>
-        <p:txBody>
-          <a:bodyPr/>
-          <a:lstStyle/>
-          <a:p>
-            <a:r>
-              <a:rPr lang="ko-KR" altLang="en-US" dirty="0"/>
-              <a:t>장병진</a:t>
-            </a:r>
-            <a:r>
-              <a:rPr lang="en-US" altLang="ko-KR" dirty="0"/>
-              <a:t>, “</a:t>
-            </a:r>
-            <a:r>
-              <a:rPr lang="ko-KR" altLang="en-US" dirty="0" err="1"/>
-              <a:t>오픈소스</a:t>
-            </a:r>
-            <a:r>
-              <a:rPr lang="ko-KR" altLang="en-US" dirty="0"/>
-              <a:t> 개발을 위한 </a:t>
-            </a:r>
-            <a:r>
-              <a:rPr lang="en-US" altLang="ko-KR" dirty="0"/>
-              <a:t>GIT </a:t>
-            </a:r>
-            <a:r>
-              <a:rPr lang="ko-KR" altLang="en-US" dirty="0"/>
-              <a:t>사용법 실습</a:t>
-            </a:r>
-            <a:r>
-              <a:rPr lang="en-US" altLang="ko-KR" dirty="0"/>
-              <a:t>”</a:t>
-            </a:r>
-          </a:p>
-          <a:p>
-            <a:r>
-              <a:rPr lang="ko-KR" altLang="en-US" dirty="0"/>
-              <a:t>조성수</a:t>
-            </a:r>
-            <a:r>
-              <a:rPr lang="en-US" altLang="ko-KR" dirty="0"/>
-              <a:t>, “GitHub</a:t>
-            </a:r>
-            <a:r>
-              <a:rPr lang="ko-KR" altLang="en-US" dirty="0"/>
-              <a:t>으로 학교 </a:t>
-            </a:r>
-            <a:r>
-              <a:rPr lang="ko-KR" altLang="en-US" dirty="0" err="1"/>
-              <a:t>팀프로젝트</a:t>
-            </a:r>
-            <a:r>
-              <a:rPr lang="ko-KR" altLang="en-US" dirty="0"/>
-              <a:t> 하기</a:t>
-            </a:r>
-            <a:r>
-              <a:rPr lang="en-US" altLang="ko-KR" dirty="0"/>
-              <a:t>”</a:t>
-            </a:r>
-          </a:p>
-          <a:p>
-            <a:r>
-              <a:rPr lang="ko-KR" altLang="en-US" dirty="0"/>
-              <a:t>신승엽</a:t>
-            </a:r>
-            <a:r>
-              <a:rPr lang="en-US" altLang="ko-KR" dirty="0"/>
-              <a:t>, “GitHub </a:t>
-            </a:r>
-            <a:r>
-              <a:rPr lang="ko-KR" altLang="en-US" dirty="0"/>
-              <a:t>실습</a:t>
-            </a:r>
-            <a:r>
-              <a:rPr lang="en-US" altLang="ko-KR" dirty="0"/>
-              <a:t>”</a:t>
-            </a:r>
-          </a:p>
-          <a:p>
-            <a:endParaRPr lang="en-US" altLang="ko-KR" dirty="0"/>
-          </a:p>
-          <a:p>
-            <a:r>
-              <a:rPr lang="en-US" altLang="ko-KR" dirty="0" err="1"/>
-              <a:t>Git</a:t>
-            </a:r>
-            <a:r>
-              <a:rPr lang="en-US" altLang="ko-KR" dirty="0"/>
-              <a:t> </a:t>
-            </a:r>
-            <a:r>
-              <a:rPr lang="ko-KR" altLang="en-US" dirty="0"/>
-              <a:t>홈페이지 </a:t>
-            </a:r>
-            <a:r>
-              <a:rPr lang="en-US" altLang="ko-KR" dirty="0"/>
-              <a:t>Documentation</a:t>
-            </a:r>
-          </a:p>
-          <a:p>
-            <a:pPr lvl="1"/>
-            <a:r>
-              <a:rPr lang="en-US" altLang="ko-KR" dirty="0">
-                <a:hlinkClick r:id="rId2"/>
-              </a:rPr>
-              <a:t>https://git-scm.com/book/ko/v2</a:t>
-            </a:r>
-            <a:endParaRPr lang="en-US" altLang="ko-KR" dirty="0"/>
-          </a:p>
-          <a:p>
-            <a:r>
-              <a:rPr lang="ko-KR" altLang="en-US" dirty="0"/>
-              <a:t>누구나 쉽게 이해하는 </a:t>
-            </a:r>
-            <a:r>
-              <a:rPr lang="en-US" altLang="ko-KR" dirty="0" err="1"/>
-              <a:t>Git</a:t>
-            </a:r>
-            <a:r>
-              <a:rPr lang="en-US" altLang="ko-KR" dirty="0"/>
-              <a:t> </a:t>
-            </a:r>
-            <a:r>
-              <a:rPr lang="ko-KR" altLang="en-US" dirty="0"/>
-              <a:t>입문</a:t>
-            </a:r>
-            <a:endParaRPr lang="en-US" altLang="ko-KR" dirty="0"/>
-          </a:p>
-          <a:p>
-            <a:pPr lvl="1"/>
-            <a:r>
-              <a:rPr lang="en-US" altLang="ko-KR" dirty="0">
-                <a:hlinkClick r:id="rId3"/>
-              </a:rPr>
-              <a:t>https://backlogtool.com/git-guide/kr/</a:t>
-            </a:r>
-            <a:endParaRPr lang="en-US" altLang="ko-KR" dirty="0"/>
-          </a:p>
-          <a:p>
-            <a:pPr lvl="1"/>
-            <a:r>
-              <a:rPr lang="en-US" altLang="ko-KR" dirty="0"/>
-              <a:t>(</a:t>
-            </a:r>
-            <a:r>
-              <a:rPr lang="ko-KR" altLang="en-US" dirty="0"/>
-              <a:t>꼭 살펴볼 것</a:t>
-            </a:r>
-            <a:r>
-              <a:rPr lang="en-US" altLang="ko-KR" dirty="0"/>
-              <a:t>)</a:t>
-            </a:r>
-          </a:p>
-          <a:p>
-            <a:pPr lvl="1"/>
-            <a:endParaRPr lang="ko-KR" altLang="en-US" dirty="0"/>
-          </a:p>
-        </p:txBody>
-      </p:sp>
-      <p:sp>
-        <p:nvSpPr>
-          <p:cNvPr id="4" name="슬라이드 번호 개체 틀 3"/>
-          <p:cNvSpPr>
-            <a:spLocks noGrp="1"/>
-          </p:cNvSpPr>
-          <p:nvPr>
-            <p:ph type="sldNum" sz="quarter" idx="12"/>
-          </p:nvPr>
-        </p:nvSpPr>
-        <p:spPr/>
-        <p:txBody>
-          <a:bodyPr/>
-          <a:lstStyle/>
-          <a:p>
-            <a:fld id="{64F0D409-D3F6-4EEC-8C77-1F5E89989FFB}" type="slidenum">
-              <a:rPr lang="ko-KR" altLang="en-US" smtClean="0"/>
-              <a:t>3</a:t>
-            </a:fld>
-            <a:endParaRPr lang="ko-KR" altLang="en-US"/>
-          </a:p>
-        </p:txBody>
-      </p:sp>
-    </p:spTree>
-    <p:extLst>
-      <p:ext uri="{BB962C8B-B14F-4D97-AF65-F5344CB8AC3E}">
-        <p14:creationId xmlns:p14="http://schemas.microsoft.com/office/powerpoint/2010/main" val="2606946311"/>
-      </p:ext>
-    </p:extLst>
-  </p:cSld>
-  <p:clrMapOvr>
-    <a:masterClrMapping/>
-  </p:clrMapOvr>
-</p:sld>
-</file>
-
-<file path=ppt/slides/slide30.xml><?xml version="1.0" encoding="utf-8"?>
+<file path=ppt/slides/slide31.xml><?xml version="1.0" encoding="utf-8"?>
 <p:sld xmlns:a="http://schemas.openxmlformats.org/drawingml/2006/main" xmlns:r="http://schemas.openxmlformats.org/officeDocument/2006/relationships" xmlns:p="http://schemas.openxmlformats.org/presentationml/2006/main">
   <p:cSld>
     <p:spTree>
@@ -8923,7 +9425,7 @@
           <a:p>
             <a:fld id="{64F0D409-D3F6-4EEC-8C77-1F5E89989FFB}" type="slidenum">
               <a:rPr lang="ko-KR" altLang="en-US" smtClean="0"/>
-              <a:t>30</a:t>
+              <a:t>31</a:t>
             </a:fld>
             <a:endParaRPr lang="ko-KR" altLang="en-US"/>
           </a:p>
@@ -8959,6 +9461,46 @@
           </a:prstGeom>
         </p:spPr>
       </p:pic>
+      <p:sp>
+        <p:nvSpPr>
+          <p:cNvPr id="5" name="직사각형 4">
+            <a:extLst>
+              <a:ext uri="{FF2B5EF4-FFF2-40B4-BE49-F238E27FC236}">
+                <a16:creationId xmlns:a16="http://schemas.microsoft.com/office/drawing/2014/main" id="{6623222F-0490-4577-815D-5A181FDE49ED}"/>
+              </a:ext>
+            </a:extLst>
+          </p:cNvPr>
+          <p:cNvSpPr/>
+          <p:nvPr/>
+        </p:nvSpPr>
+        <p:spPr>
+          <a:xfrm>
+            <a:off x="8230352" y="592232"/>
+            <a:ext cx="913648" cy="338554"/>
+          </a:xfrm>
+          <a:prstGeom prst="rect">
+            <a:avLst/>
+          </a:prstGeom>
+        </p:spPr>
+        <p:txBody>
+          <a:bodyPr wrap="none">
+            <a:spAutoFit/>
+          </a:bodyPr>
+          <a:lstStyle/>
+          <a:p>
+            <a:pPr algn="ctr"/>
+            <a:r>
+              <a:rPr lang="en-US" altLang="ko-KR" sz="1600" dirty="0">
+                <a:solidFill>
+                  <a:srgbClr val="FF0000"/>
+                </a:solidFill>
+              </a:rPr>
+              <a:t>Capture!</a:t>
+            </a:r>
+            <a:endParaRPr lang="en-US" altLang="ko-KR" sz="1600" dirty="0"/>
+          </a:p>
+        </p:txBody>
+      </p:sp>
     </p:spTree>
     <p:extLst>
       <p:ext uri="{BB962C8B-B14F-4D97-AF65-F5344CB8AC3E}">
@@ -8972,7 +9514,7 @@
 </p:sld>
 </file>
 
-<file path=ppt/slides/slide31.xml><?xml version="1.0" encoding="utf-8"?>
+<file path=ppt/slides/slide32.xml><?xml version="1.0" encoding="utf-8"?>
 <p:sld xmlns:a="http://schemas.openxmlformats.org/drawingml/2006/main" xmlns:r="http://schemas.openxmlformats.org/officeDocument/2006/relationships" xmlns:p="http://schemas.openxmlformats.org/presentationml/2006/main">
   <p:cSld>
     <p:spTree>
@@ -9122,7 +9664,7 @@
           <a:p>
             <a:fld id="{64F0D409-D3F6-4EEC-8C77-1F5E89989FFB}" type="slidenum">
               <a:rPr lang="ko-KR" altLang="en-US" smtClean="0"/>
-              <a:t>31</a:t>
+              <a:t>32</a:t>
             </a:fld>
             <a:endParaRPr lang="ko-KR" altLang="en-US"/>
           </a:p>
@@ -9170,7 +9712,7 @@
 </p:sld>
 </file>
 
-<file path=ppt/slides/slide32.xml><?xml version="1.0" encoding="utf-8"?>
+<file path=ppt/slides/slide33.xml><?xml version="1.0" encoding="utf-8"?>
 <p:sld xmlns:a="http://schemas.openxmlformats.org/drawingml/2006/main" xmlns:r="http://schemas.openxmlformats.org/officeDocument/2006/relationships" xmlns:p="http://schemas.openxmlformats.org/presentationml/2006/main">
   <p:cSld>
     <p:spTree>
@@ -9258,7 +9800,7 @@
           <a:p>
             <a:fld id="{64F0D409-D3F6-4EEC-8C77-1F5E89989FFB}" type="slidenum">
               <a:rPr lang="ko-KR" altLang="en-US" smtClean="0"/>
-              <a:t>32</a:t>
+              <a:t>33</a:t>
             </a:fld>
             <a:endParaRPr lang="ko-KR" altLang="en-US"/>
           </a:p>
@@ -9430,288 +9972,50 @@
           </a:p>
         </p:txBody>
       </p:sp>
+      <p:sp>
+        <p:nvSpPr>
+          <p:cNvPr id="3" name="직사각형 2">
+            <a:extLst>
+              <a:ext uri="{FF2B5EF4-FFF2-40B4-BE49-F238E27FC236}">
+                <a16:creationId xmlns:a16="http://schemas.microsoft.com/office/drawing/2014/main" id="{5AAEA693-BA89-4AED-8DD7-6AC3EC566EC3}"/>
+              </a:ext>
+            </a:extLst>
+          </p:cNvPr>
+          <p:cNvSpPr/>
+          <p:nvPr/>
+        </p:nvSpPr>
+        <p:spPr>
+          <a:xfrm>
+            <a:off x="8230352" y="592232"/>
+            <a:ext cx="913648" cy="338554"/>
+          </a:xfrm>
+          <a:prstGeom prst="rect">
+            <a:avLst/>
+          </a:prstGeom>
+        </p:spPr>
+        <p:txBody>
+          <a:bodyPr wrap="none">
+            <a:spAutoFit/>
+          </a:bodyPr>
+          <a:lstStyle/>
+          <a:p>
+            <a:pPr algn="ctr"/>
+            <a:r>
+              <a:rPr lang="en-US" altLang="ko-KR" sz="1600" dirty="0">
+                <a:solidFill>
+                  <a:srgbClr val="FF0000"/>
+                </a:solidFill>
+              </a:rPr>
+              <a:t>Capture!</a:t>
+            </a:r>
+            <a:endParaRPr lang="en-US" altLang="ko-KR" sz="1600" dirty="0"/>
+          </a:p>
+        </p:txBody>
+      </p:sp>
     </p:spTree>
     <p:extLst>
       <p:ext uri="{BB962C8B-B14F-4D97-AF65-F5344CB8AC3E}">
         <p14:creationId xmlns:p14="http://schemas.microsoft.com/office/powerpoint/2010/main" val="3023630774"/>
-      </p:ext>
-    </p:extLst>
-  </p:cSld>
-  <p:clrMapOvr>
-    <a:masterClrMapping/>
-  </p:clrMapOvr>
-</p:sld>
-</file>
-
-<file path=ppt/slides/slide33.xml><?xml version="1.0" encoding="utf-8"?>
-<p:sld xmlns:a="http://schemas.openxmlformats.org/drawingml/2006/main" xmlns:r="http://schemas.openxmlformats.org/officeDocument/2006/relationships" xmlns:p="http://schemas.openxmlformats.org/presentationml/2006/main">
-  <p:cSld>
-    <p:spTree>
-      <p:nvGrpSpPr>
-        <p:cNvPr id="1" name=""/>
-        <p:cNvGrpSpPr/>
-        <p:nvPr/>
-      </p:nvGrpSpPr>
-      <p:grpSpPr>
-        <a:xfrm>
-          <a:off x="0" y="0"/>
-          <a:ext cx="0" cy="0"/>
-          <a:chOff x="0" y="0"/>
-          <a:chExt cx="0" cy="0"/>
-        </a:xfrm>
-      </p:grpSpPr>
-      <p:sp>
-        <p:nvSpPr>
-          <p:cNvPr id="2" name="제목 1"/>
-          <p:cNvSpPr>
-            <a:spLocks noGrp="1"/>
-          </p:cNvSpPr>
-          <p:nvPr>
-            <p:ph type="title"/>
-          </p:nvPr>
-        </p:nvSpPr>
-        <p:spPr/>
-        <p:txBody>
-          <a:bodyPr/>
-          <a:lstStyle/>
-          <a:p>
-            <a:r>
-              <a:rPr lang="en-US" altLang="ko-KR" dirty="0"/>
-              <a:t>Git </a:t>
-            </a:r>
-            <a:r>
-              <a:rPr lang="ko-KR" altLang="en-US" dirty="0"/>
-              <a:t>개인실습 </a:t>
-            </a:r>
-            <a:r>
-              <a:rPr lang="en-US" altLang="ko-KR"/>
-              <a:t>#3</a:t>
-            </a:r>
-            <a:endParaRPr lang="ko-KR" altLang="en-US" dirty="0"/>
-          </a:p>
-        </p:txBody>
-      </p:sp>
-      <p:sp>
-        <p:nvSpPr>
-          <p:cNvPr id="3" name="내용 개체 틀 2"/>
-          <p:cNvSpPr>
-            <a:spLocks noGrp="1"/>
-          </p:cNvSpPr>
-          <p:nvPr>
-            <p:ph idx="1"/>
-          </p:nvPr>
-        </p:nvSpPr>
-        <p:spPr/>
-        <p:txBody>
-          <a:bodyPr/>
-          <a:lstStyle/>
-          <a:p>
-            <a:r>
-              <a:rPr lang="en-US" altLang="ko-KR" sz="2000" dirty="0"/>
-              <a:t>GitHub Desktop, GitHub repository </a:t>
-            </a:r>
-            <a:r>
-              <a:rPr lang="ko-KR" altLang="en-US" sz="2000" dirty="0"/>
-              <a:t>생성</a:t>
-            </a:r>
-            <a:endParaRPr lang="en-US" altLang="ko-KR" sz="2000" dirty="0"/>
-          </a:p>
-          <a:p>
-            <a:pPr lvl="1"/>
-            <a:r>
-              <a:rPr lang="en-US" altLang="ko-KR" sz="1800" dirty="0"/>
-              <a:t>Slide #17, #18 </a:t>
-            </a:r>
-            <a:r>
-              <a:rPr lang="ko-KR" altLang="en-US" sz="1800" dirty="0"/>
-              <a:t>과 유사하게</a:t>
-            </a:r>
-            <a:r>
-              <a:rPr lang="en-US" altLang="ko-KR" sz="1800" dirty="0"/>
-              <a:t>, </a:t>
-            </a:r>
-            <a:r>
-              <a:rPr lang="ko-KR" altLang="en-US" sz="1800" dirty="0"/>
-              <a:t>양쪽의 </a:t>
-            </a:r>
-            <a:r>
-              <a:rPr lang="en-US" altLang="ko-KR" sz="1800" dirty="0"/>
-              <a:t>repository </a:t>
-            </a:r>
-            <a:r>
-              <a:rPr lang="ko-KR" altLang="en-US" sz="1800" dirty="0"/>
-              <a:t>생성 확인</a:t>
-            </a:r>
-            <a:endParaRPr lang="en-US" altLang="ko-KR" sz="1800" dirty="0"/>
-          </a:p>
-          <a:p>
-            <a:pPr lvl="1"/>
-            <a:r>
-              <a:rPr lang="en-US" altLang="ko-KR" sz="1800" dirty="0"/>
-              <a:t>repo.jpg</a:t>
-            </a:r>
-          </a:p>
-          <a:p>
-            <a:r>
-              <a:rPr lang="ko-KR" altLang="en-US" sz="2000" dirty="0"/>
-              <a:t>추가 </a:t>
-            </a:r>
-            <a:r>
-              <a:rPr lang="en-US" altLang="ko-KR" sz="2000" dirty="0"/>
-              <a:t>Branch</a:t>
-            </a:r>
-            <a:r>
-              <a:rPr lang="ko-KR" altLang="en-US" sz="2000" dirty="0"/>
-              <a:t> 생성 및 양쪽의 내용 변경</a:t>
-            </a:r>
-            <a:r>
-              <a:rPr lang="en-US" altLang="ko-KR" sz="2000" dirty="0"/>
-              <a:t>, </a:t>
-            </a:r>
-            <a:r>
-              <a:rPr lang="en-US" altLang="ko-KR" sz="2000" dirty="0" err="1"/>
-              <a:t>GitBash</a:t>
-            </a:r>
-            <a:r>
-              <a:rPr lang="en-US" altLang="ko-KR" sz="2000" dirty="0"/>
-              <a:t> </a:t>
-            </a:r>
-            <a:r>
-              <a:rPr lang="ko-KR" altLang="en-US" sz="2000" dirty="0"/>
-              <a:t>확인</a:t>
-            </a:r>
-            <a:endParaRPr lang="en-US" altLang="ko-KR" sz="2000" dirty="0"/>
-          </a:p>
-          <a:p>
-            <a:pPr lvl="1"/>
-            <a:r>
-              <a:rPr lang="en-US" altLang="ko-KR" sz="1800" dirty="0"/>
-              <a:t>Slide #29 -&gt; branches1.jpg</a:t>
-            </a:r>
-          </a:p>
-          <a:p>
-            <a:r>
-              <a:rPr lang="en-US" altLang="ko-KR" sz="2000" dirty="0"/>
-              <a:t>GitHub Desktop </a:t>
-            </a:r>
-            <a:r>
-              <a:rPr lang="ko-KR" altLang="en-US" sz="2000" dirty="0"/>
-              <a:t>에서 양쪽의 변경 내용 확인</a:t>
-            </a:r>
-            <a:endParaRPr lang="en-US" altLang="ko-KR" sz="2000" dirty="0"/>
-          </a:p>
-          <a:p>
-            <a:pPr lvl="1"/>
-            <a:r>
-              <a:rPr lang="en-US" altLang="ko-KR" sz="1800" dirty="0"/>
-              <a:t>Slide #30 -&gt; branches2.jpg</a:t>
-            </a:r>
-          </a:p>
-          <a:p>
-            <a:r>
-              <a:rPr lang="en-US" altLang="ko-KR" sz="2000" dirty="0"/>
-              <a:t>GitHub </a:t>
-            </a:r>
-            <a:r>
-              <a:rPr lang="ko-KR" altLang="en-US" sz="2000" dirty="0"/>
-              <a:t>에서 확인</a:t>
-            </a:r>
-            <a:endParaRPr lang="en-US" altLang="ko-KR" sz="2000" dirty="0"/>
-          </a:p>
-          <a:p>
-            <a:pPr lvl="1"/>
-            <a:r>
-              <a:rPr lang="en-US" altLang="ko-KR" sz="1800" dirty="0"/>
-              <a:t>Slide #32 -&gt; Github.jpg</a:t>
-            </a:r>
-          </a:p>
-          <a:p>
-            <a:r>
-              <a:rPr lang="ko-KR" altLang="en-US" sz="2000" dirty="0"/>
-              <a:t>제출 기한</a:t>
-            </a:r>
-            <a:r>
-              <a:rPr lang="en-US" altLang="ko-KR" sz="2000" dirty="0"/>
-              <a:t>:</a:t>
-            </a:r>
-          </a:p>
-          <a:p>
-            <a:pPr lvl="1"/>
-            <a:r>
-              <a:rPr lang="en-US" altLang="ko-KR" sz="1800" dirty="0"/>
-              <a:t>10/27 (</a:t>
-            </a:r>
-            <a:r>
-              <a:rPr lang="ko-KR" altLang="en-US" sz="1800" dirty="0"/>
-              <a:t>일</a:t>
-            </a:r>
-            <a:r>
-              <a:rPr lang="en-US" altLang="ko-KR" sz="1800" dirty="0"/>
-              <a:t>) 23:59</a:t>
-            </a:r>
-          </a:p>
-          <a:p>
-            <a:pPr lvl="1"/>
-            <a:r>
-              <a:rPr lang="ko-KR" altLang="en-US" sz="1800" dirty="0"/>
-              <a:t>지각 감점</a:t>
-            </a:r>
-            <a:r>
-              <a:rPr lang="en-US" altLang="ko-KR" sz="1800" dirty="0"/>
-              <a:t>: 5%p / day</a:t>
-            </a:r>
-            <a:r>
-              <a:rPr lang="ko-KR" altLang="en-US" sz="1800" dirty="0"/>
-              <a:t> </a:t>
-            </a:r>
-            <a:r>
-              <a:rPr lang="en-US" altLang="ko-KR" sz="1800" dirty="0"/>
-              <a:t>(3</a:t>
-            </a:r>
-            <a:r>
-              <a:rPr lang="ko-KR" altLang="en-US" sz="1800" dirty="0"/>
-              <a:t>주 내 제출해야 함</a:t>
-            </a:r>
-            <a:r>
-              <a:rPr lang="en-US" altLang="ko-KR" sz="1800" dirty="0"/>
-              <a:t>)</a:t>
-            </a:r>
-          </a:p>
-          <a:p>
-            <a:endParaRPr lang="ko-KR" altLang="en-US" sz="2000" dirty="0"/>
-          </a:p>
-          <a:p>
-            <a:endParaRPr lang="ko-KR" altLang="en-US" sz="2000" dirty="0"/>
-          </a:p>
-        </p:txBody>
-      </p:sp>
-      <p:sp>
-        <p:nvSpPr>
-          <p:cNvPr id="4" name="슬라이드 번호 개체 틀 3"/>
-          <p:cNvSpPr>
-            <a:spLocks noGrp="1"/>
-          </p:cNvSpPr>
-          <p:nvPr>
-            <p:ph type="sldNum" sz="quarter" idx="12"/>
-          </p:nvPr>
-        </p:nvSpPr>
-        <p:spPr/>
-        <p:txBody>
-          <a:bodyPr/>
-          <a:lstStyle/>
-          <a:p>
-            <a:fld id="{64F0D409-D3F6-4EEC-8C77-1F5E89989FFB}" type="slidenum">
-              <a:rPr lang="ko-KR" altLang="en-US" smtClean="0"/>
-              <a:t>33</a:t>
-            </a:fld>
-            <a:endParaRPr lang="ko-KR" altLang="en-US"/>
-          </a:p>
-        </p:txBody>
-      </p:sp>
-    </p:spTree>
-    <p:extLst>
-      <p:ext uri="{BB962C8B-B14F-4D97-AF65-F5344CB8AC3E}">
-        <p14:creationId xmlns:p14="http://schemas.microsoft.com/office/powerpoint/2010/main" val="1514224226"/>
       </p:ext>
     </p:extLst>
   </p:cSld>
@@ -9750,19 +10054,108 @@
         </p:nvSpPr>
         <p:spPr/>
         <p:txBody>
-          <a:bodyPr>
-            <a:normAutofit/>
-          </a:bodyPr>
-          <a:lstStyle/>
-          <a:p>
-            <a:r>
-              <a:rPr lang="en-US" altLang="ko-KR" dirty="0"/>
-              <a:t>GUI</a:t>
-            </a:r>
-            <a:r>
-              <a:rPr lang="ko-KR" altLang="en-US" dirty="0"/>
-              <a:t>로 </a:t>
-            </a:r>
+          <a:bodyPr/>
+          <a:lstStyle/>
+          <a:p>
+            <a:r>
+              <a:rPr lang="ko-KR" altLang="en-US" dirty="0"/>
+              <a:t>참고 자료</a:t>
+            </a:r>
+          </a:p>
+        </p:txBody>
+      </p:sp>
+      <p:sp>
+        <p:nvSpPr>
+          <p:cNvPr id="3" name="내용 개체 틀 2"/>
+          <p:cNvSpPr>
+            <a:spLocks noGrp="1"/>
+          </p:cNvSpPr>
+          <p:nvPr>
+            <p:ph idx="1"/>
+          </p:nvPr>
+        </p:nvSpPr>
+        <p:spPr/>
+        <p:txBody>
+          <a:bodyPr/>
+          <a:lstStyle/>
+          <a:p>
+            <a:r>
+              <a:rPr lang="ko-KR" altLang="en-US" dirty="0"/>
+              <a:t>장병진</a:t>
+            </a:r>
+            <a:r>
+              <a:rPr lang="en-US" altLang="ko-KR" dirty="0"/>
+              <a:t>, “</a:t>
+            </a:r>
+            <a:r>
+              <a:rPr lang="ko-KR" altLang="en-US" dirty="0" err="1"/>
+              <a:t>오픈소스</a:t>
+            </a:r>
+            <a:r>
+              <a:rPr lang="ko-KR" altLang="en-US" dirty="0"/>
+              <a:t> 개발을 위한 </a:t>
+            </a:r>
+            <a:r>
+              <a:rPr lang="en-US" altLang="ko-KR" dirty="0"/>
+              <a:t>GIT </a:t>
+            </a:r>
+            <a:r>
+              <a:rPr lang="ko-KR" altLang="en-US" dirty="0"/>
+              <a:t>사용법 실습</a:t>
+            </a:r>
+            <a:r>
+              <a:rPr lang="en-US" altLang="ko-KR" dirty="0"/>
+              <a:t>”</a:t>
+            </a:r>
+          </a:p>
+          <a:p>
+            <a:r>
+              <a:rPr lang="ko-KR" altLang="en-US" dirty="0"/>
+              <a:t>조성수</a:t>
+            </a:r>
+            <a:r>
+              <a:rPr lang="en-US" altLang="ko-KR" dirty="0"/>
+              <a:t>, “GitHub</a:t>
+            </a:r>
+            <a:r>
+              <a:rPr lang="ko-KR" altLang="en-US" dirty="0"/>
+              <a:t>으로 학교 </a:t>
+            </a:r>
+            <a:r>
+              <a:rPr lang="ko-KR" altLang="en-US" dirty="0" err="1"/>
+              <a:t>팀프로젝트</a:t>
+            </a:r>
+            <a:r>
+              <a:rPr lang="ko-KR" altLang="en-US" dirty="0"/>
+              <a:t> 하기</a:t>
+            </a:r>
+            <a:r>
+              <a:rPr lang="en-US" altLang="ko-KR" dirty="0"/>
+              <a:t>”</a:t>
+            </a:r>
+          </a:p>
+          <a:p>
+            <a:r>
+              <a:rPr lang="ko-KR" altLang="en-US" dirty="0"/>
+              <a:t>신승엽</a:t>
+            </a:r>
+            <a:r>
+              <a:rPr lang="en-US" altLang="ko-KR" dirty="0"/>
+              <a:t>, “GitHub </a:t>
+            </a:r>
+            <a:r>
+              <a:rPr lang="ko-KR" altLang="en-US" dirty="0"/>
+              <a:t>실습</a:t>
+            </a:r>
+            <a:r>
+              <a:rPr lang="en-US" altLang="ko-KR" dirty="0"/>
+              <a:t>”</a:t>
+            </a:r>
+          </a:p>
+          <a:p>
+            <a:endParaRPr lang="en-US" altLang="ko-KR" dirty="0"/>
+          </a:p>
+          <a:p>
             <a:r>
               <a:rPr lang="en-US" altLang="ko-KR" dirty="0" err="1"/>
               <a:t>Git</a:t>
@@ -9773,40 +10166,69 @@
             </a:r>
             <a:r>
               <a:rPr lang="ko-KR" altLang="en-US" dirty="0"/>
-              <a:t>관리</a:t>
-            </a:r>
-            <a:r>
-              <a:rPr lang="en-US" altLang="ko-KR" dirty="0"/>
-              <a:t>: </a:t>
-            </a:r>
-            <a:br>
-              <a:rPr lang="en-US" altLang="ko-KR" dirty="0"/>
-            </a:br>
-            <a:br>
-              <a:rPr lang="en-US" altLang="ko-KR" dirty="0"/>
-            </a:br>
-            <a:r>
-              <a:rPr lang="en-US" altLang="ko-KR" dirty="0"/>
-              <a:t>GitHub Desktop</a:t>
-            </a:r>
-          </a:p>
-        </p:txBody>
-      </p:sp>
-      <p:sp>
-        <p:nvSpPr>
-          <p:cNvPr id="3" name="텍스트 개체 틀 2"/>
-          <p:cNvSpPr>
-            <a:spLocks noGrp="1"/>
-          </p:cNvSpPr>
-          <p:nvPr>
-            <p:ph type="body" idx="1"/>
-          </p:nvPr>
-        </p:nvSpPr>
-        <p:spPr/>
-        <p:txBody>
-          <a:bodyPr/>
-          <a:lstStyle/>
-          <a:p>
+              <a:t>홈페이지 </a:t>
+            </a:r>
+            <a:r>
+              <a:rPr lang="en-US" altLang="ko-KR" dirty="0"/>
+              <a:t>Documentation</a:t>
+            </a:r>
+          </a:p>
+          <a:p>
+            <a:pPr lvl="1"/>
+            <a:r>
+              <a:rPr lang="en-US" altLang="ko-KR" dirty="0">
+                <a:hlinkClick r:id="rId2"/>
+              </a:rPr>
+              <a:t>https://git-scm.com/book/ko/v2</a:t>
+            </a:r>
+            <a:endParaRPr lang="en-US" altLang="ko-KR" dirty="0"/>
+          </a:p>
+          <a:p>
+            <a:r>
+              <a:rPr lang="ko-KR" altLang="en-US" dirty="0"/>
+              <a:t>누구나 쉽게 이해하는 </a:t>
+            </a:r>
+            <a:r>
+              <a:rPr lang="en-US" altLang="ko-KR" dirty="0" err="1"/>
+              <a:t>Git</a:t>
+            </a:r>
+            <a:r>
+              <a:rPr lang="en-US" altLang="ko-KR" dirty="0"/>
+              <a:t> </a:t>
+            </a:r>
+            <a:r>
+              <a:rPr lang="ko-KR" altLang="en-US" dirty="0"/>
+              <a:t>입문</a:t>
+            </a:r>
+            <a:endParaRPr lang="en-US" altLang="ko-KR" dirty="0"/>
+          </a:p>
+          <a:p>
+            <a:pPr lvl="1"/>
+            <a:r>
+              <a:rPr lang="en-US" altLang="ko-KR" dirty="0">
+                <a:hlinkClick r:id="rId3"/>
+              </a:rPr>
+              <a:t>https://backlogtool.com/git-guide/kr/</a:t>
+            </a:r>
+            <a:endParaRPr lang="en-US" altLang="ko-KR" dirty="0"/>
+          </a:p>
+          <a:p>
+            <a:pPr lvl="1"/>
+            <a:r>
+              <a:rPr lang="en-US" altLang="ko-KR" dirty="0"/>
+              <a:t>(</a:t>
+            </a:r>
+            <a:r>
+              <a:rPr lang="ko-KR" altLang="en-US" dirty="0"/>
+              <a:t>꼭 살펴볼 것</a:t>
+            </a:r>
+            <a:r>
+              <a:rPr lang="en-US" altLang="ko-KR" dirty="0"/>
+              <a:t>)</a:t>
+            </a:r>
+          </a:p>
+          <a:p>
+            <a:pPr lvl="1"/>
             <a:endParaRPr lang="ko-KR" altLang="en-US" dirty="0"/>
           </a:p>
         </p:txBody>
@@ -9837,7 +10259,7 @@
     </p:spTree>
     <p:extLst>
       <p:ext uri="{BB962C8B-B14F-4D97-AF65-F5344CB8AC3E}">
-        <p14:creationId xmlns:p14="http://schemas.microsoft.com/office/powerpoint/2010/main" val="2860232389"/>
+        <p14:creationId xmlns:p14="http://schemas.microsoft.com/office/powerpoint/2010/main" val="2606946311"/>
       </p:ext>
     </p:extLst>
   </p:cSld>
@@ -9866,6 +10288,132 @@
       </p:grpSpPr>
       <p:sp>
         <p:nvSpPr>
+          <p:cNvPr id="2" name="제목 1"/>
+          <p:cNvSpPr>
+            <a:spLocks noGrp="1"/>
+          </p:cNvSpPr>
+          <p:nvPr>
+            <p:ph type="title"/>
+          </p:nvPr>
+        </p:nvSpPr>
+        <p:spPr/>
+        <p:txBody>
+          <a:bodyPr>
+            <a:normAutofit/>
+          </a:bodyPr>
+          <a:lstStyle/>
+          <a:p>
+            <a:r>
+              <a:rPr lang="en-US" altLang="ko-KR" dirty="0"/>
+              <a:t>GUI</a:t>
+            </a:r>
+            <a:r>
+              <a:rPr lang="ko-KR" altLang="en-US" dirty="0"/>
+              <a:t>로 </a:t>
+            </a:r>
+            <a:r>
+              <a:rPr lang="en-US" altLang="ko-KR" dirty="0" err="1"/>
+              <a:t>Git</a:t>
+            </a:r>
+            <a:r>
+              <a:rPr lang="en-US" altLang="ko-KR" dirty="0"/>
+              <a:t> </a:t>
+            </a:r>
+            <a:r>
+              <a:rPr lang="ko-KR" altLang="en-US" dirty="0"/>
+              <a:t>관리</a:t>
+            </a:r>
+            <a:r>
+              <a:rPr lang="en-US" altLang="ko-KR" dirty="0"/>
+              <a:t>: </a:t>
+            </a:r>
+            <a:br>
+              <a:rPr lang="en-US" altLang="ko-KR" dirty="0"/>
+            </a:br>
+            <a:br>
+              <a:rPr lang="en-US" altLang="ko-KR" dirty="0"/>
+            </a:br>
+            <a:r>
+              <a:rPr lang="en-US" altLang="ko-KR" dirty="0"/>
+              <a:t>GitHub Desktop</a:t>
+            </a:r>
+          </a:p>
+        </p:txBody>
+      </p:sp>
+      <p:sp>
+        <p:nvSpPr>
+          <p:cNvPr id="3" name="텍스트 개체 틀 2"/>
+          <p:cNvSpPr>
+            <a:spLocks noGrp="1"/>
+          </p:cNvSpPr>
+          <p:nvPr>
+            <p:ph type="body" idx="1"/>
+          </p:nvPr>
+        </p:nvSpPr>
+        <p:spPr/>
+        <p:txBody>
+          <a:bodyPr/>
+          <a:lstStyle/>
+          <a:p>
+            <a:endParaRPr lang="ko-KR" altLang="en-US" dirty="0"/>
+          </a:p>
+        </p:txBody>
+      </p:sp>
+      <p:sp>
+        <p:nvSpPr>
+          <p:cNvPr id="4" name="슬라이드 번호 개체 틀 3"/>
+          <p:cNvSpPr>
+            <a:spLocks noGrp="1"/>
+          </p:cNvSpPr>
+          <p:nvPr>
+            <p:ph type="sldNum" sz="quarter" idx="12"/>
+          </p:nvPr>
+        </p:nvSpPr>
+        <p:spPr/>
+        <p:txBody>
+          <a:bodyPr/>
+          <a:lstStyle/>
+          <a:p>
+            <a:fld id="{64F0D409-D3F6-4EEC-8C77-1F5E89989FFB}" type="slidenum">
+              <a:rPr lang="ko-KR" altLang="en-US" smtClean="0"/>
+              <a:t>5</a:t>
+            </a:fld>
+            <a:endParaRPr lang="ko-KR" altLang="en-US"/>
+          </a:p>
+        </p:txBody>
+      </p:sp>
+    </p:spTree>
+    <p:extLst>
+      <p:ext uri="{BB962C8B-B14F-4D97-AF65-F5344CB8AC3E}">
+        <p14:creationId xmlns:p14="http://schemas.microsoft.com/office/powerpoint/2010/main" val="2860232389"/>
+      </p:ext>
+    </p:extLst>
+  </p:cSld>
+  <p:clrMapOvr>
+    <a:masterClrMapping/>
+  </p:clrMapOvr>
+</p:sld>
+</file>
+
+<file path=ppt/slides/slide6.xml><?xml version="1.0" encoding="utf-8"?>
+<p:sld xmlns:a="http://schemas.openxmlformats.org/drawingml/2006/main" xmlns:r="http://schemas.openxmlformats.org/officeDocument/2006/relationships" xmlns:p="http://schemas.openxmlformats.org/presentationml/2006/main">
+  <p:cSld>
+    <p:spTree>
+      <p:nvGrpSpPr>
+        <p:cNvPr id="1" name=""/>
+        <p:cNvGrpSpPr/>
+        <p:nvPr/>
+      </p:nvGrpSpPr>
+      <p:grpSpPr>
+        <a:xfrm>
+          <a:off x="0" y="0"/>
+          <a:ext cx="0" cy="0"/>
+          <a:chOff x="0" y="0"/>
+          <a:chExt cx="0" cy="0"/>
+        </a:xfrm>
+      </p:grpSpPr>
+      <p:sp>
+        <p:nvSpPr>
           <p:cNvPr id="6" name="제목 5">
             <a:extLst>
               <a:ext uri="{FF2B5EF4-FFF2-40B4-BE49-F238E27FC236}">
@@ -9916,7 +10464,7 @@
           <a:p>
             <a:fld id="{64F0D409-D3F6-4EEC-8C77-1F5E89989FFB}" type="slidenum">
               <a:rPr lang="ko-KR" altLang="en-US" smtClean="0"/>
-              <a:t>5</a:t>
+              <a:t>6</a:t>
             </a:fld>
             <a:endParaRPr lang="ko-KR" altLang="en-US"/>
           </a:p>
@@ -10002,7 +10550,7 @@
 </p:sld>
 </file>
 
-<file path=ppt/slides/slide6.xml><?xml version="1.0" encoding="utf-8"?>
+<file path=ppt/slides/slide7.xml><?xml version="1.0" encoding="utf-8"?>
 <p:sld xmlns:a="http://schemas.openxmlformats.org/drawingml/2006/main" xmlns:r="http://schemas.openxmlformats.org/officeDocument/2006/relationships" xmlns:p="http://schemas.openxmlformats.org/presentationml/2006/main">
   <p:cSld>
     <p:spTree>
@@ -10071,7 +10619,7 @@
           <a:p>
             <a:fld id="{64F0D409-D3F6-4EEC-8C77-1F5E89989FFB}" type="slidenum">
               <a:rPr lang="ko-KR" altLang="en-US" smtClean="0"/>
-              <a:t>6</a:t>
+              <a:t>7</a:t>
             </a:fld>
             <a:endParaRPr lang="ko-KR" altLang="en-US"/>
           </a:p>
@@ -10174,7 +10722,7 @@
 </p:sld>
 </file>
 
-<file path=ppt/slides/slide7.xml><?xml version="1.0" encoding="utf-8"?>
+<file path=ppt/slides/slide8.xml><?xml version="1.0" encoding="utf-8"?>
 <p:sld xmlns:a="http://schemas.openxmlformats.org/drawingml/2006/main" xmlns:r="http://schemas.openxmlformats.org/officeDocument/2006/relationships" xmlns:p="http://schemas.openxmlformats.org/presentationml/2006/main">
   <p:cSld>
     <p:spTree>
@@ -10243,7 +10791,7 @@
           <a:p>
             <a:fld id="{64F0D409-D3F6-4EEC-8C77-1F5E89989FFB}" type="slidenum">
               <a:rPr lang="ko-KR" altLang="en-US" smtClean="0"/>
-              <a:t>7</a:t>
+              <a:t>8</a:t>
             </a:fld>
             <a:endParaRPr lang="ko-KR" altLang="en-US"/>
           </a:p>
@@ -10483,7 +11031,7 @@
 </p:sld>
 </file>
 
-<file path=ppt/slides/slide8.xml><?xml version="1.0" encoding="utf-8"?>
+<file path=ppt/slides/slide9.xml><?xml version="1.0" encoding="utf-8"?>
 <p:sld xmlns:a="http://schemas.openxmlformats.org/drawingml/2006/main" xmlns:r="http://schemas.openxmlformats.org/officeDocument/2006/relationships" xmlns:p="http://schemas.openxmlformats.org/presentationml/2006/main">
   <p:cSld>
     <p:spTree>
@@ -10584,7 +11132,7 @@
           <a:p>
             <a:fld id="{64F0D409-D3F6-4EEC-8C77-1F5E89989FFB}" type="slidenum">
               <a:rPr lang="ko-KR" altLang="en-US" smtClean="0"/>
-              <a:t>8</a:t>
+              <a:t>9</a:t>
             </a:fld>
             <a:endParaRPr lang="ko-KR" altLang="en-US"/>
           </a:p>
@@ -10808,236 +11356,6 @@
     <p:extLst>
       <p:ext uri="{BB962C8B-B14F-4D97-AF65-F5344CB8AC3E}">
         <p14:creationId xmlns:p14="http://schemas.microsoft.com/office/powerpoint/2010/main" val="4031894678"/>
-      </p:ext>
-    </p:extLst>
-  </p:cSld>
-  <p:clrMapOvr>
-    <a:masterClrMapping/>
-  </p:clrMapOvr>
-</p:sld>
-</file>
-
-<file path=ppt/slides/slide9.xml><?xml version="1.0" encoding="utf-8"?>
-<p:sld xmlns:a="http://schemas.openxmlformats.org/drawingml/2006/main" xmlns:r="http://schemas.openxmlformats.org/officeDocument/2006/relationships" xmlns:p="http://schemas.openxmlformats.org/presentationml/2006/main">
-  <p:cSld>
-    <p:spTree>
-      <p:nvGrpSpPr>
-        <p:cNvPr id="1" name=""/>
-        <p:cNvGrpSpPr/>
-        <p:nvPr/>
-      </p:nvGrpSpPr>
-      <p:grpSpPr>
-        <a:xfrm>
-          <a:off x="0" y="0"/>
-          <a:ext cx="0" cy="0"/>
-          <a:chOff x="0" y="0"/>
-          <a:chExt cx="0" cy="0"/>
-        </a:xfrm>
-      </p:grpSpPr>
-      <p:sp>
-        <p:nvSpPr>
-          <p:cNvPr id="2" name="제목 1">
-            <a:extLst>
-              <a:ext uri="{FF2B5EF4-FFF2-40B4-BE49-F238E27FC236}">
-                <a16:creationId xmlns:a16="http://schemas.microsoft.com/office/drawing/2014/main" id="{FACE0EFD-41A8-49D4-9FAD-A007AEF0A5CE}"/>
-              </a:ext>
-            </a:extLst>
-          </p:cNvPr>
-          <p:cNvSpPr>
-            <a:spLocks noGrp="1"/>
-          </p:cNvSpPr>
-          <p:nvPr>
-            <p:ph type="title"/>
-          </p:nvPr>
-        </p:nvSpPr>
-        <p:spPr/>
-        <p:txBody>
-          <a:bodyPr/>
-          <a:lstStyle/>
-          <a:p>
-            <a:r>
-              <a:rPr lang="en-US" altLang="ko-KR" dirty="0"/>
-              <a:t>Publish Master branch to GitHub</a:t>
-            </a:r>
-            <a:endParaRPr lang="ko-KR" altLang="en-US" dirty="0"/>
-          </a:p>
-        </p:txBody>
-      </p:sp>
-      <p:pic>
-        <p:nvPicPr>
-          <p:cNvPr id="5" name="내용 개체 틀 4">
-            <a:extLst>
-              <a:ext uri="{FF2B5EF4-FFF2-40B4-BE49-F238E27FC236}">
-                <a16:creationId xmlns:a16="http://schemas.microsoft.com/office/drawing/2014/main" id="{94B86C2F-478C-4477-9484-0B06BD9A93B7}"/>
-              </a:ext>
-            </a:extLst>
-          </p:cNvPr>
-          <p:cNvPicPr>
-            <a:picLocks noGrp="1" noChangeAspect="1"/>
-          </p:cNvPicPr>
-          <p:nvPr>
-            <p:ph idx="1"/>
-          </p:nvPr>
-        </p:nvPicPr>
-        <p:blipFill>
-          <a:blip r:embed="rId2"/>
-          <a:stretch>
-            <a:fillRect/>
-          </a:stretch>
-        </p:blipFill>
-        <p:spPr>
-          <a:xfrm>
-            <a:off x="768847" y="1058863"/>
-            <a:ext cx="7606307" cy="5268912"/>
-          </a:xfrm>
-          <a:prstGeom prst="rect">
-            <a:avLst/>
-          </a:prstGeom>
-        </p:spPr>
-      </p:pic>
-      <p:sp>
-        <p:nvSpPr>
-          <p:cNvPr id="4" name="슬라이드 번호 개체 틀 3">
-            <a:extLst>
-              <a:ext uri="{FF2B5EF4-FFF2-40B4-BE49-F238E27FC236}">
-                <a16:creationId xmlns:a16="http://schemas.microsoft.com/office/drawing/2014/main" id="{D2191A00-EF72-4598-BB92-10DA6DA5C9E0}"/>
-              </a:ext>
-            </a:extLst>
-          </p:cNvPr>
-          <p:cNvSpPr>
-            <a:spLocks noGrp="1"/>
-          </p:cNvSpPr>
-          <p:nvPr>
-            <p:ph type="sldNum" sz="quarter" idx="12"/>
-          </p:nvPr>
-        </p:nvSpPr>
-        <p:spPr/>
-        <p:txBody>
-          <a:bodyPr/>
-          <a:lstStyle/>
-          <a:p>
-            <a:fld id="{64F0D409-D3F6-4EEC-8C77-1F5E89989FFB}" type="slidenum">
-              <a:rPr lang="ko-KR" altLang="en-US" smtClean="0"/>
-              <a:t>9</a:t>
-            </a:fld>
-            <a:endParaRPr lang="ko-KR" altLang="en-US"/>
-          </a:p>
-        </p:txBody>
-      </p:sp>
-      <p:sp>
-        <p:nvSpPr>
-          <p:cNvPr id="6" name="직사각형 5">
-            <a:extLst>
-              <a:ext uri="{FF2B5EF4-FFF2-40B4-BE49-F238E27FC236}">
-                <a16:creationId xmlns:a16="http://schemas.microsoft.com/office/drawing/2014/main" id="{21117B90-07E8-4022-B56D-22CA0FA45810}"/>
-              </a:ext>
-            </a:extLst>
-          </p:cNvPr>
-          <p:cNvSpPr/>
-          <p:nvPr/>
-        </p:nvSpPr>
-        <p:spPr>
-          <a:xfrm>
-            <a:off x="188158" y="2754867"/>
-            <a:ext cx="2431217" cy="646331"/>
-          </a:xfrm>
-          <a:prstGeom prst="rect">
-            <a:avLst/>
-          </a:prstGeom>
-        </p:spPr>
-        <p:txBody>
-          <a:bodyPr wrap="square">
-            <a:spAutoFit/>
-          </a:bodyPr>
-          <a:lstStyle/>
-          <a:p>
-            <a:pPr marL="285750" indent="-285750">
-              <a:buFont typeface="Arial" panose="020B0604020202020204" pitchFamily="34" charset="0"/>
-              <a:buChar char="•"/>
-            </a:pPr>
-            <a:r>
-              <a:rPr lang="en-US" altLang="ko-KR" dirty="0">
-                <a:solidFill>
-                  <a:srgbClr val="FF0000"/>
-                </a:solidFill>
-              </a:rPr>
-              <a:t>Pop up </a:t>
-            </a:r>
-            <a:r>
-              <a:rPr lang="ko-KR" altLang="en-US" dirty="0">
-                <a:solidFill>
-                  <a:srgbClr val="FF0000"/>
-                </a:solidFill>
-              </a:rPr>
-              <a:t>에서 적절히 선택하여 </a:t>
-            </a:r>
-            <a:r>
-              <a:rPr lang="en-US" altLang="ko-KR" dirty="0">
-                <a:solidFill>
-                  <a:srgbClr val="FF0000"/>
-                </a:solidFill>
-              </a:rPr>
-              <a:t>Publish</a:t>
-            </a:r>
-          </a:p>
-        </p:txBody>
-      </p:sp>
-      <p:sp>
-        <p:nvSpPr>
-          <p:cNvPr id="7" name="직사각형 6">
-            <a:extLst>
-              <a:ext uri="{FF2B5EF4-FFF2-40B4-BE49-F238E27FC236}">
-                <a16:creationId xmlns:a16="http://schemas.microsoft.com/office/drawing/2014/main" id="{BEDFDA85-F404-4299-A348-91C23478381B}"/>
-              </a:ext>
-            </a:extLst>
-          </p:cNvPr>
-          <p:cNvSpPr/>
-          <p:nvPr/>
-        </p:nvSpPr>
-        <p:spPr>
-          <a:xfrm>
-            <a:off x="6848475" y="3124200"/>
-            <a:ext cx="1009650" cy="304800"/>
-          </a:xfrm>
-          <a:prstGeom prst="rect">
-            <a:avLst/>
-          </a:prstGeom>
-          <a:noFill/>
-          <a:ln w="19050">
-            <a:solidFill>
-              <a:srgbClr val="FF0000"/>
-            </a:solidFill>
-          </a:ln>
-        </p:spPr>
-        <p:style>
-          <a:lnRef idx="2">
-            <a:schemeClr val="accent1">
-              <a:shade val="50000"/>
-            </a:schemeClr>
-          </a:lnRef>
-          <a:fillRef idx="1">
-            <a:schemeClr val="accent1"/>
-          </a:fillRef>
-          <a:effectRef idx="0">
-            <a:schemeClr val="accent1"/>
-          </a:effectRef>
-          <a:fontRef idx="minor">
-            <a:schemeClr val="lt1"/>
-          </a:fontRef>
-        </p:style>
-        <p:txBody>
-          <a:bodyPr rtlCol="0" anchor="ctr"/>
-          <a:lstStyle/>
-          <a:p>
-            <a:pPr algn="ctr"/>
-            <a:endParaRPr lang="ko-KR" altLang="en-US" dirty="0"/>
-          </a:p>
-        </p:txBody>
-      </p:sp>
-    </p:spTree>
-    <p:extLst>
-      <p:ext uri="{BB962C8B-B14F-4D97-AF65-F5344CB8AC3E}">
-        <p14:creationId xmlns:p14="http://schemas.microsoft.com/office/powerpoint/2010/main" val="1928597261"/>
       </p:ext>
     </p:extLst>
   </p:cSld>

--- a/Slides 2020/6. Git 중급 1.pptx
+++ b/Slides 2020/6. Git 중급 1.pptx
@@ -229,7 +229,7 @@
           <a:p>
             <a:fld id="{3A51E6CB-1B67-49CD-819C-CBD1F8F15839}" type="datetimeFigureOut">
               <a:rPr lang="ko-KR" altLang="en-US" smtClean="0"/>
-              <a:t>2020-09-29</a:t>
+              <a:t>2021-10-01</a:t>
             </a:fld>
             <a:endParaRPr lang="ko-KR" altLang="en-US"/>
           </a:p>
@@ -711,7 +711,7 @@
           <a:p>
             <a:fld id="{1EA80F27-E9B9-4A8E-9A59-01CCB3F43850}" type="datetime1">
               <a:rPr lang="ko-KR" altLang="en-US" smtClean="0"/>
-              <a:t>2020-09-29</a:t>
+              <a:t>2021-10-01</a:t>
             </a:fld>
             <a:endParaRPr lang="ko-KR" altLang="en-US"/>
           </a:p>
@@ -927,7 +927,7 @@
           <a:p>
             <a:fld id="{7E5363F8-22A8-407F-82B0-EFC1D1C22895}" type="datetime1">
               <a:rPr lang="ko-KR" altLang="en-US" smtClean="0"/>
-              <a:t>2020-09-29</a:t>
+              <a:t>2021-10-01</a:t>
             </a:fld>
             <a:endParaRPr lang="ko-KR" altLang="en-US"/>
           </a:p>
@@ -1107,7 +1107,7 @@
           <a:p>
             <a:fld id="{8187739B-8E74-4F06-BBD0-F6D670C1F7A1}" type="datetime1">
               <a:rPr lang="ko-KR" altLang="en-US" smtClean="0"/>
-              <a:t>2020-09-29</a:t>
+              <a:t>2021-10-01</a:t>
             </a:fld>
             <a:endParaRPr lang="ko-KR" altLang="en-US"/>
           </a:p>
@@ -1277,7 +1277,7 @@
           <a:p>
             <a:fld id="{947C39E4-F1C0-46F5-93CB-857C8C3AEB8D}" type="datetime1">
               <a:rPr lang="ko-KR" altLang="en-US" smtClean="0"/>
-              <a:t>2020-09-29</a:t>
+              <a:t>2021-10-01</a:t>
             </a:fld>
             <a:endParaRPr lang="ko-KR" altLang="en-US"/>
           </a:p>
@@ -1521,7 +1521,7 @@
           <a:p>
             <a:fld id="{7818271D-E6C7-4286-B2FD-D9AA53F1E428}" type="datetime1">
               <a:rPr lang="ko-KR" altLang="en-US" smtClean="0"/>
-              <a:t>2020-09-29</a:t>
+              <a:t>2021-10-01</a:t>
             </a:fld>
             <a:endParaRPr lang="ko-KR" altLang="en-US"/>
           </a:p>
@@ -1753,7 +1753,7 @@
           <a:p>
             <a:fld id="{8CE3C26B-F624-420D-BF9D-391E2E695B27}" type="datetime1">
               <a:rPr lang="ko-KR" altLang="en-US" smtClean="0"/>
-              <a:t>2020-09-29</a:t>
+              <a:t>2021-10-01</a:t>
             </a:fld>
             <a:endParaRPr lang="ko-KR" altLang="en-US"/>
           </a:p>
@@ -2120,7 +2120,7 @@
           <a:p>
             <a:fld id="{A1FC83CE-7AD5-4A20-9998-54C7F9F05545}" type="datetime1">
               <a:rPr lang="ko-KR" altLang="en-US" smtClean="0"/>
-              <a:t>2020-09-29</a:t>
+              <a:t>2021-10-01</a:t>
             </a:fld>
             <a:endParaRPr lang="ko-KR" altLang="en-US"/>
           </a:p>
@@ -2238,7 +2238,7 @@
           <a:p>
             <a:fld id="{3A3E22EA-EB96-4ADF-ABA9-A693E5F7BB1E}" type="datetime1">
               <a:rPr lang="ko-KR" altLang="en-US" smtClean="0"/>
-              <a:t>2020-09-29</a:t>
+              <a:t>2021-10-01</a:t>
             </a:fld>
             <a:endParaRPr lang="ko-KR" altLang="en-US"/>
           </a:p>
@@ -2333,7 +2333,7 @@
           <a:p>
             <a:fld id="{0D5BD961-86A8-440A-8C4E-52B6CA6FECED}" type="datetime1">
               <a:rPr lang="ko-KR" altLang="en-US" smtClean="0"/>
-              <a:t>2020-09-29</a:t>
+              <a:t>2021-10-01</a:t>
             </a:fld>
             <a:endParaRPr lang="ko-KR" altLang="en-US"/>
           </a:p>
@@ -2610,7 +2610,7 @@
           <a:p>
             <a:fld id="{CD151CC0-1347-483B-8708-01772054FA68}" type="datetime1">
               <a:rPr lang="ko-KR" altLang="en-US" smtClean="0"/>
-              <a:t>2020-09-29</a:t>
+              <a:t>2021-10-01</a:t>
             </a:fld>
             <a:endParaRPr lang="ko-KR" altLang="en-US"/>
           </a:p>
@@ -2867,7 +2867,7 @@
           <a:p>
             <a:fld id="{57185993-49E6-4096-BF26-930E741DA796}" type="datetime1">
               <a:rPr lang="ko-KR" altLang="en-US" smtClean="0"/>
-              <a:t>2020-09-29</a:t>
+              <a:t>2021-10-01</a:t>
             </a:fld>
             <a:endParaRPr lang="ko-KR" altLang="en-US"/>
           </a:p>
@@ -3083,7 +3083,7 @@
           <a:p>
             <a:fld id="{170798F3-F6A9-4876-8D5A-30BE2843F4A2}" type="datetime1">
               <a:rPr lang="ko-KR" altLang="en-US" smtClean="0"/>
-              <a:t>2020-09-29</a:t>
+              <a:t>2021-10-01</a:t>
             </a:fld>
             <a:endParaRPr lang="ko-KR" altLang="en-US"/>
           </a:p>
@@ -7064,6 +7064,35 @@
               <a:rPr lang="ko-KR" altLang="en-US" sz="1800" dirty="0"/>
               <a:t> 추가됨</a:t>
             </a:r>
+            <a:endParaRPr lang="en-US" altLang="ko-KR" sz="1800" dirty="0"/>
+          </a:p>
+          <a:p>
+            <a:pPr lvl="1"/>
+            <a:r>
+              <a:rPr lang="en-US" altLang="ko-KR" sz="1800" dirty="0"/>
+              <a:t>git switch testing </a:t>
+            </a:r>
+            <a:r>
+              <a:rPr lang="ko-KR" altLang="en-US" sz="1800"/>
+              <a:t>도 동일한 </a:t>
+            </a:r>
+            <a:r>
+              <a:rPr lang="ko-KR" altLang="en-US" sz="1800" dirty="0"/>
+              <a:t>명령 </a:t>
+            </a:r>
+            <a:r>
+              <a:rPr lang="en-US" altLang="ko-KR" sz="1800" dirty="0"/>
+              <a:t>(Git 2.23 </a:t>
+            </a:r>
+            <a:r>
+              <a:rPr lang="ko-KR" altLang="en-US" sz="1800" dirty="0"/>
+              <a:t>버전 이상</a:t>
+            </a:r>
+            <a:r>
+              <a:rPr lang="en-US" altLang="ko-KR" sz="1800" dirty="0"/>
+              <a:t>)</a:t>
+            </a:r>
+            <a:endParaRPr lang="ko-KR" altLang="en-US" sz="1800" dirty="0"/>
           </a:p>
         </p:txBody>
       </p:sp>

--- a/Slides 2020/6. Git 중급 1.pptx
+++ b/Slides 2020/6. Git 중급 1.pptx
@@ -5,7 +5,7 @@
     <p:sldMasterId id="2147483660" r:id="rId1"/>
   </p:sldMasterIdLst>
   <p:notesMasterIdLst>
-    <p:notesMasterId r:id="rId35"/>
+    <p:notesMasterId r:id="rId36"/>
   </p:notesMasterIdLst>
   <p:sldIdLst>
     <p:sldId id="344" r:id="rId2"/>
@@ -41,6 +41,7 @@
     <p:sldId id="374" r:id="rId32"/>
     <p:sldId id="410" r:id="rId33"/>
     <p:sldId id="411" r:id="rId34"/>
+    <p:sldId id="426" r:id="rId35"/>
   </p:sldIdLst>
   <p:sldSz cx="9144000" cy="6858000" type="screen4x3"/>
   <p:notesSz cx="6858000" cy="9144000"/>
@@ -229,7 +230,7 @@
           <a:p>
             <a:fld id="{3A51E6CB-1B67-49CD-819C-CBD1F8F15839}" type="datetimeFigureOut">
               <a:rPr lang="ko-KR" altLang="en-US" smtClean="0"/>
-              <a:t>2021-10-01</a:t>
+              <a:t>2021-10-04</a:t>
             </a:fld>
             <a:endParaRPr lang="ko-KR" altLang="en-US"/>
           </a:p>
@@ -711,7 +712,7 @@
           <a:p>
             <a:fld id="{1EA80F27-E9B9-4A8E-9A59-01CCB3F43850}" type="datetime1">
               <a:rPr lang="ko-KR" altLang="en-US" smtClean="0"/>
-              <a:t>2021-10-01</a:t>
+              <a:t>2021-10-04</a:t>
             </a:fld>
             <a:endParaRPr lang="ko-KR" altLang="en-US"/>
           </a:p>
@@ -927,7 +928,7 @@
           <a:p>
             <a:fld id="{7E5363F8-22A8-407F-82B0-EFC1D1C22895}" type="datetime1">
               <a:rPr lang="ko-KR" altLang="en-US" smtClean="0"/>
-              <a:t>2021-10-01</a:t>
+              <a:t>2021-10-04</a:t>
             </a:fld>
             <a:endParaRPr lang="ko-KR" altLang="en-US"/>
           </a:p>
@@ -1107,7 +1108,7 @@
           <a:p>
             <a:fld id="{8187739B-8E74-4F06-BBD0-F6D670C1F7A1}" type="datetime1">
               <a:rPr lang="ko-KR" altLang="en-US" smtClean="0"/>
-              <a:t>2021-10-01</a:t>
+              <a:t>2021-10-04</a:t>
             </a:fld>
             <a:endParaRPr lang="ko-KR" altLang="en-US"/>
           </a:p>
@@ -1277,7 +1278,7 @@
           <a:p>
             <a:fld id="{947C39E4-F1C0-46F5-93CB-857C8C3AEB8D}" type="datetime1">
               <a:rPr lang="ko-KR" altLang="en-US" smtClean="0"/>
-              <a:t>2021-10-01</a:t>
+              <a:t>2021-10-04</a:t>
             </a:fld>
             <a:endParaRPr lang="ko-KR" altLang="en-US"/>
           </a:p>
@@ -1521,7 +1522,7 @@
           <a:p>
             <a:fld id="{7818271D-E6C7-4286-B2FD-D9AA53F1E428}" type="datetime1">
               <a:rPr lang="ko-KR" altLang="en-US" smtClean="0"/>
-              <a:t>2021-10-01</a:t>
+              <a:t>2021-10-04</a:t>
             </a:fld>
             <a:endParaRPr lang="ko-KR" altLang="en-US"/>
           </a:p>
@@ -1753,7 +1754,7 @@
           <a:p>
             <a:fld id="{8CE3C26B-F624-420D-BF9D-391E2E695B27}" type="datetime1">
               <a:rPr lang="ko-KR" altLang="en-US" smtClean="0"/>
-              <a:t>2021-10-01</a:t>
+              <a:t>2021-10-04</a:t>
             </a:fld>
             <a:endParaRPr lang="ko-KR" altLang="en-US"/>
           </a:p>
@@ -2120,7 +2121,7 @@
           <a:p>
             <a:fld id="{A1FC83CE-7AD5-4A20-9998-54C7F9F05545}" type="datetime1">
               <a:rPr lang="ko-KR" altLang="en-US" smtClean="0"/>
-              <a:t>2021-10-01</a:t>
+              <a:t>2021-10-04</a:t>
             </a:fld>
             <a:endParaRPr lang="ko-KR" altLang="en-US"/>
           </a:p>
@@ -2238,7 +2239,7 @@
           <a:p>
             <a:fld id="{3A3E22EA-EB96-4ADF-ABA9-A693E5F7BB1E}" type="datetime1">
               <a:rPr lang="ko-KR" altLang="en-US" smtClean="0"/>
-              <a:t>2021-10-01</a:t>
+              <a:t>2021-10-04</a:t>
             </a:fld>
             <a:endParaRPr lang="ko-KR" altLang="en-US"/>
           </a:p>
@@ -2333,7 +2334,7 @@
           <a:p>
             <a:fld id="{0D5BD961-86A8-440A-8C4E-52B6CA6FECED}" type="datetime1">
               <a:rPr lang="ko-KR" altLang="en-US" smtClean="0"/>
-              <a:t>2021-10-01</a:t>
+              <a:t>2021-10-04</a:t>
             </a:fld>
             <a:endParaRPr lang="ko-KR" altLang="en-US"/>
           </a:p>
@@ -2610,7 +2611,7 @@
           <a:p>
             <a:fld id="{CD151CC0-1347-483B-8708-01772054FA68}" type="datetime1">
               <a:rPr lang="ko-KR" altLang="en-US" smtClean="0"/>
-              <a:t>2021-10-01</a:t>
+              <a:t>2021-10-04</a:t>
             </a:fld>
             <a:endParaRPr lang="ko-KR" altLang="en-US"/>
           </a:p>
@@ -2867,7 +2868,7 @@
           <a:p>
             <a:fld id="{57185993-49E6-4096-BF26-930E741DA796}" type="datetime1">
               <a:rPr lang="ko-KR" altLang="en-US" smtClean="0"/>
-              <a:t>2021-10-01</a:t>
+              <a:t>2021-10-04</a:t>
             </a:fld>
             <a:endParaRPr lang="ko-KR" altLang="en-US"/>
           </a:p>
@@ -3083,7 +3084,7 @@
           <a:p>
             <a:fld id="{170798F3-F6A9-4876-8D5A-30BE2843F4A2}" type="datetime1">
               <a:rPr lang="ko-KR" altLang="en-US" smtClean="0"/>
-              <a:t>2021-10-01</a:t>
+              <a:t>2021-10-04</a:t>
             </a:fld>
             <a:endParaRPr lang="ko-KR" altLang="en-US"/>
           </a:p>
@@ -7073,12 +7074,8 @@
               <a:t>git switch testing </a:t>
             </a:r>
             <a:r>
-              <a:rPr lang="ko-KR" altLang="en-US" sz="1800"/>
-              <a:t>도 동일한 </a:t>
-            </a:r>
-            <a:r>
               <a:rPr lang="ko-KR" altLang="en-US" sz="1800" dirty="0"/>
-              <a:t>명령 </a:t>
+              <a:t>도 동일한 명령 </a:t>
             </a:r>
             <a:r>
               <a:rPr lang="en-US" altLang="ko-KR" sz="1800" dirty="0"/>
@@ -10045,6 +10042,604 @@
     <p:extLst>
       <p:ext uri="{BB962C8B-B14F-4D97-AF65-F5344CB8AC3E}">
         <p14:creationId xmlns:p14="http://schemas.microsoft.com/office/powerpoint/2010/main" val="3023630774"/>
+      </p:ext>
+    </p:extLst>
+  </p:cSld>
+  <p:clrMapOvr>
+    <a:masterClrMapping/>
+  </p:clrMapOvr>
+</p:sld>
+</file>
+
+<file path=ppt/slides/slide34.xml><?xml version="1.0" encoding="utf-8"?>
+<p:sld xmlns:a="http://schemas.openxmlformats.org/drawingml/2006/main" xmlns:r="http://schemas.openxmlformats.org/officeDocument/2006/relationships" xmlns:p="http://schemas.openxmlformats.org/presentationml/2006/main">
+  <p:cSld>
+    <p:spTree>
+      <p:nvGrpSpPr>
+        <p:cNvPr id="1" name=""/>
+        <p:cNvGrpSpPr/>
+        <p:nvPr/>
+      </p:nvGrpSpPr>
+      <p:grpSpPr>
+        <a:xfrm>
+          <a:off x="0" y="0"/>
+          <a:ext cx="0" cy="0"/>
+          <a:chOff x="0" y="0"/>
+          <a:chExt cx="0" cy="0"/>
+        </a:xfrm>
+      </p:grpSpPr>
+      <p:sp>
+        <p:nvSpPr>
+          <p:cNvPr id="2" name="제목 1">
+            <a:extLst>
+              <a:ext uri="{FF2B5EF4-FFF2-40B4-BE49-F238E27FC236}">
+                <a16:creationId xmlns:a16="http://schemas.microsoft.com/office/drawing/2014/main" id="{40730C1B-4955-444D-8A2E-298DC4569B30}"/>
+              </a:ext>
+            </a:extLst>
+          </p:cNvPr>
+          <p:cNvSpPr>
+            <a:spLocks noGrp="1"/>
+          </p:cNvSpPr>
+          <p:nvPr>
+            <p:ph type="title"/>
+          </p:nvPr>
+        </p:nvSpPr>
+        <p:spPr/>
+        <p:txBody>
+          <a:bodyPr/>
+          <a:lstStyle/>
+          <a:p>
+            <a:r>
+              <a:rPr lang="en-US" altLang="ko-KR" dirty="0"/>
+              <a:t>[</a:t>
+            </a:r>
+            <a:r>
+              <a:rPr lang="ko-KR" altLang="en-US" dirty="0"/>
+              <a:t>참고</a:t>
+            </a:r>
+            <a:r>
+              <a:rPr lang="en-US" altLang="ko-KR" dirty="0"/>
+              <a:t>] git checkout </a:t>
+            </a:r>
+            <a:r>
+              <a:rPr lang="ko-KR" altLang="en-US" dirty="0"/>
+              <a:t>대안 명령어</a:t>
+            </a:r>
+          </a:p>
+        </p:txBody>
+      </p:sp>
+      <p:sp>
+        <p:nvSpPr>
+          <p:cNvPr id="3" name="내용 개체 틀 2">
+            <a:extLst>
+              <a:ext uri="{FF2B5EF4-FFF2-40B4-BE49-F238E27FC236}">
+                <a16:creationId xmlns:a16="http://schemas.microsoft.com/office/drawing/2014/main" id="{90A74C50-8F0A-4BF8-B109-0D5DF892980E}"/>
+              </a:ext>
+            </a:extLst>
+          </p:cNvPr>
+          <p:cNvSpPr>
+            <a:spLocks noGrp="1"/>
+          </p:cNvSpPr>
+          <p:nvPr>
+            <p:ph idx="1"/>
+          </p:nvPr>
+        </p:nvSpPr>
+        <p:spPr/>
+        <p:txBody>
+          <a:bodyPr/>
+          <a:lstStyle/>
+          <a:p>
+            <a:r>
+              <a:rPr lang="en-US" altLang="ko-KR" dirty="0"/>
+              <a:t>git checkout </a:t>
+            </a:r>
+            <a:r>
+              <a:rPr lang="ko-KR" altLang="en-US" dirty="0"/>
+              <a:t>은 기능이 </a:t>
+            </a:r>
+            <a:r>
+              <a:rPr lang="en-US" altLang="ko-KR" dirty="0"/>
+              <a:t>2</a:t>
+            </a:r>
+            <a:r>
+              <a:rPr lang="ko-KR" altLang="en-US" dirty="0"/>
+              <a:t>가지</a:t>
+            </a:r>
+            <a:endParaRPr lang="en-US" altLang="ko-KR" dirty="0"/>
+          </a:p>
+          <a:p>
+            <a:pPr marL="914400" lvl="1" indent="-457200">
+              <a:buFont typeface="+mj-lt"/>
+              <a:buAutoNum type="arabicPeriod"/>
+            </a:pPr>
+            <a:r>
+              <a:rPr lang="en-US" altLang="ko-KR" dirty="0">
+                <a:solidFill>
+                  <a:schemeClr val="accent5"/>
+                </a:solidFill>
+              </a:rPr>
+              <a:t>Working Directory </a:t>
+            </a:r>
+            <a:r>
+              <a:rPr lang="ko-KR" altLang="en-US" dirty="0">
+                <a:solidFill>
+                  <a:schemeClr val="accent5"/>
+                </a:solidFill>
+              </a:rPr>
+              <a:t>의 변경 사항을 버리는 기능</a:t>
+            </a:r>
+            <a:endParaRPr lang="en-US" altLang="ko-KR" dirty="0">
+              <a:solidFill>
+                <a:schemeClr val="accent5"/>
+              </a:solidFill>
+            </a:endParaRPr>
+          </a:p>
+          <a:p>
+            <a:pPr marL="914400" lvl="1" indent="-457200">
+              <a:buFont typeface="+mj-lt"/>
+              <a:buAutoNum type="arabicPeriod"/>
+            </a:pPr>
+            <a:r>
+              <a:rPr lang="ko-KR" altLang="en-US" dirty="0">
+                <a:solidFill>
+                  <a:schemeClr val="accent6"/>
+                </a:solidFill>
+              </a:rPr>
+              <a:t>다른 </a:t>
+            </a:r>
+            <a:r>
+              <a:rPr lang="en-US" altLang="ko-KR" dirty="0">
+                <a:solidFill>
+                  <a:schemeClr val="accent6"/>
+                </a:solidFill>
+              </a:rPr>
+              <a:t>branch </a:t>
+            </a:r>
+            <a:r>
+              <a:rPr lang="ko-KR" altLang="en-US" dirty="0">
+                <a:solidFill>
+                  <a:schemeClr val="accent6"/>
+                </a:solidFill>
+              </a:rPr>
+              <a:t>로 전환하는 기능</a:t>
+            </a:r>
+            <a:endParaRPr lang="en-US" altLang="ko-KR" dirty="0">
+              <a:solidFill>
+                <a:schemeClr val="accent6"/>
+              </a:solidFill>
+            </a:endParaRPr>
+          </a:p>
+          <a:p>
+            <a:r>
+              <a:rPr lang="ko-KR" altLang="en-US" dirty="0"/>
+              <a:t>만일 </a:t>
+            </a:r>
+            <a:r>
+              <a:rPr lang="en-US" altLang="ko-KR" dirty="0"/>
+              <a:t>test </a:t>
+            </a:r>
+            <a:r>
+              <a:rPr lang="ko-KR" altLang="en-US" dirty="0"/>
+              <a:t>라는 이름의 </a:t>
+            </a:r>
+            <a:r>
+              <a:rPr lang="en-US" altLang="ko-KR" dirty="0"/>
+              <a:t>branch </a:t>
+            </a:r>
+            <a:r>
+              <a:rPr lang="ko-KR" altLang="en-US" dirty="0"/>
+              <a:t>와 </a:t>
+            </a:r>
+            <a:r>
+              <a:rPr lang="en-US" altLang="ko-KR" dirty="0"/>
+              <a:t>file </a:t>
+            </a:r>
+            <a:r>
+              <a:rPr lang="ko-KR" altLang="en-US" dirty="0"/>
+              <a:t>이 동시에 존재한다면</a:t>
+            </a:r>
+            <a:br>
+              <a:rPr lang="en-US" altLang="ko-KR" dirty="0"/>
+            </a:br>
+            <a:r>
+              <a:rPr lang="en-US" altLang="ko-KR" dirty="0"/>
+              <a:t>$ git</a:t>
+            </a:r>
+            <a:r>
+              <a:rPr lang="ko-KR" altLang="en-US" dirty="0"/>
+              <a:t> </a:t>
+            </a:r>
+            <a:r>
+              <a:rPr lang="en-US" altLang="ko-KR" dirty="0"/>
+              <a:t>checkout</a:t>
+            </a:r>
+            <a:r>
+              <a:rPr lang="ko-KR" altLang="en-US" dirty="0"/>
+              <a:t> </a:t>
+            </a:r>
+            <a:r>
+              <a:rPr lang="en-US" altLang="ko-KR" dirty="0"/>
+              <a:t>test</a:t>
+            </a:r>
+            <a:r>
+              <a:rPr lang="ko-KR" altLang="en-US" dirty="0"/>
+              <a:t> 가 무슨 작업을 하는지 헷갈림</a:t>
+            </a:r>
+            <a:r>
+              <a:rPr lang="en-US" altLang="ko-KR" dirty="0"/>
+              <a:t>!</a:t>
+            </a:r>
+          </a:p>
+          <a:p>
+            <a:r>
+              <a:rPr lang="ko-KR" altLang="en-US" dirty="0"/>
+              <a:t>이런 문제로 인해 </a:t>
+            </a:r>
+            <a:r>
+              <a:rPr lang="en-US" altLang="ko-KR" dirty="0"/>
+              <a:t>Git 2.23 </a:t>
+            </a:r>
+            <a:r>
+              <a:rPr lang="ko-KR" altLang="en-US" dirty="0"/>
+              <a:t>버전부터 둘을 분리한 명령어 추가</a:t>
+            </a:r>
+            <a:endParaRPr lang="en-US" altLang="ko-KR" dirty="0"/>
+          </a:p>
+          <a:p>
+            <a:pPr marL="914400" lvl="1" indent="-457200">
+              <a:buFont typeface="+mj-lt"/>
+              <a:buAutoNum type="arabicPeriod"/>
+            </a:pPr>
+            <a:r>
+              <a:rPr lang="en-US" altLang="ko-KR" dirty="0"/>
+              <a:t>$ </a:t>
+            </a:r>
+            <a:r>
+              <a:rPr lang="en-US" altLang="ko-KR" dirty="0">
+                <a:solidFill>
+                  <a:schemeClr val="accent5"/>
+                </a:solidFill>
+              </a:rPr>
+              <a:t>git restore &lt;file&gt;…</a:t>
+            </a:r>
+            <a:r>
+              <a:rPr lang="en-US" altLang="ko-KR" dirty="0"/>
+              <a:t>   </a:t>
+            </a:r>
+            <a:r>
+              <a:rPr lang="en-US" altLang="ko-KR" dirty="0">
+                <a:solidFill>
+                  <a:schemeClr val="tx1">
+                    <a:lumMod val="50000"/>
+                    <a:lumOff val="50000"/>
+                  </a:schemeClr>
+                </a:solidFill>
+              </a:rPr>
+              <a:t>(Working Directory </a:t>
+            </a:r>
+            <a:r>
+              <a:rPr lang="ko-KR" altLang="en-US" dirty="0">
+                <a:solidFill>
+                  <a:schemeClr val="tx1">
+                    <a:lumMod val="50000"/>
+                    <a:lumOff val="50000"/>
+                  </a:schemeClr>
+                </a:solidFill>
+              </a:rPr>
+              <a:t>의 변경 사항 버리기</a:t>
+            </a:r>
+            <a:r>
+              <a:rPr lang="en-US" altLang="ko-KR" dirty="0">
+                <a:solidFill>
+                  <a:schemeClr val="tx1">
+                    <a:lumMod val="50000"/>
+                    <a:lumOff val="50000"/>
+                  </a:schemeClr>
+                </a:solidFill>
+              </a:rPr>
+              <a:t>)</a:t>
+            </a:r>
+            <a:br>
+              <a:rPr lang="en-US" altLang="ko-KR" dirty="0">
+                <a:solidFill>
+                  <a:schemeClr val="tx1">
+                    <a:lumMod val="50000"/>
+                    <a:lumOff val="50000"/>
+                  </a:schemeClr>
+                </a:solidFill>
+              </a:rPr>
+            </a:br>
+            <a:r>
+              <a:rPr lang="en-US" altLang="ko-KR" dirty="0"/>
+              <a:t>$ git restore --staged &lt;file&gt;…   </a:t>
+            </a:r>
+            <a:r>
+              <a:rPr lang="en-US" altLang="ko-KR" dirty="0">
+                <a:solidFill>
+                  <a:schemeClr val="tx1">
+                    <a:lumMod val="50000"/>
+                    <a:lumOff val="50000"/>
+                  </a:schemeClr>
+                </a:solidFill>
+              </a:rPr>
+              <a:t>(Index </a:t>
+            </a:r>
+            <a:r>
+              <a:rPr lang="ko-KR" altLang="en-US" dirty="0">
+                <a:solidFill>
+                  <a:schemeClr val="tx1">
+                    <a:lumMod val="50000"/>
+                    <a:lumOff val="50000"/>
+                  </a:schemeClr>
+                </a:solidFill>
+              </a:rPr>
+              <a:t>에 </a:t>
+            </a:r>
+            <a:r>
+              <a:rPr lang="en-US" altLang="ko-KR" dirty="0">
+                <a:solidFill>
+                  <a:schemeClr val="tx1">
+                    <a:lumMod val="50000"/>
+                    <a:lumOff val="50000"/>
+                  </a:schemeClr>
+                </a:solidFill>
+              </a:rPr>
+              <a:t>Staging </a:t>
+            </a:r>
+            <a:r>
+              <a:rPr lang="ko-KR" altLang="en-US" dirty="0">
+                <a:solidFill>
+                  <a:schemeClr val="tx1">
+                    <a:lumMod val="50000"/>
+                    <a:lumOff val="50000"/>
+                  </a:schemeClr>
+                </a:solidFill>
+              </a:rPr>
+              <a:t>된 변경 사항 </a:t>
+            </a:r>
+            <a:r>
+              <a:rPr lang="en-US" altLang="ko-KR" dirty="0" err="1">
+                <a:solidFill>
+                  <a:schemeClr val="tx1">
+                    <a:lumMod val="50000"/>
+                    <a:lumOff val="50000"/>
+                  </a:schemeClr>
+                </a:solidFill>
+              </a:rPr>
+              <a:t>Unstage</a:t>
+            </a:r>
+            <a:r>
+              <a:rPr lang="en-US" altLang="ko-KR" dirty="0">
+                <a:solidFill>
+                  <a:schemeClr val="tx1">
+                    <a:lumMod val="50000"/>
+                    <a:lumOff val="50000"/>
+                  </a:schemeClr>
+                </a:solidFill>
+              </a:rPr>
+              <a:t>)</a:t>
+            </a:r>
+          </a:p>
+          <a:p>
+            <a:pPr marL="914400" lvl="1" indent="-457200">
+              <a:buFont typeface="+mj-lt"/>
+              <a:buAutoNum type="arabicPeriod"/>
+            </a:pPr>
+            <a:r>
+              <a:rPr lang="en-US" altLang="ko-KR" dirty="0"/>
+              <a:t>$ </a:t>
+            </a:r>
+            <a:r>
+              <a:rPr lang="en-US" altLang="ko-KR" dirty="0">
+                <a:solidFill>
+                  <a:schemeClr val="accent6"/>
+                </a:solidFill>
+              </a:rPr>
+              <a:t>git switch &lt;branch&gt;</a:t>
+            </a:r>
+            <a:r>
+              <a:rPr lang="en-US" altLang="ko-KR" dirty="0"/>
+              <a:t>   </a:t>
+            </a:r>
+            <a:r>
+              <a:rPr lang="en-US" altLang="ko-KR" dirty="0">
+                <a:solidFill>
+                  <a:schemeClr val="tx1">
+                    <a:lumMod val="50000"/>
+                    <a:lumOff val="50000"/>
+                  </a:schemeClr>
+                </a:solidFill>
+              </a:rPr>
+              <a:t>(</a:t>
+            </a:r>
+            <a:r>
+              <a:rPr lang="ko-KR" altLang="en-US" dirty="0">
+                <a:solidFill>
+                  <a:schemeClr val="tx1">
+                    <a:lumMod val="50000"/>
+                    <a:lumOff val="50000"/>
+                  </a:schemeClr>
+                </a:solidFill>
+              </a:rPr>
+              <a:t>다른 </a:t>
+            </a:r>
+            <a:r>
+              <a:rPr lang="en-US" altLang="ko-KR" dirty="0">
+                <a:solidFill>
+                  <a:schemeClr val="tx1">
+                    <a:lumMod val="50000"/>
+                    <a:lumOff val="50000"/>
+                  </a:schemeClr>
+                </a:solidFill>
+              </a:rPr>
+              <a:t>branch</a:t>
+            </a:r>
+            <a:r>
+              <a:rPr lang="ko-KR" altLang="en-US" dirty="0">
+                <a:solidFill>
+                  <a:schemeClr val="tx1">
+                    <a:lumMod val="50000"/>
+                    <a:lumOff val="50000"/>
+                  </a:schemeClr>
+                </a:solidFill>
+              </a:rPr>
+              <a:t> 로 전환</a:t>
+            </a:r>
+            <a:r>
+              <a:rPr lang="en-US" altLang="ko-KR" dirty="0">
+                <a:solidFill>
+                  <a:schemeClr val="tx1">
+                    <a:lumMod val="50000"/>
+                    <a:lumOff val="50000"/>
+                  </a:schemeClr>
+                </a:solidFill>
+              </a:rPr>
+              <a:t>)</a:t>
+            </a:r>
+            <a:br>
+              <a:rPr lang="en-US" altLang="ko-KR" dirty="0">
+                <a:solidFill>
+                  <a:schemeClr val="tx1">
+                    <a:lumMod val="50000"/>
+                    <a:lumOff val="50000"/>
+                  </a:schemeClr>
+                </a:solidFill>
+              </a:rPr>
+            </a:br>
+            <a:r>
+              <a:rPr lang="en-US" altLang="ko-KR" dirty="0"/>
+              <a:t>$ git switch --detach &lt;commit&gt;   </a:t>
+            </a:r>
+            <a:r>
+              <a:rPr lang="en-US" altLang="ko-KR" dirty="0">
+                <a:solidFill>
+                  <a:schemeClr val="tx1">
+                    <a:lumMod val="50000"/>
+                    <a:lumOff val="50000"/>
+                  </a:schemeClr>
+                </a:solidFill>
+              </a:rPr>
+              <a:t>(</a:t>
+            </a:r>
+            <a:r>
+              <a:rPr lang="ko-KR" altLang="en-US" dirty="0">
+                <a:solidFill>
+                  <a:schemeClr val="tx1">
+                    <a:lumMod val="50000"/>
+                    <a:lumOff val="50000"/>
+                  </a:schemeClr>
+                </a:solidFill>
+              </a:rPr>
+              <a:t>다른 </a:t>
+            </a:r>
+            <a:r>
+              <a:rPr lang="en-US" altLang="ko-KR" dirty="0">
+                <a:solidFill>
+                  <a:schemeClr val="tx1">
+                    <a:lumMod val="50000"/>
+                    <a:lumOff val="50000"/>
+                  </a:schemeClr>
+                </a:solidFill>
+              </a:rPr>
+              <a:t>commit </a:t>
+            </a:r>
+            <a:r>
+              <a:rPr lang="ko-KR" altLang="en-US" dirty="0">
+                <a:solidFill>
+                  <a:schemeClr val="tx1">
+                    <a:lumMod val="50000"/>
+                    <a:lumOff val="50000"/>
+                  </a:schemeClr>
+                </a:solidFill>
+              </a:rPr>
+              <a:t>으로 </a:t>
+            </a:r>
+            <a:r>
+              <a:rPr lang="en-US" altLang="ko-KR" dirty="0">
+                <a:solidFill>
+                  <a:schemeClr val="tx1">
+                    <a:lumMod val="50000"/>
+                    <a:lumOff val="50000"/>
+                  </a:schemeClr>
+                </a:solidFill>
+              </a:rPr>
+              <a:t>HEAD </a:t>
+            </a:r>
+            <a:r>
+              <a:rPr lang="ko-KR" altLang="en-US" dirty="0">
+                <a:solidFill>
+                  <a:schemeClr val="tx1">
+                    <a:lumMod val="50000"/>
+                    <a:lumOff val="50000"/>
+                  </a:schemeClr>
+                </a:solidFill>
+              </a:rPr>
+              <a:t>이동</a:t>
+            </a:r>
+            <a:r>
+              <a:rPr lang="en-US" altLang="ko-KR" dirty="0">
+                <a:solidFill>
+                  <a:schemeClr val="tx1">
+                    <a:lumMod val="50000"/>
+                    <a:lumOff val="50000"/>
+                  </a:schemeClr>
+                </a:solidFill>
+              </a:rPr>
+              <a:t>)</a:t>
+            </a:r>
+          </a:p>
+          <a:p>
+            <a:r>
+              <a:rPr lang="ko-KR" altLang="en-US" dirty="0"/>
+              <a:t>참고 </a:t>
+            </a:r>
+            <a:r>
+              <a:rPr lang="en-US" altLang="ko-KR" dirty="0"/>
+              <a:t>: </a:t>
+            </a:r>
+            <a:r>
+              <a:rPr lang="en-US" altLang="ko-KR" dirty="0">
+                <a:hlinkClick r:id="rId2"/>
+              </a:rPr>
+              <a:t>https://blog.outsider.ne.kr/1505</a:t>
+            </a:r>
+            <a:endParaRPr lang="en-US" altLang="ko-KR" dirty="0"/>
+          </a:p>
+        </p:txBody>
+      </p:sp>
+      <p:sp>
+        <p:nvSpPr>
+          <p:cNvPr id="4" name="슬라이드 번호 개체 틀 3">
+            <a:extLst>
+              <a:ext uri="{FF2B5EF4-FFF2-40B4-BE49-F238E27FC236}">
+                <a16:creationId xmlns:a16="http://schemas.microsoft.com/office/drawing/2014/main" id="{39CEFF60-6ECF-49F8-B75F-BE6F8D3F22B1}"/>
+              </a:ext>
+            </a:extLst>
+          </p:cNvPr>
+          <p:cNvSpPr>
+            <a:spLocks noGrp="1"/>
+          </p:cNvSpPr>
+          <p:nvPr>
+            <p:ph type="sldNum" sz="quarter" idx="12"/>
+          </p:nvPr>
+        </p:nvSpPr>
+        <p:spPr/>
+        <p:txBody>
+          <a:bodyPr/>
+          <a:lstStyle/>
+          <a:p>
+            <a:fld id="{64F0D409-D3F6-4EEC-8C77-1F5E89989FFB}" type="slidenum">
+              <a:rPr lang="ko-KR" altLang="en-US" smtClean="0"/>
+              <a:t>34</a:t>
+            </a:fld>
+            <a:endParaRPr lang="ko-KR" altLang="en-US"/>
+          </a:p>
+        </p:txBody>
+      </p:sp>
+    </p:spTree>
+    <p:extLst>
+      <p:ext uri="{BB962C8B-B14F-4D97-AF65-F5344CB8AC3E}">
+        <p14:creationId xmlns:p14="http://schemas.microsoft.com/office/powerpoint/2010/main" val="3455801149"/>
       </p:ext>
     </p:extLst>
   </p:cSld>
